--- a/Documents/0_PrivateStay_발표.pptx
+++ b/Documents/0_PrivateStay_발표.pptx
@@ -6,7 +6,7 @@
     <p:sldMasterId id="2147483673" r:id="rId2"/>
   </p:sldMasterIdLst>
   <p:notesMasterIdLst>
-    <p:notesMasterId r:id="rId36"/>
+    <p:notesMasterId r:id="rId38"/>
   </p:notesMasterIdLst>
   <p:sldIdLst>
     <p:sldId id="258" r:id="rId3"/>
@@ -15,33 +15,35 @@
     <p:sldId id="280" r:id="rId6"/>
     <p:sldId id="281" r:id="rId7"/>
     <p:sldId id="287" r:id="rId8"/>
-    <p:sldId id="278" r:id="rId9"/>
-    <p:sldId id="267" r:id="rId10"/>
-    <p:sldId id="282" r:id="rId11"/>
-    <p:sldId id="283" r:id="rId12"/>
-    <p:sldId id="289" r:id="rId13"/>
-    <p:sldId id="290" r:id="rId14"/>
-    <p:sldId id="284" r:id="rId15"/>
-    <p:sldId id="295" r:id="rId16"/>
-    <p:sldId id="296" r:id="rId17"/>
-    <p:sldId id="297" r:id="rId18"/>
-    <p:sldId id="298" r:id="rId19"/>
-    <p:sldId id="299" r:id="rId20"/>
-    <p:sldId id="300" r:id="rId21"/>
-    <p:sldId id="301" r:id="rId22"/>
-    <p:sldId id="302" r:id="rId23"/>
-    <p:sldId id="303" r:id="rId24"/>
-    <p:sldId id="304" r:id="rId25"/>
-    <p:sldId id="306" r:id="rId26"/>
-    <p:sldId id="285" r:id="rId27"/>
-    <p:sldId id="291" r:id="rId28"/>
-    <p:sldId id="292" r:id="rId29"/>
-    <p:sldId id="294" r:id="rId30"/>
-    <p:sldId id="307" r:id="rId31"/>
-    <p:sldId id="308" r:id="rId32"/>
-    <p:sldId id="309" r:id="rId33"/>
-    <p:sldId id="293" r:id="rId34"/>
-    <p:sldId id="310" r:id="rId35"/>
+    <p:sldId id="312" r:id="rId9"/>
+    <p:sldId id="278" r:id="rId10"/>
+    <p:sldId id="267" r:id="rId11"/>
+    <p:sldId id="282" r:id="rId12"/>
+    <p:sldId id="283" r:id="rId13"/>
+    <p:sldId id="289" r:id="rId14"/>
+    <p:sldId id="290" r:id="rId15"/>
+    <p:sldId id="284" r:id="rId16"/>
+    <p:sldId id="295" r:id="rId17"/>
+    <p:sldId id="296" r:id="rId18"/>
+    <p:sldId id="297" r:id="rId19"/>
+    <p:sldId id="298" r:id="rId20"/>
+    <p:sldId id="299" r:id="rId21"/>
+    <p:sldId id="300" r:id="rId22"/>
+    <p:sldId id="301" r:id="rId23"/>
+    <p:sldId id="302" r:id="rId24"/>
+    <p:sldId id="303" r:id="rId25"/>
+    <p:sldId id="304" r:id="rId26"/>
+    <p:sldId id="306" r:id="rId27"/>
+    <p:sldId id="285" r:id="rId28"/>
+    <p:sldId id="291" r:id="rId29"/>
+    <p:sldId id="292" r:id="rId30"/>
+    <p:sldId id="294" r:id="rId31"/>
+    <p:sldId id="307" r:id="rId32"/>
+    <p:sldId id="308" r:id="rId33"/>
+    <p:sldId id="309" r:id="rId34"/>
+    <p:sldId id="293" r:id="rId35"/>
+    <p:sldId id="310" r:id="rId36"/>
+    <p:sldId id="311" r:id="rId37"/>
   </p:sldIdLst>
   <p:sldSz cx="9144000" cy="6858000" type="screen4x3"/>
   <p:notesSz cx="6858000" cy="9144000"/>
@@ -151,6 +153,7 @@
             <p14:sldId id="280"/>
             <p14:sldId id="281"/>
             <p14:sldId id="287"/>
+            <p14:sldId id="312"/>
             <p14:sldId id="278"/>
             <p14:sldId id="267"/>
             <p14:sldId id="282"/>
@@ -186,6 +189,7 @@
             <p14:sldId id="309"/>
             <p14:sldId id="293"/>
             <p14:sldId id="310"/>
+            <p14:sldId id="311"/>
           </p14:sldIdLst>
         </p14:section>
         <p14:section name="뒷단" id="{978CCA77-1620-4940-BF6D-DFCC75FA1508}">
@@ -5394,7 +5398,7 @@
           <a:p>
             <a:r>
               <a:rPr lang="ko-KR" altLang="en-US" dirty="0"/>
-              <a:t>회원 가입 유형 선택</a:t>
+              <a:t>메인 화면</a:t>
             </a:r>
           </a:p>
         </p:txBody>
@@ -5416,7 +5420,15 @@
           <a:p>
             <a:r>
               <a:rPr lang="ko-KR" altLang="en-US" dirty="0"/>
-              <a:t>회원 가입 유형을 선택하는 화면</a:t>
+              <a:t>메인 화면</a:t>
+            </a:r>
+            <a:r>
+              <a:rPr lang="en-US" altLang="ko-KR" dirty="0"/>
+              <a:t>, </a:t>
+            </a:r>
+            <a:r>
+              <a:rPr lang="ko-KR" altLang="en-US" dirty="0"/>
+              <a:t>회원가입과 로그인 중 선택 </a:t>
             </a:r>
           </a:p>
         </p:txBody>
@@ -5436,51 +5448,35 @@
           <a:bodyPr/>
           <a:lstStyle/>
           <a:p>
-            <a:pPr marL="228600" indent="-228600">
-              <a:buAutoNum type="arabicPeriod"/>
-            </a:pPr>
+            <a:r>
+              <a:rPr lang="en-US" altLang="ko-KR" dirty="0"/>
+              <a:t>- </a:t>
+            </a:r>
             <a:r>
               <a:rPr lang="ko-KR" altLang="en-US" dirty="0"/>
-              <a:t>개인 버튼을 누르면</a:t>
-            </a:r>
-            <a:r>
+              <a:t>메인 화면</a:t>
+            </a:r>
+            <a:br>
               <a:rPr lang="en-US" altLang="ko-KR" dirty="0"/>
-              <a:t>,</a:t>
+            </a:br>
+            <a:r>
+              <a:rPr lang="en-US" altLang="ko-KR" dirty="0"/>
+              <a:t>1. </a:t>
             </a:r>
             <a:r>
               <a:rPr lang="ko-KR" altLang="en-US" dirty="0"/>
-              <a:t> 개인 회원 가입으로 이동</a:t>
+              <a:t>회원 가입 선택 화면으로 이동</a:t>
             </a:r>
             <a:endParaRPr lang="en-US" altLang="ko-KR" dirty="0"/>
           </a:p>
           <a:p>
-            <a:pPr marL="228600" indent="-228600">
-              <a:buAutoNum type="arabicPeriod"/>
-            </a:pPr>
+            <a:r>
+              <a:rPr lang="en-US" altLang="ko-KR" dirty="0"/>
+              <a:t>2. </a:t>
+            </a:r>
             <a:r>
               <a:rPr lang="ko-KR" altLang="en-US" dirty="0"/>
-              <a:t>사업자 버튼을 누르면</a:t>
-            </a:r>
-            <a:r>
-              <a:rPr lang="en-US" altLang="ko-KR" dirty="0"/>
-              <a:t>, </a:t>
-            </a:r>
-            <a:r>
-              <a:rPr lang="ko-KR" altLang="en-US" dirty="0"/>
-              <a:t>사업자의 회원 가입으로 이동</a:t>
-            </a:r>
-            <a:r>
-              <a:rPr lang="en-US" altLang="ko-KR" dirty="0"/>
-              <a:t> </a:t>
-            </a:r>
-          </a:p>
-          <a:p>
-            <a:pPr marL="228600" indent="-228600">
-              <a:buAutoNum type="arabicPeriod"/>
-            </a:pPr>
-            <a:r>
-              <a:rPr lang="ko-KR" altLang="en-US" dirty="0"/>
-              <a:t>메인 화면으로 이동</a:t>
+              <a:t>로그인 선택 화면으로 이동</a:t>
             </a:r>
           </a:p>
         </p:txBody>
@@ -5490,7 +5486,7 @@
           <p:cNvPr id="6" name="그림 5">
             <a:extLst>
               <a:ext uri="{FF2B5EF4-FFF2-40B4-BE49-F238E27FC236}">
-                <a16:creationId xmlns:a16="http://schemas.microsoft.com/office/drawing/2014/main" id="{ACCB699B-3399-D503-4053-2A96EDBAD617}"/>
+                <a16:creationId xmlns:a16="http://schemas.microsoft.com/office/drawing/2014/main" id="{EF0E4619-AEFB-B5A5-6872-939DF28E7E6A}"/>
               </a:ext>
             </a:extLst>
           </p:cNvPr>
@@ -5507,18 +5503,96 @@
         </p:blipFill>
         <p:spPr>
           <a:xfrm>
-            <a:off x="323529" y="2230279"/>
-            <a:ext cx="6114594" cy="3138080"/>
+            <a:off x="323529" y="2200055"/>
+            <a:ext cx="6105264" cy="3158974"/>
           </a:xfrm>
           <a:prstGeom prst="rect">
             <a:avLst/>
           </a:prstGeom>
         </p:spPr>
       </p:pic>
+      <p:sp>
+        <p:nvSpPr>
+          <p:cNvPr id="5" name="TextBox 4">
+            <a:extLst>
+              <a:ext uri="{FF2B5EF4-FFF2-40B4-BE49-F238E27FC236}">
+                <a16:creationId xmlns:a16="http://schemas.microsoft.com/office/drawing/2014/main" id="{248B5A0A-ACEE-897F-0934-0C06562EF8C2}"/>
+              </a:ext>
+            </a:extLst>
+          </p:cNvPr>
+          <p:cNvSpPr txBox="1"/>
+          <p:nvPr/>
+        </p:nvSpPr>
+        <p:spPr>
+          <a:xfrm>
+            <a:off x="2752531" y="3909526"/>
+            <a:ext cx="531845" cy="369332"/>
+          </a:xfrm>
+          <a:prstGeom prst="rect">
+            <a:avLst/>
+          </a:prstGeom>
+          <a:noFill/>
+        </p:spPr>
+        <p:txBody>
+          <a:bodyPr wrap="square" rtlCol="0">
+            <a:spAutoFit/>
+          </a:bodyPr>
+          <a:lstStyle/>
+          <a:p>
+            <a:r>
+              <a:rPr lang="ko-KR" altLang="en-US" b="1" dirty="0">
+                <a:solidFill>
+                  <a:srgbClr val="FF0000"/>
+                </a:solidFill>
+              </a:rPr>
+              <a:t>①</a:t>
+            </a:r>
+          </a:p>
+        </p:txBody>
+      </p:sp>
+      <p:sp>
+        <p:nvSpPr>
+          <p:cNvPr id="7" name="TextBox 6">
+            <a:extLst>
+              <a:ext uri="{FF2B5EF4-FFF2-40B4-BE49-F238E27FC236}">
+                <a16:creationId xmlns:a16="http://schemas.microsoft.com/office/drawing/2014/main" id="{14B29606-BD22-400B-328E-AC7079A87CAB}"/>
+              </a:ext>
+            </a:extLst>
+          </p:cNvPr>
+          <p:cNvSpPr txBox="1"/>
+          <p:nvPr/>
+        </p:nvSpPr>
+        <p:spPr>
+          <a:xfrm>
+            <a:off x="3576734" y="3909526"/>
+            <a:ext cx="531845" cy="369332"/>
+          </a:xfrm>
+          <a:prstGeom prst="rect">
+            <a:avLst/>
+          </a:prstGeom>
+          <a:noFill/>
+        </p:spPr>
+        <p:txBody>
+          <a:bodyPr wrap="square" rtlCol="0">
+            <a:spAutoFit/>
+          </a:bodyPr>
+          <a:lstStyle/>
+          <a:p>
+            <a:r>
+              <a:rPr lang="ko-KR" altLang="en-US" b="1" dirty="0">
+                <a:solidFill>
+                  <a:srgbClr val="FF0000"/>
+                </a:solidFill>
+              </a:rPr>
+              <a:t>②</a:t>
+            </a:r>
+          </a:p>
+        </p:txBody>
+      </p:sp>
     </p:spTree>
     <p:extLst>
       <p:ext uri="{BB962C8B-B14F-4D97-AF65-F5344CB8AC3E}">
-        <p14:creationId xmlns:p14="http://schemas.microsoft.com/office/powerpoint/2010/main" val="2429573275"/>
+        <p14:creationId xmlns:p14="http://schemas.microsoft.com/office/powerpoint/2010/main" val="1555301894"/>
       </p:ext>
     </p:extLst>
   </p:cSld>
@@ -5550,13 +5624,7 @@
       </p:grpSpPr>
       <p:sp>
         <p:nvSpPr>
-          <p:cNvPr id="2" name="제목 1">
-            <a:extLst>
-              <a:ext uri="{FF2B5EF4-FFF2-40B4-BE49-F238E27FC236}">
-                <a16:creationId xmlns:a16="http://schemas.microsoft.com/office/drawing/2014/main" id="{DF7E7F2F-CFB1-C8F6-743D-F15907D8518F}"/>
-              </a:ext>
-            </a:extLst>
-          </p:cNvPr>
+          <p:cNvPr id="2" name="제목 1"/>
           <p:cNvSpPr>
             <a:spLocks noGrp="1"/>
           </p:cNvSpPr>
@@ -5571,28 +5639,14 @@
           <a:p>
             <a:r>
               <a:rPr lang="ko-KR" altLang="en-US" dirty="0"/>
-              <a:t>회원 가입 </a:t>
-            </a:r>
-            <a:r>
-              <a:rPr lang="en-US" altLang="ko-KR" dirty="0"/>
-              <a:t>– </a:t>
-            </a:r>
-            <a:r>
-              <a:rPr lang="ko-KR" altLang="en-US" dirty="0"/>
-              <a:t>개인 회원</a:t>
-            </a:r>
-          </a:p>
-        </p:txBody>
-      </p:sp>
-      <p:sp>
-        <p:nvSpPr>
-          <p:cNvPr id="3" name="내용 개체 틀 2">
-            <a:extLst>
-              <a:ext uri="{FF2B5EF4-FFF2-40B4-BE49-F238E27FC236}">
-                <a16:creationId xmlns:a16="http://schemas.microsoft.com/office/drawing/2014/main" id="{7D570B6F-3CFE-C3DA-D3FC-86F4BDDE0E06}"/>
-              </a:ext>
-            </a:extLst>
-          </p:cNvPr>
+              <a:t>회원 가입 유형 선택</a:t>
+            </a:r>
+          </a:p>
+        </p:txBody>
+      </p:sp>
+      <p:sp>
+        <p:nvSpPr>
+          <p:cNvPr id="3" name="내용 개체 틀 2"/>
           <p:cNvSpPr>
             <a:spLocks noGrp="1"/>
           </p:cNvSpPr>
@@ -5607,20 +5661,14 @@
           <a:p>
             <a:r>
               <a:rPr lang="ko-KR" altLang="en-US" dirty="0"/>
-              <a:t>개인 회원의 회원 가입</a:t>
-            </a:r>
-          </a:p>
-        </p:txBody>
-      </p:sp>
-      <p:sp>
-        <p:nvSpPr>
-          <p:cNvPr id="4" name="내용 개체 틀 3">
-            <a:extLst>
-              <a:ext uri="{FF2B5EF4-FFF2-40B4-BE49-F238E27FC236}">
-                <a16:creationId xmlns:a16="http://schemas.microsoft.com/office/drawing/2014/main" id="{2418D008-A469-49AF-AF7C-50911B73D314}"/>
-              </a:ext>
-            </a:extLst>
-          </p:cNvPr>
+              <a:t>회원 가입 유형을 선택하는 화면</a:t>
+            </a:r>
+          </a:p>
+        </p:txBody>
+      </p:sp>
+      <p:sp>
+        <p:nvSpPr>
+          <p:cNvPr id="4" name="내용 개체 틀 3"/>
           <p:cNvSpPr>
             <a:spLocks noGrp="1"/>
           </p:cNvSpPr>
@@ -5638,15 +5686,15 @@
             </a:pPr>
             <a:r>
               <a:rPr lang="ko-KR" altLang="en-US" dirty="0"/>
-              <a:t>사용자 </a:t>
+              <a:t>개인 버튼을 누르면</a:t>
             </a:r>
             <a:r>
               <a:rPr lang="en-US" altLang="ko-KR" dirty="0"/>
-              <a:t>ID </a:t>
+              <a:t>,</a:t>
             </a:r>
             <a:r>
               <a:rPr lang="ko-KR" altLang="en-US" dirty="0"/>
-              <a:t>입력</a:t>
+              <a:t> 개인 회원 가입으로 이동</a:t>
             </a:r>
             <a:endParaRPr lang="en-US" altLang="ko-KR" dirty="0"/>
           </a:p>
@@ -5656,17 +5704,20 @@
             </a:pPr>
             <a:r>
               <a:rPr lang="ko-KR" altLang="en-US" dirty="0"/>
-              <a:t>비밀번호</a:t>
+              <a:t>사업자 버튼을 누르면</a:t>
+            </a:r>
+            <a:r>
+              <a:rPr lang="en-US" altLang="ko-KR" dirty="0"/>
+              <a:t>, </a:t>
+            </a:r>
+            <a:r>
+              <a:rPr lang="ko-KR" altLang="en-US" dirty="0"/>
+              <a:t>사업자의 회원 가입으로 이동</a:t>
             </a:r>
             <a:r>
               <a:rPr lang="en-US" altLang="ko-KR" dirty="0"/>
               <a:t> </a:t>
             </a:r>
-            <a:r>
-              <a:rPr lang="ko-KR" altLang="en-US" dirty="0"/>
-              <a:t>입력</a:t>
-            </a:r>
-            <a:endParaRPr lang="en-US" altLang="ko-KR" dirty="0"/>
           </a:p>
           <a:p>
             <a:pPr marL="228600" indent="-228600">
@@ -5674,47 +5725,17 @@
             </a:pPr>
             <a:r>
               <a:rPr lang="ko-KR" altLang="en-US" dirty="0"/>
-              <a:t>이름 입력</a:t>
-            </a:r>
-            <a:endParaRPr lang="en-US" altLang="ko-KR" dirty="0"/>
-          </a:p>
-          <a:p>
-            <a:pPr marL="228600" indent="-228600">
-              <a:buAutoNum type="arabicPeriod"/>
-            </a:pPr>
-            <a:r>
-              <a:rPr lang="ko-KR" altLang="en-US" dirty="0"/>
-              <a:t>성별 선택</a:t>
-            </a:r>
-            <a:endParaRPr lang="en-US" altLang="ko-KR" dirty="0"/>
-          </a:p>
-          <a:p>
-            <a:pPr marL="228600" indent="-228600">
-              <a:buAutoNum type="arabicPeriod"/>
-            </a:pPr>
-            <a:r>
-              <a:rPr lang="ko-KR" altLang="en-US" dirty="0"/>
-              <a:t>나이 입력</a:t>
-            </a:r>
-            <a:endParaRPr lang="en-US" altLang="ko-KR" dirty="0"/>
-          </a:p>
-          <a:p>
-            <a:pPr marL="228600" indent="-228600">
-              <a:buAutoNum type="arabicPeriod"/>
-            </a:pPr>
-            <a:r>
-              <a:rPr lang="ko-KR" altLang="en-US" dirty="0"/>
-              <a:t>가입 성공하면 로그인 페이지로 이동</a:t>
+              <a:t>메인 화면으로 이동</a:t>
             </a:r>
           </a:p>
         </p:txBody>
       </p:sp>
       <p:pic>
         <p:nvPicPr>
-          <p:cNvPr id="5" name="그림 4">
-            <a:extLst>
-              <a:ext uri="{FF2B5EF4-FFF2-40B4-BE49-F238E27FC236}">
-                <a16:creationId xmlns:a16="http://schemas.microsoft.com/office/drawing/2014/main" id="{464D2ED8-9E73-F5CC-FC99-5EFE8098E2BD}"/>
+          <p:cNvPr id="6" name="그림 5">
+            <a:extLst>
+              <a:ext uri="{FF2B5EF4-FFF2-40B4-BE49-F238E27FC236}">
+                <a16:creationId xmlns:a16="http://schemas.microsoft.com/office/drawing/2014/main" id="{ACCB699B-3399-D503-4053-2A96EDBAD617}"/>
               </a:ext>
             </a:extLst>
           </p:cNvPr>
@@ -5731,18 +5752,135 @@
         </p:blipFill>
         <p:spPr>
           <a:xfrm>
-            <a:off x="323528" y="2379306"/>
-            <a:ext cx="6138026" cy="3119443"/>
+            <a:off x="323529" y="2230279"/>
+            <a:ext cx="6114594" cy="3138080"/>
           </a:xfrm>
           <a:prstGeom prst="rect">
             <a:avLst/>
           </a:prstGeom>
         </p:spPr>
       </p:pic>
+      <p:sp>
+        <p:nvSpPr>
+          <p:cNvPr id="5" name="TextBox 4">
+            <a:extLst>
+              <a:ext uri="{FF2B5EF4-FFF2-40B4-BE49-F238E27FC236}">
+                <a16:creationId xmlns:a16="http://schemas.microsoft.com/office/drawing/2014/main" id="{C3285003-A8DD-A2A3-65FE-A082B7FC4C32}"/>
+              </a:ext>
+            </a:extLst>
+          </p:cNvPr>
+          <p:cNvSpPr txBox="1"/>
+          <p:nvPr/>
+        </p:nvSpPr>
+        <p:spPr>
+          <a:xfrm>
+            <a:off x="419878" y="2535931"/>
+            <a:ext cx="531845" cy="369332"/>
+          </a:xfrm>
+          <a:prstGeom prst="rect">
+            <a:avLst/>
+          </a:prstGeom>
+          <a:noFill/>
+        </p:spPr>
+        <p:txBody>
+          <a:bodyPr wrap="square" rtlCol="0">
+            <a:spAutoFit/>
+          </a:bodyPr>
+          <a:lstStyle/>
+          <a:p>
+            <a:r>
+              <a:rPr lang="ko-KR" altLang="en-US" b="1" dirty="0">
+                <a:solidFill>
+                  <a:srgbClr val="FF0000"/>
+                </a:solidFill>
+              </a:rPr>
+              <a:t>①</a:t>
+            </a:r>
+          </a:p>
+        </p:txBody>
+      </p:sp>
+      <p:sp>
+        <p:nvSpPr>
+          <p:cNvPr id="7" name="TextBox 6">
+            <a:extLst>
+              <a:ext uri="{FF2B5EF4-FFF2-40B4-BE49-F238E27FC236}">
+                <a16:creationId xmlns:a16="http://schemas.microsoft.com/office/drawing/2014/main" id="{B1E57940-8089-A25E-1028-4C7E06594852}"/>
+              </a:ext>
+            </a:extLst>
+          </p:cNvPr>
+          <p:cNvSpPr txBox="1"/>
+          <p:nvPr/>
+        </p:nvSpPr>
+        <p:spPr>
+          <a:xfrm>
+            <a:off x="1101824" y="2511382"/>
+            <a:ext cx="531845" cy="369332"/>
+          </a:xfrm>
+          <a:prstGeom prst="rect">
+            <a:avLst/>
+          </a:prstGeom>
+          <a:noFill/>
+        </p:spPr>
+        <p:txBody>
+          <a:bodyPr wrap="square" rtlCol="0">
+            <a:spAutoFit/>
+          </a:bodyPr>
+          <a:lstStyle/>
+          <a:p>
+            <a:r>
+              <a:rPr lang="ko-KR" altLang="en-US" b="1" dirty="0">
+                <a:solidFill>
+                  <a:srgbClr val="FF0000"/>
+                </a:solidFill>
+              </a:rPr>
+              <a:t>②</a:t>
+            </a:r>
+          </a:p>
+        </p:txBody>
+      </p:sp>
+      <p:sp>
+        <p:nvSpPr>
+          <p:cNvPr id="8" name="TextBox 7">
+            <a:extLst>
+              <a:ext uri="{FF2B5EF4-FFF2-40B4-BE49-F238E27FC236}">
+                <a16:creationId xmlns:a16="http://schemas.microsoft.com/office/drawing/2014/main" id="{A788A1D4-194A-4BA6-DFFB-DFFFC97E074B}"/>
+              </a:ext>
+            </a:extLst>
+          </p:cNvPr>
+          <p:cNvSpPr txBox="1"/>
+          <p:nvPr/>
+        </p:nvSpPr>
+        <p:spPr>
+          <a:xfrm>
+            <a:off x="1783770" y="2511382"/>
+            <a:ext cx="531845" cy="369332"/>
+          </a:xfrm>
+          <a:prstGeom prst="rect">
+            <a:avLst/>
+          </a:prstGeom>
+          <a:noFill/>
+        </p:spPr>
+        <p:txBody>
+          <a:bodyPr wrap="square" rtlCol="0">
+            <a:spAutoFit/>
+          </a:bodyPr>
+          <a:lstStyle/>
+          <a:p>
+            <a:r>
+              <a:rPr lang="ko-KR" altLang="en-US" b="1" dirty="0">
+                <a:solidFill>
+                  <a:srgbClr val="FF0000"/>
+                </a:solidFill>
+              </a:rPr>
+              <a:t>③</a:t>
+            </a:r>
+          </a:p>
+        </p:txBody>
+      </p:sp>
     </p:spTree>
     <p:extLst>
       <p:ext uri="{BB962C8B-B14F-4D97-AF65-F5344CB8AC3E}">
-        <p14:creationId xmlns:p14="http://schemas.microsoft.com/office/powerpoint/2010/main" val="1066979324"/>
+        <p14:creationId xmlns:p14="http://schemas.microsoft.com/office/powerpoint/2010/main" val="2429573275"/>
       </p:ext>
     </p:extLst>
   </p:cSld>
@@ -5777,7 +5915,7 @@
           <p:cNvPr id="2" name="제목 1">
             <a:extLst>
               <a:ext uri="{FF2B5EF4-FFF2-40B4-BE49-F238E27FC236}">
-                <a16:creationId xmlns:a16="http://schemas.microsoft.com/office/drawing/2014/main" id="{C985C83E-9F52-87A7-E8EA-30C2052B57E3}"/>
+                <a16:creationId xmlns:a16="http://schemas.microsoft.com/office/drawing/2014/main" id="{DF7E7F2F-CFB1-C8F6-743D-F15907D8518F}"/>
               </a:ext>
             </a:extLst>
           </p:cNvPr>
@@ -5803,7 +5941,7 @@
             </a:r>
             <a:r>
               <a:rPr lang="ko-KR" altLang="en-US" dirty="0"/>
-              <a:t>사업자 회원</a:t>
+              <a:t>개인 회원</a:t>
             </a:r>
           </a:p>
         </p:txBody>
@@ -5813,7 +5951,7 @@
           <p:cNvPr id="3" name="내용 개체 틀 2">
             <a:extLst>
               <a:ext uri="{FF2B5EF4-FFF2-40B4-BE49-F238E27FC236}">
-                <a16:creationId xmlns:a16="http://schemas.microsoft.com/office/drawing/2014/main" id="{F0476296-2573-9B46-F95A-D38F7C646424}"/>
+                <a16:creationId xmlns:a16="http://schemas.microsoft.com/office/drawing/2014/main" id="{7D570B6F-3CFE-C3DA-D3FC-86F4BDDE0E06}"/>
               </a:ext>
             </a:extLst>
           </p:cNvPr>
@@ -5831,7 +5969,7 @@
           <a:p>
             <a:r>
               <a:rPr lang="ko-KR" altLang="en-US" dirty="0"/>
-              <a:t>사업자 회원의 회원 가입</a:t>
+              <a:t>개인 회원의 회원 가입</a:t>
             </a:r>
           </a:p>
         </p:txBody>
@@ -5841,7 +5979,7 @@
           <p:cNvPr id="4" name="내용 개체 틀 3">
             <a:extLst>
               <a:ext uri="{FF2B5EF4-FFF2-40B4-BE49-F238E27FC236}">
-                <a16:creationId xmlns:a16="http://schemas.microsoft.com/office/drawing/2014/main" id="{A2387751-FD03-4913-A313-3EC33EE73734}"/>
+                <a16:creationId xmlns:a16="http://schemas.microsoft.com/office/drawing/2014/main" id="{2418D008-A469-49AF-AF7C-50911B73D314}"/>
               </a:ext>
             </a:extLst>
           </p:cNvPr>
@@ -5862,21 +6000,44 @@
             </a:pPr>
             <a:r>
               <a:rPr lang="ko-KR" altLang="en-US" dirty="0"/>
-              <a:t>사업자 코드 입력</a:t>
-            </a:r>
-            <a:endParaRPr lang="en-US" altLang="ko-KR" dirty="0"/>
+              <a:t>사용자 </a:t>
+            </a:r>
+            <a:r>
+              <a:rPr lang="en-US" altLang="ko-KR" dirty="0"/>
+              <a:t>ID </a:t>
+            </a:r>
+            <a:r>
+              <a:rPr lang="ko-KR" altLang="en-US" dirty="0"/>
+              <a:t>입력</a:t>
+            </a:r>
+            <a:r>
+              <a:rPr lang="en-US" altLang="ko-KR" dirty="0"/>
+              <a:t> (ID </a:t>
+            </a:r>
+            <a:r>
+              <a:rPr lang="ko-KR" altLang="en-US" dirty="0"/>
+              <a:t>중복 검사</a:t>
+            </a:r>
+            <a:r>
+              <a:rPr lang="en-US" altLang="ko-KR" dirty="0"/>
+              <a:t>)</a:t>
+            </a:r>
           </a:p>
           <a:p>
             <a:pPr marL="228600" indent="-228600">
               <a:buAutoNum type="arabicPeriod"/>
             </a:pPr>
             <a:r>
-              <a:rPr lang="ko-KR" altLang="en-US" dirty="0" err="1"/>
-              <a:t>비빌번호</a:t>
-            </a:r>
-            <a:r>
               <a:rPr lang="ko-KR" altLang="en-US" dirty="0"/>
-              <a:t> 입력</a:t>
+              <a:t>비밀번호</a:t>
+            </a:r>
+            <a:r>
+              <a:rPr lang="en-US" altLang="ko-KR" dirty="0"/>
+              <a:t> </a:t>
+            </a:r>
+            <a:r>
+              <a:rPr lang="ko-KR" altLang="en-US" dirty="0"/>
+              <a:t>입력</a:t>
             </a:r>
             <a:endParaRPr lang="en-US" altLang="ko-KR" dirty="0"/>
           </a:p>
@@ -5886,23 +6047,7 @@
             </a:pPr>
             <a:r>
               <a:rPr lang="ko-KR" altLang="en-US" dirty="0"/>
-              <a:t>이름</a:t>
-            </a:r>
-            <a:r>
-              <a:rPr lang="en-US" altLang="ko-KR" dirty="0"/>
-              <a:t>(</a:t>
-            </a:r>
-            <a:r>
-              <a:rPr lang="ko-KR" altLang="en-US" dirty="0"/>
-              <a:t>상호</a:t>
-            </a:r>
-            <a:r>
-              <a:rPr lang="en-US" altLang="ko-KR" dirty="0"/>
-              <a:t>)</a:t>
-            </a:r>
-            <a:r>
-              <a:rPr lang="ko-KR" altLang="en-US" dirty="0"/>
-              <a:t>입력</a:t>
+              <a:t>이름 입력</a:t>
             </a:r>
             <a:endParaRPr lang="en-US" altLang="ko-KR" dirty="0"/>
           </a:p>
@@ -5912,7 +6057,7 @@
             </a:pPr>
             <a:r>
               <a:rPr lang="ko-KR" altLang="en-US" dirty="0"/>
-              <a:t>가입일자 입력</a:t>
+              <a:t>성별 선택</a:t>
             </a:r>
             <a:endParaRPr lang="en-US" altLang="ko-KR" dirty="0"/>
           </a:p>
@@ -5922,20 +6067,27 @@
             </a:pPr>
             <a:r>
               <a:rPr lang="ko-KR" altLang="en-US" dirty="0"/>
+              <a:t>나이 입력</a:t>
+            </a:r>
+            <a:endParaRPr lang="en-US" altLang="ko-KR" dirty="0"/>
+          </a:p>
+          <a:p>
+            <a:pPr marL="228600" indent="-228600">
+              <a:buAutoNum type="arabicPeriod"/>
+            </a:pPr>
+            <a:r>
+              <a:rPr lang="ko-KR" altLang="en-US" dirty="0"/>
               <a:t>가입 성공하면 로그인 페이지로 이동</a:t>
             </a:r>
-          </a:p>
-          <a:p>
-            <a:endParaRPr lang="ko-KR" altLang="en-US" dirty="0"/>
           </a:p>
         </p:txBody>
       </p:sp>
       <p:pic>
         <p:nvPicPr>
-          <p:cNvPr id="6" name="그림 5">
-            <a:extLst>
-              <a:ext uri="{FF2B5EF4-FFF2-40B4-BE49-F238E27FC236}">
-                <a16:creationId xmlns:a16="http://schemas.microsoft.com/office/drawing/2014/main" id="{0AEF6641-1053-33B6-7288-4AD117CEC078}"/>
+          <p:cNvPr id="5" name="그림 4">
+            <a:extLst>
+              <a:ext uri="{FF2B5EF4-FFF2-40B4-BE49-F238E27FC236}">
+                <a16:creationId xmlns:a16="http://schemas.microsoft.com/office/drawing/2014/main" id="{464D2ED8-9E73-F5CC-FC99-5EFE8098E2BD}"/>
               </a:ext>
             </a:extLst>
           </p:cNvPr>
@@ -5952,18 +6104,252 @@
         </p:blipFill>
         <p:spPr>
           <a:xfrm>
-            <a:off x="323529" y="2451690"/>
-            <a:ext cx="6114594" cy="3075051"/>
+            <a:off x="323528" y="2379306"/>
+            <a:ext cx="6138026" cy="3119443"/>
           </a:xfrm>
           <a:prstGeom prst="rect">
             <a:avLst/>
           </a:prstGeom>
         </p:spPr>
       </p:pic>
+      <p:sp>
+        <p:nvSpPr>
+          <p:cNvPr id="9" name="TextBox 8">
+            <a:extLst>
+              <a:ext uri="{FF2B5EF4-FFF2-40B4-BE49-F238E27FC236}">
+                <a16:creationId xmlns:a16="http://schemas.microsoft.com/office/drawing/2014/main" id="{87B4ACC7-467D-1D76-9D4C-70947276214C}"/>
+              </a:ext>
+            </a:extLst>
+          </p:cNvPr>
+          <p:cNvSpPr txBox="1"/>
+          <p:nvPr/>
+        </p:nvSpPr>
+        <p:spPr>
+          <a:xfrm>
+            <a:off x="2472612" y="2348831"/>
+            <a:ext cx="531845" cy="369332"/>
+          </a:xfrm>
+          <a:prstGeom prst="rect">
+            <a:avLst/>
+          </a:prstGeom>
+          <a:noFill/>
+        </p:spPr>
+        <p:txBody>
+          <a:bodyPr wrap="square" rtlCol="0">
+            <a:spAutoFit/>
+          </a:bodyPr>
+          <a:lstStyle/>
+          <a:p>
+            <a:r>
+              <a:rPr lang="ko-KR" altLang="en-US" b="1" dirty="0">
+                <a:solidFill>
+                  <a:srgbClr val="FF0000"/>
+                </a:solidFill>
+              </a:rPr>
+              <a:t>①</a:t>
+            </a:r>
+          </a:p>
+        </p:txBody>
+      </p:sp>
+      <p:sp>
+        <p:nvSpPr>
+          <p:cNvPr id="10" name="TextBox 9">
+            <a:extLst>
+              <a:ext uri="{FF2B5EF4-FFF2-40B4-BE49-F238E27FC236}">
+                <a16:creationId xmlns:a16="http://schemas.microsoft.com/office/drawing/2014/main" id="{C611FC80-910E-3181-5CD4-D4707C73B11C}"/>
+              </a:ext>
+            </a:extLst>
+          </p:cNvPr>
+          <p:cNvSpPr txBox="1"/>
+          <p:nvPr/>
+        </p:nvSpPr>
+        <p:spPr>
+          <a:xfrm>
+            <a:off x="2486607" y="2592164"/>
+            <a:ext cx="531845" cy="369332"/>
+          </a:xfrm>
+          <a:prstGeom prst="rect">
+            <a:avLst/>
+          </a:prstGeom>
+          <a:noFill/>
+        </p:spPr>
+        <p:txBody>
+          <a:bodyPr wrap="square" rtlCol="0">
+            <a:spAutoFit/>
+          </a:bodyPr>
+          <a:lstStyle/>
+          <a:p>
+            <a:r>
+              <a:rPr lang="ko-KR" altLang="en-US" b="1" dirty="0">
+                <a:solidFill>
+                  <a:srgbClr val="FF0000"/>
+                </a:solidFill>
+              </a:rPr>
+              <a:t>②</a:t>
+            </a:r>
+          </a:p>
+        </p:txBody>
+      </p:sp>
+      <p:sp>
+        <p:nvSpPr>
+          <p:cNvPr id="11" name="TextBox 10">
+            <a:extLst>
+              <a:ext uri="{FF2B5EF4-FFF2-40B4-BE49-F238E27FC236}">
+                <a16:creationId xmlns:a16="http://schemas.microsoft.com/office/drawing/2014/main" id="{DDA852EB-C9AE-E0D0-780F-935A268710D8}"/>
+              </a:ext>
+            </a:extLst>
+          </p:cNvPr>
+          <p:cNvSpPr txBox="1"/>
+          <p:nvPr/>
+        </p:nvSpPr>
+        <p:spPr>
+          <a:xfrm>
+            <a:off x="2157350" y="2776830"/>
+            <a:ext cx="531845" cy="369332"/>
+          </a:xfrm>
+          <a:prstGeom prst="rect">
+            <a:avLst/>
+          </a:prstGeom>
+          <a:noFill/>
+        </p:spPr>
+        <p:txBody>
+          <a:bodyPr wrap="square" rtlCol="0">
+            <a:spAutoFit/>
+          </a:bodyPr>
+          <a:lstStyle/>
+          <a:p>
+            <a:r>
+              <a:rPr lang="ko-KR" altLang="en-US" b="1" dirty="0">
+                <a:solidFill>
+                  <a:srgbClr val="FF0000"/>
+                </a:solidFill>
+              </a:rPr>
+              <a:t>③</a:t>
+            </a:r>
+          </a:p>
+        </p:txBody>
+      </p:sp>
+      <p:sp>
+        <p:nvSpPr>
+          <p:cNvPr id="12" name="TextBox 11">
+            <a:extLst>
+              <a:ext uri="{FF2B5EF4-FFF2-40B4-BE49-F238E27FC236}">
+                <a16:creationId xmlns:a16="http://schemas.microsoft.com/office/drawing/2014/main" id="{6D068CF9-CF5C-A31E-E648-77BC19D3710B}"/>
+              </a:ext>
+            </a:extLst>
+          </p:cNvPr>
+          <p:cNvSpPr txBox="1"/>
+          <p:nvPr/>
+        </p:nvSpPr>
+        <p:spPr>
+          <a:xfrm>
+            <a:off x="1296248" y="2947359"/>
+            <a:ext cx="531845" cy="369332"/>
+          </a:xfrm>
+          <a:prstGeom prst="rect">
+            <a:avLst/>
+          </a:prstGeom>
+          <a:noFill/>
+        </p:spPr>
+        <p:txBody>
+          <a:bodyPr wrap="square" rtlCol="0">
+            <a:spAutoFit/>
+          </a:bodyPr>
+          <a:lstStyle/>
+          <a:p>
+            <a:r>
+              <a:rPr lang="ko-KR" altLang="en-US" b="1" dirty="0">
+                <a:solidFill>
+                  <a:srgbClr val="FF0000"/>
+                </a:solidFill>
+              </a:rPr>
+              <a:t>④</a:t>
+            </a:r>
+          </a:p>
+        </p:txBody>
+      </p:sp>
+      <p:sp>
+        <p:nvSpPr>
+          <p:cNvPr id="13" name="TextBox 12">
+            <a:extLst>
+              <a:ext uri="{FF2B5EF4-FFF2-40B4-BE49-F238E27FC236}">
+                <a16:creationId xmlns:a16="http://schemas.microsoft.com/office/drawing/2014/main" id="{2D69C75F-154C-BF5A-A2BD-5641DBFAD825}"/>
+              </a:ext>
+            </a:extLst>
+          </p:cNvPr>
+          <p:cNvSpPr txBox="1"/>
+          <p:nvPr/>
+        </p:nvSpPr>
+        <p:spPr>
+          <a:xfrm>
+            <a:off x="2157349" y="3174354"/>
+            <a:ext cx="531845" cy="369332"/>
+          </a:xfrm>
+          <a:prstGeom prst="rect">
+            <a:avLst/>
+          </a:prstGeom>
+          <a:noFill/>
+        </p:spPr>
+        <p:txBody>
+          <a:bodyPr wrap="square" rtlCol="0">
+            <a:spAutoFit/>
+          </a:bodyPr>
+          <a:lstStyle/>
+          <a:p>
+            <a:r>
+              <a:rPr lang="ko-KR" altLang="en-US" b="1" dirty="0">
+                <a:solidFill>
+                  <a:srgbClr val="FF0000"/>
+                </a:solidFill>
+              </a:rPr>
+              <a:t>⑤</a:t>
+            </a:r>
+          </a:p>
+        </p:txBody>
+      </p:sp>
+      <p:sp>
+        <p:nvSpPr>
+          <p:cNvPr id="14" name="TextBox 13">
+            <a:extLst>
+              <a:ext uri="{FF2B5EF4-FFF2-40B4-BE49-F238E27FC236}">
+                <a16:creationId xmlns:a16="http://schemas.microsoft.com/office/drawing/2014/main" id="{0CD8E631-8720-A1AB-FCFA-55CF506723D0}"/>
+              </a:ext>
+            </a:extLst>
+          </p:cNvPr>
+          <p:cNvSpPr txBox="1"/>
+          <p:nvPr/>
+        </p:nvSpPr>
+        <p:spPr>
+          <a:xfrm>
+            <a:off x="909775" y="3429000"/>
+            <a:ext cx="531845" cy="369332"/>
+          </a:xfrm>
+          <a:prstGeom prst="rect">
+            <a:avLst/>
+          </a:prstGeom>
+          <a:noFill/>
+        </p:spPr>
+        <p:txBody>
+          <a:bodyPr wrap="square" rtlCol="0">
+            <a:spAutoFit/>
+          </a:bodyPr>
+          <a:lstStyle/>
+          <a:p>
+            <a:r>
+              <a:rPr lang="ko-KR" altLang="en-US" b="1" dirty="0">
+                <a:solidFill>
+                  <a:srgbClr val="FF0000"/>
+                </a:solidFill>
+              </a:rPr>
+              <a:t>⑥</a:t>
+            </a:r>
+          </a:p>
+        </p:txBody>
+      </p:sp>
     </p:spTree>
     <p:extLst>
       <p:ext uri="{BB962C8B-B14F-4D97-AF65-F5344CB8AC3E}">
-        <p14:creationId xmlns:p14="http://schemas.microsoft.com/office/powerpoint/2010/main" val="2062906890"/>
+        <p14:creationId xmlns:p14="http://schemas.microsoft.com/office/powerpoint/2010/main" val="1066979324"/>
       </p:ext>
     </p:extLst>
   </p:cSld>
@@ -5995,7 +6381,13 @@
       </p:grpSpPr>
       <p:sp>
         <p:nvSpPr>
-          <p:cNvPr id="2" name="제목 1"/>
+          <p:cNvPr id="2" name="제목 1">
+            <a:extLst>
+              <a:ext uri="{FF2B5EF4-FFF2-40B4-BE49-F238E27FC236}">
+                <a16:creationId xmlns:a16="http://schemas.microsoft.com/office/drawing/2014/main" id="{C985C83E-9F52-87A7-E8EA-30C2052B57E3}"/>
+              </a:ext>
+            </a:extLst>
+          </p:cNvPr>
           <p:cNvSpPr>
             <a:spLocks noGrp="1"/>
           </p:cNvSpPr>
@@ -6010,14 +6402,28 @@
           <a:p>
             <a:r>
               <a:rPr lang="ko-KR" altLang="en-US" dirty="0"/>
-              <a:t>로그인 유형 선택 화면</a:t>
-            </a:r>
-          </a:p>
-        </p:txBody>
-      </p:sp>
-      <p:sp>
-        <p:nvSpPr>
-          <p:cNvPr id="3" name="내용 개체 틀 2"/>
+              <a:t>회원 가입 </a:t>
+            </a:r>
+            <a:r>
+              <a:rPr lang="en-US" altLang="ko-KR" dirty="0"/>
+              <a:t>– </a:t>
+            </a:r>
+            <a:r>
+              <a:rPr lang="ko-KR" altLang="en-US" dirty="0"/>
+              <a:t>사업자 회원</a:t>
+            </a:r>
+          </a:p>
+        </p:txBody>
+      </p:sp>
+      <p:sp>
+        <p:nvSpPr>
+          <p:cNvPr id="3" name="내용 개체 틀 2">
+            <a:extLst>
+              <a:ext uri="{FF2B5EF4-FFF2-40B4-BE49-F238E27FC236}">
+                <a16:creationId xmlns:a16="http://schemas.microsoft.com/office/drawing/2014/main" id="{F0476296-2573-9B46-F95A-D38F7C646424}"/>
+              </a:ext>
+            </a:extLst>
+          </p:cNvPr>
           <p:cNvSpPr>
             <a:spLocks noGrp="1"/>
           </p:cNvSpPr>
@@ -6032,14 +6438,20 @@
           <a:p>
             <a:r>
               <a:rPr lang="ko-KR" altLang="en-US" dirty="0"/>
-              <a:t>로그인 유형 선택 화면</a:t>
-            </a:r>
-          </a:p>
-        </p:txBody>
-      </p:sp>
-      <p:sp>
-        <p:nvSpPr>
-          <p:cNvPr id="4" name="내용 개체 틀 3"/>
+              <a:t>사업자 회원의 회원 가입</a:t>
+            </a:r>
+          </a:p>
+        </p:txBody>
+      </p:sp>
+      <p:sp>
+        <p:nvSpPr>
+          <p:cNvPr id="4" name="내용 개체 틀 3">
+            <a:extLst>
+              <a:ext uri="{FF2B5EF4-FFF2-40B4-BE49-F238E27FC236}">
+                <a16:creationId xmlns:a16="http://schemas.microsoft.com/office/drawing/2014/main" id="{A2387751-FD03-4913-A313-3EC33EE73734}"/>
+              </a:ext>
+            </a:extLst>
+          </p:cNvPr>
           <p:cNvSpPr>
             <a:spLocks noGrp="1"/>
           </p:cNvSpPr>
@@ -6052,46 +6464,85 @@
           <a:bodyPr/>
           <a:lstStyle/>
           <a:p>
+            <a:pPr marL="228600" indent="-228600">
+              <a:buAutoNum type="arabicPeriod"/>
+            </a:pPr>
+            <a:r>
+              <a:rPr lang="ko-KR" altLang="en-US" dirty="0"/>
+              <a:t>사업자 코드 입력</a:t>
+            </a:r>
+            <a:endParaRPr lang="en-US" altLang="ko-KR" dirty="0"/>
+          </a:p>
+          <a:p>
+            <a:pPr marL="228600" indent="-228600">
+              <a:buAutoNum type="arabicPeriod"/>
+            </a:pPr>
+            <a:r>
+              <a:rPr lang="ko-KR" altLang="en-US" dirty="0" err="1"/>
+              <a:t>비빌번호</a:t>
+            </a:r>
+            <a:r>
+              <a:rPr lang="ko-KR" altLang="en-US" dirty="0"/>
+              <a:t> 입력</a:t>
+            </a:r>
+            <a:endParaRPr lang="en-US" altLang="ko-KR" dirty="0"/>
+          </a:p>
+          <a:p>
+            <a:pPr marL="228600" indent="-228600">
+              <a:buAutoNum type="arabicPeriod"/>
+            </a:pPr>
+            <a:r>
+              <a:rPr lang="ko-KR" altLang="en-US" dirty="0"/>
+              <a:t>이름</a:t>
+            </a:r>
             <a:r>
               <a:rPr lang="en-US" altLang="ko-KR" dirty="0"/>
-              <a:t>1.</a:t>
+              <a:t>(</a:t>
             </a:r>
             <a:r>
               <a:rPr lang="ko-KR" altLang="en-US" dirty="0"/>
-              <a:t> 개인 회원 로그인 화면으로 이동</a:t>
+              <a:t>상호</a:t>
+            </a:r>
+            <a:r>
+              <a:rPr lang="en-US" altLang="ko-KR" dirty="0"/>
+              <a:t>)</a:t>
+            </a:r>
+            <a:r>
+              <a:rPr lang="ko-KR" altLang="en-US" dirty="0"/>
+              <a:t>입력</a:t>
             </a:r>
             <a:endParaRPr lang="en-US" altLang="ko-KR" dirty="0"/>
           </a:p>
           <a:p>
-            <a:r>
-              <a:rPr lang="en-US" altLang="ko-KR" dirty="0"/>
-              <a:t>2. </a:t>
-            </a:r>
+            <a:pPr marL="228600" indent="-228600">
+              <a:buAutoNum type="arabicPeriod"/>
+            </a:pPr>
             <a:r>
               <a:rPr lang="ko-KR" altLang="en-US" dirty="0"/>
-              <a:t>사업자 회원 로그인 화면으로 이동</a:t>
+              <a:t>가입일자 입력</a:t>
             </a:r>
             <a:endParaRPr lang="en-US" altLang="ko-KR" dirty="0"/>
           </a:p>
           <a:p>
-            <a:r>
-              <a:rPr lang="en-US" altLang="ko-KR" dirty="0"/>
-              <a:t>3. </a:t>
-            </a:r>
-            <a:r>
-              <a:rPr lang="ko-KR" altLang="en-US" dirty="0" err="1"/>
-              <a:t>뒤로가기</a:t>
-            </a:r>
+            <a:pPr marL="228600" indent="-228600">
+              <a:buAutoNum type="arabicPeriod"/>
+            </a:pPr>
+            <a:r>
+              <a:rPr lang="ko-KR" altLang="en-US" dirty="0"/>
+              <a:t>가입 성공하면 로그인 페이지로 이동</a:t>
+            </a:r>
+          </a:p>
+          <a:p>
             <a:endParaRPr lang="ko-KR" altLang="en-US" dirty="0"/>
           </a:p>
         </p:txBody>
       </p:sp>
       <p:pic>
         <p:nvPicPr>
-          <p:cNvPr id="10" name="그림 9">
-            <a:extLst>
-              <a:ext uri="{FF2B5EF4-FFF2-40B4-BE49-F238E27FC236}">
-                <a16:creationId xmlns:a16="http://schemas.microsoft.com/office/drawing/2014/main" id="{D0E7E1ED-7DC3-AA8E-CB81-BE19AC0CCF7C}"/>
+          <p:cNvPr id="6" name="그림 5">
+            <a:extLst>
+              <a:ext uri="{FF2B5EF4-FFF2-40B4-BE49-F238E27FC236}">
+                <a16:creationId xmlns:a16="http://schemas.microsoft.com/office/drawing/2014/main" id="{0AEF6641-1053-33B6-7288-4AD117CEC078}"/>
               </a:ext>
             </a:extLst>
           </p:cNvPr>
@@ -6108,18 +6559,213 @@
         </p:blipFill>
         <p:spPr>
           <a:xfrm>
-            <a:off x="323528" y="2385295"/>
-            <a:ext cx="6123925" cy="3115556"/>
+            <a:off x="323529" y="2451690"/>
+            <a:ext cx="6114594" cy="3075051"/>
           </a:xfrm>
           <a:prstGeom prst="rect">
             <a:avLst/>
           </a:prstGeom>
         </p:spPr>
       </p:pic>
+      <p:sp>
+        <p:nvSpPr>
+          <p:cNvPr id="5" name="TextBox 4">
+            <a:extLst>
+              <a:ext uri="{FF2B5EF4-FFF2-40B4-BE49-F238E27FC236}">
+                <a16:creationId xmlns:a16="http://schemas.microsoft.com/office/drawing/2014/main" id="{F57BE0F1-3D7D-C272-69A2-5FF5AEF32FED}"/>
+              </a:ext>
+            </a:extLst>
+          </p:cNvPr>
+          <p:cNvSpPr txBox="1"/>
+          <p:nvPr/>
+        </p:nvSpPr>
+        <p:spPr>
+          <a:xfrm>
+            <a:off x="2695373" y="2385918"/>
+            <a:ext cx="531845" cy="369332"/>
+          </a:xfrm>
+          <a:prstGeom prst="rect">
+            <a:avLst/>
+          </a:prstGeom>
+          <a:noFill/>
+        </p:spPr>
+        <p:txBody>
+          <a:bodyPr wrap="square" rtlCol="0">
+            <a:spAutoFit/>
+          </a:bodyPr>
+          <a:lstStyle/>
+          <a:p>
+            <a:r>
+              <a:rPr lang="ko-KR" altLang="en-US" b="1" dirty="0">
+                <a:solidFill>
+                  <a:srgbClr val="FF0000"/>
+                </a:solidFill>
+              </a:rPr>
+              <a:t>①</a:t>
+            </a:r>
+          </a:p>
+        </p:txBody>
+      </p:sp>
+      <p:sp>
+        <p:nvSpPr>
+          <p:cNvPr id="7" name="TextBox 6">
+            <a:extLst>
+              <a:ext uri="{FF2B5EF4-FFF2-40B4-BE49-F238E27FC236}">
+                <a16:creationId xmlns:a16="http://schemas.microsoft.com/office/drawing/2014/main" id="{0A30D3E6-26EC-54C9-1217-4719DCFD49F4}"/>
+              </a:ext>
+            </a:extLst>
+          </p:cNvPr>
+          <p:cNvSpPr txBox="1"/>
+          <p:nvPr/>
+        </p:nvSpPr>
+        <p:spPr>
+          <a:xfrm>
+            <a:off x="2519655" y="2626739"/>
+            <a:ext cx="531845" cy="369332"/>
+          </a:xfrm>
+          <a:prstGeom prst="rect">
+            <a:avLst/>
+          </a:prstGeom>
+          <a:noFill/>
+        </p:spPr>
+        <p:txBody>
+          <a:bodyPr wrap="square" rtlCol="0">
+            <a:spAutoFit/>
+          </a:bodyPr>
+          <a:lstStyle/>
+          <a:p>
+            <a:r>
+              <a:rPr lang="ko-KR" altLang="en-US" b="1" dirty="0">
+                <a:solidFill>
+                  <a:srgbClr val="FF0000"/>
+                </a:solidFill>
+              </a:rPr>
+              <a:t>②</a:t>
+            </a:r>
+          </a:p>
+        </p:txBody>
+      </p:sp>
+      <p:sp>
+        <p:nvSpPr>
+          <p:cNvPr id="8" name="TextBox 7">
+            <a:extLst>
+              <a:ext uri="{FF2B5EF4-FFF2-40B4-BE49-F238E27FC236}">
+                <a16:creationId xmlns:a16="http://schemas.microsoft.com/office/drawing/2014/main" id="{83FB1A4B-AC3E-605A-D035-735BA569635A}"/>
+              </a:ext>
+            </a:extLst>
+          </p:cNvPr>
+          <p:cNvSpPr txBox="1"/>
+          <p:nvPr/>
+        </p:nvSpPr>
+        <p:spPr>
+          <a:xfrm>
+            <a:off x="2187259" y="2823464"/>
+            <a:ext cx="531845" cy="369332"/>
+          </a:xfrm>
+          <a:prstGeom prst="rect">
+            <a:avLst/>
+          </a:prstGeom>
+          <a:noFill/>
+        </p:spPr>
+        <p:txBody>
+          <a:bodyPr wrap="square" rtlCol="0">
+            <a:spAutoFit/>
+          </a:bodyPr>
+          <a:lstStyle/>
+          <a:p>
+            <a:r>
+              <a:rPr lang="ko-KR" altLang="en-US" b="1" dirty="0">
+                <a:solidFill>
+                  <a:srgbClr val="FF0000"/>
+                </a:solidFill>
+              </a:rPr>
+              <a:t>③</a:t>
+            </a:r>
+          </a:p>
+        </p:txBody>
+      </p:sp>
+      <p:sp>
+        <p:nvSpPr>
+          <p:cNvPr id="9" name="TextBox 8">
+            <a:extLst>
+              <a:ext uri="{FF2B5EF4-FFF2-40B4-BE49-F238E27FC236}">
+                <a16:creationId xmlns:a16="http://schemas.microsoft.com/office/drawing/2014/main" id="{7CEABE89-C52B-1526-709F-A82158BFDEA0}"/>
+              </a:ext>
+            </a:extLst>
+          </p:cNvPr>
+          <p:cNvSpPr txBox="1"/>
+          <p:nvPr/>
+        </p:nvSpPr>
+        <p:spPr>
+          <a:xfrm>
+            <a:off x="2162759" y="3189780"/>
+            <a:ext cx="531845" cy="369332"/>
+          </a:xfrm>
+          <a:prstGeom prst="rect">
+            <a:avLst/>
+          </a:prstGeom>
+          <a:noFill/>
+        </p:spPr>
+        <p:txBody>
+          <a:bodyPr wrap="square" rtlCol="0">
+            <a:spAutoFit/>
+          </a:bodyPr>
+          <a:lstStyle/>
+          <a:p>
+            <a:r>
+              <a:rPr lang="ko-KR" altLang="en-US" b="1" dirty="0">
+                <a:solidFill>
+                  <a:srgbClr val="FF0000"/>
+                </a:solidFill>
+              </a:rPr>
+              <a:t>④</a:t>
+            </a:r>
+          </a:p>
+        </p:txBody>
+      </p:sp>
+      <p:sp>
+        <p:nvSpPr>
+          <p:cNvPr id="10" name="TextBox 9">
+            <a:extLst>
+              <a:ext uri="{FF2B5EF4-FFF2-40B4-BE49-F238E27FC236}">
+                <a16:creationId xmlns:a16="http://schemas.microsoft.com/office/drawing/2014/main" id="{B8B3BD17-DF42-0DD2-ACF9-B53F55F169E1}"/>
+              </a:ext>
+            </a:extLst>
+          </p:cNvPr>
+          <p:cNvSpPr txBox="1"/>
+          <p:nvPr/>
+        </p:nvSpPr>
+        <p:spPr>
+          <a:xfrm>
+            <a:off x="3227218" y="3059668"/>
+            <a:ext cx="531845" cy="369332"/>
+          </a:xfrm>
+          <a:prstGeom prst="rect">
+            <a:avLst/>
+          </a:prstGeom>
+          <a:noFill/>
+        </p:spPr>
+        <p:txBody>
+          <a:bodyPr wrap="square" rtlCol="0">
+            <a:spAutoFit/>
+          </a:bodyPr>
+          <a:lstStyle/>
+          <a:p>
+            <a:r>
+              <a:rPr lang="ko-KR" altLang="en-US" b="1" dirty="0">
+                <a:solidFill>
+                  <a:srgbClr val="FF0000"/>
+                </a:solidFill>
+              </a:rPr>
+              <a:t>⑤</a:t>
+            </a:r>
+          </a:p>
+        </p:txBody>
+      </p:sp>
     </p:spTree>
     <p:extLst>
       <p:ext uri="{BB962C8B-B14F-4D97-AF65-F5344CB8AC3E}">
-        <p14:creationId xmlns:p14="http://schemas.microsoft.com/office/powerpoint/2010/main" val="410566445"/>
+        <p14:creationId xmlns:p14="http://schemas.microsoft.com/office/powerpoint/2010/main" val="2062906890"/>
       </p:ext>
     </p:extLst>
   </p:cSld>
@@ -6151,13 +6797,7 @@
       </p:grpSpPr>
       <p:sp>
         <p:nvSpPr>
-          <p:cNvPr id="2" name="제목 1">
-            <a:extLst>
-              <a:ext uri="{FF2B5EF4-FFF2-40B4-BE49-F238E27FC236}">
-                <a16:creationId xmlns:a16="http://schemas.microsoft.com/office/drawing/2014/main" id="{3EDC60C0-7666-1F60-327C-1EC0A37A6EF8}"/>
-              </a:ext>
-            </a:extLst>
-          </p:cNvPr>
+          <p:cNvPr id="2" name="제목 1"/>
           <p:cNvSpPr>
             <a:spLocks noGrp="1"/>
           </p:cNvSpPr>
@@ -6172,28 +6812,14 @@
           <a:p>
             <a:r>
               <a:rPr lang="ko-KR" altLang="en-US" dirty="0"/>
-              <a:t>로그인 </a:t>
-            </a:r>
-            <a:r>
-              <a:rPr lang="en-US" altLang="ko-KR" dirty="0"/>
-              <a:t>– </a:t>
-            </a:r>
-            <a:r>
-              <a:rPr lang="ko-KR" altLang="en-US" dirty="0"/>
-              <a:t>사업자 회원</a:t>
-            </a:r>
-          </a:p>
-        </p:txBody>
-      </p:sp>
-      <p:sp>
-        <p:nvSpPr>
-          <p:cNvPr id="3" name="내용 개체 틀 2">
-            <a:extLst>
-              <a:ext uri="{FF2B5EF4-FFF2-40B4-BE49-F238E27FC236}">
-                <a16:creationId xmlns:a16="http://schemas.microsoft.com/office/drawing/2014/main" id="{46AFB159-2765-B2D3-AA3B-3F525EB91D20}"/>
-              </a:ext>
-            </a:extLst>
-          </p:cNvPr>
+              <a:t>로그인 유형 선택 화면</a:t>
+            </a:r>
+          </a:p>
+        </p:txBody>
+      </p:sp>
+      <p:sp>
+        <p:nvSpPr>
+          <p:cNvPr id="3" name="내용 개체 틀 2"/>
           <p:cNvSpPr>
             <a:spLocks noGrp="1"/>
           </p:cNvSpPr>
@@ -6208,20 +6834,14 @@
           <a:p>
             <a:r>
               <a:rPr lang="ko-KR" altLang="en-US" dirty="0"/>
-              <a:t>사업자 회원의 로그인 화면</a:t>
-            </a:r>
-          </a:p>
-        </p:txBody>
-      </p:sp>
-      <p:sp>
-        <p:nvSpPr>
-          <p:cNvPr id="4" name="내용 개체 틀 3">
-            <a:extLst>
-              <a:ext uri="{FF2B5EF4-FFF2-40B4-BE49-F238E27FC236}">
-                <a16:creationId xmlns:a16="http://schemas.microsoft.com/office/drawing/2014/main" id="{695F3638-2FF3-CD12-AD98-C65DEFD14786}"/>
-              </a:ext>
-            </a:extLst>
-          </p:cNvPr>
+              <a:t>로그인 유형 선택 화면</a:t>
+            </a:r>
+          </a:p>
+        </p:txBody>
+      </p:sp>
+      <p:sp>
+        <p:nvSpPr>
+          <p:cNvPr id="4" name="내용 개체 틀 3"/>
           <p:cNvSpPr>
             <a:spLocks noGrp="1"/>
           </p:cNvSpPr>
@@ -6234,60 +6854,46 @@
           <a:bodyPr/>
           <a:lstStyle/>
           <a:p>
-            <a:pPr marL="228600" indent="-228600">
-              <a:buAutoNum type="arabicPeriod"/>
-            </a:pPr>
+            <a:r>
+              <a:rPr lang="en-US" altLang="ko-KR" dirty="0"/>
+              <a:t>1.</a:t>
+            </a:r>
             <a:r>
               <a:rPr lang="ko-KR" altLang="en-US" dirty="0"/>
-              <a:t>사업자 코드 입력</a:t>
+              <a:t> 개인 회원 로그인 화면으로 이동</a:t>
             </a:r>
             <a:endParaRPr lang="en-US" altLang="ko-KR" dirty="0"/>
           </a:p>
           <a:p>
-            <a:pPr marL="228600" indent="-228600">
-              <a:buAutoNum type="arabicPeriod"/>
-            </a:pPr>
+            <a:r>
+              <a:rPr lang="en-US" altLang="ko-KR" dirty="0"/>
+              <a:t>2. </a:t>
+            </a:r>
             <a:r>
               <a:rPr lang="ko-KR" altLang="en-US" dirty="0"/>
-              <a:t>비밀번호 입력</a:t>
+              <a:t>사업자 회원 로그인 화면으로 이동</a:t>
             </a:r>
             <a:endParaRPr lang="en-US" altLang="ko-KR" dirty="0"/>
           </a:p>
           <a:p>
-            <a:pPr marL="228600" indent="-228600">
-              <a:buAutoNum type="arabicPeriod"/>
-            </a:pPr>
-            <a:r>
-              <a:rPr lang="ko-KR" altLang="en-US" dirty="0"/>
-              <a:t>로그인 성공 시</a:t>
-            </a:r>
             <a:r>
               <a:rPr lang="en-US" altLang="ko-KR" dirty="0"/>
-              <a:t>, </a:t>
-            </a:r>
-            <a:r>
-              <a:rPr lang="ko-KR" altLang="en-US" dirty="0"/>
-              <a:t>사업자 메뉴로 이동 </a:t>
-            </a:r>
-            <a:endParaRPr lang="en-US" altLang="ko-KR" dirty="0"/>
-          </a:p>
-          <a:p>
-            <a:pPr marL="228600" indent="-228600">
-              <a:buAutoNum type="arabicPeriod"/>
-            </a:pPr>
-            <a:r>
-              <a:rPr lang="ko-KR" altLang="en-US" dirty="0"/>
-              <a:t>뒤로 가기</a:t>
-            </a:r>
+              <a:t>3. </a:t>
+            </a:r>
+            <a:r>
+              <a:rPr lang="ko-KR" altLang="en-US" dirty="0" err="1"/>
+              <a:t>뒤로가기</a:t>
+            </a:r>
+            <a:endParaRPr lang="ko-KR" altLang="en-US" dirty="0"/>
           </a:p>
         </p:txBody>
       </p:sp>
       <p:pic>
         <p:nvPicPr>
-          <p:cNvPr id="6" name="그림 5">
-            <a:extLst>
-              <a:ext uri="{FF2B5EF4-FFF2-40B4-BE49-F238E27FC236}">
-                <a16:creationId xmlns:a16="http://schemas.microsoft.com/office/drawing/2014/main" id="{2A54F006-D428-AE83-9266-6D780FF9D229}"/>
+          <p:cNvPr id="10" name="그림 9">
+            <a:extLst>
+              <a:ext uri="{FF2B5EF4-FFF2-40B4-BE49-F238E27FC236}">
+                <a16:creationId xmlns:a16="http://schemas.microsoft.com/office/drawing/2014/main" id="{D0E7E1ED-7DC3-AA8E-CB81-BE19AC0CCF7C}"/>
               </a:ext>
             </a:extLst>
           </p:cNvPr>
@@ -6304,18 +6910,135 @@
         </p:blipFill>
         <p:spPr>
           <a:xfrm>
-            <a:off x="323528" y="2304661"/>
-            <a:ext cx="6118057" cy="3389346"/>
+            <a:off x="323528" y="2385295"/>
+            <a:ext cx="6123925" cy="3115556"/>
           </a:xfrm>
           <a:prstGeom prst="rect">
             <a:avLst/>
           </a:prstGeom>
         </p:spPr>
       </p:pic>
+      <p:sp>
+        <p:nvSpPr>
+          <p:cNvPr id="5" name="TextBox 4">
+            <a:extLst>
+              <a:ext uri="{FF2B5EF4-FFF2-40B4-BE49-F238E27FC236}">
+                <a16:creationId xmlns:a16="http://schemas.microsoft.com/office/drawing/2014/main" id="{602C2EB2-2B6B-91C2-3F10-3477CB1910F0}"/>
+              </a:ext>
+            </a:extLst>
+          </p:cNvPr>
+          <p:cNvSpPr txBox="1"/>
+          <p:nvPr/>
+        </p:nvSpPr>
+        <p:spPr>
+          <a:xfrm>
+            <a:off x="485193" y="2715496"/>
+            <a:ext cx="531845" cy="369332"/>
+          </a:xfrm>
+          <a:prstGeom prst="rect">
+            <a:avLst/>
+          </a:prstGeom>
+          <a:noFill/>
+        </p:spPr>
+        <p:txBody>
+          <a:bodyPr wrap="square" rtlCol="0">
+            <a:spAutoFit/>
+          </a:bodyPr>
+          <a:lstStyle/>
+          <a:p>
+            <a:r>
+              <a:rPr lang="ko-KR" altLang="en-US" b="1" dirty="0">
+                <a:solidFill>
+                  <a:srgbClr val="FF0000"/>
+                </a:solidFill>
+              </a:rPr>
+              <a:t>①</a:t>
+            </a:r>
+          </a:p>
+        </p:txBody>
+      </p:sp>
+      <p:sp>
+        <p:nvSpPr>
+          <p:cNvPr id="6" name="TextBox 5">
+            <a:extLst>
+              <a:ext uri="{FF2B5EF4-FFF2-40B4-BE49-F238E27FC236}">
+                <a16:creationId xmlns:a16="http://schemas.microsoft.com/office/drawing/2014/main" id="{2F94EBC1-21E0-A5E9-51D3-95B6376983E2}"/>
+              </a:ext>
+            </a:extLst>
+          </p:cNvPr>
+          <p:cNvSpPr txBox="1"/>
+          <p:nvPr/>
+        </p:nvSpPr>
+        <p:spPr>
+          <a:xfrm>
+            <a:off x="1167139" y="2690947"/>
+            <a:ext cx="531845" cy="369332"/>
+          </a:xfrm>
+          <a:prstGeom prst="rect">
+            <a:avLst/>
+          </a:prstGeom>
+          <a:noFill/>
+        </p:spPr>
+        <p:txBody>
+          <a:bodyPr wrap="square" rtlCol="0">
+            <a:spAutoFit/>
+          </a:bodyPr>
+          <a:lstStyle/>
+          <a:p>
+            <a:r>
+              <a:rPr lang="ko-KR" altLang="en-US" b="1" dirty="0">
+                <a:solidFill>
+                  <a:srgbClr val="FF0000"/>
+                </a:solidFill>
+              </a:rPr>
+              <a:t>②</a:t>
+            </a:r>
+          </a:p>
+        </p:txBody>
+      </p:sp>
+      <p:sp>
+        <p:nvSpPr>
+          <p:cNvPr id="7" name="TextBox 6">
+            <a:extLst>
+              <a:ext uri="{FF2B5EF4-FFF2-40B4-BE49-F238E27FC236}">
+                <a16:creationId xmlns:a16="http://schemas.microsoft.com/office/drawing/2014/main" id="{641A0B88-7D4C-5F1C-9272-4A4E86EB72CC}"/>
+              </a:ext>
+            </a:extLst>
+          </p:cNvPr>
+          <p:cNvSpPr txBox="1"/>
+          <p:nvPr/>
+        </p:nvSpPr>
+        <p:spPr>
+          <a:xfrm>
+            <a:off x="1849085" y="2690947"/>
+            <a:ext cx="531845" cy="369332"/>
+          </a:xfrm>
+          <a:prstGeom prst="rect">
+            <a:avLst/>
+          </a:prstGeom>
+          <a:noFill/>
+        </p:spPr>
+        <p:txBody>
+          <a:bodyPr wrap="square" rtlCol="0">
+            <a:spAutoFit/>
+          </a:bodyPr>
+          <a:lstStyle/>
+          <a:p>
+            <a:r>
+              <a:rPr lang="ko-KR" altLang="en-US" b="1" dirty="0">
+                <a:solidFill>
+                  <a:srgbClr val="FF0000"/>
+                </a:solidFill>
+              </a:rPr>
+              <a:t>③</a:t>
+            </a:r>
+          </a:p>
+        </p:txBody>
+      </p:sp>
     </p:spTree>
     <p:extLst>
       <p:ext uri="{BB962C8B-B14F-4D97-AF65-F5344CB8AC3E}">
-        <p14:creationId xmlns:p14="http://schemas.microsoft.com/office/powerpoint/2010/main" val="3759228650"/>
+        <p14:creationId xmlns:p14="http://schemas.microsoft.com/office/powerpoint/2010/main" val="410566445"/>
       </p:ext>
     </p:extLst>
   </p:cSld>
@@ -6350,7 +7073,7 @@
           <p:cNvPr id="2" name="제목 1">
             <a:extLst>
               <a:ext uri="{FF2B5EF4-FFF2-40B4-BE49-F238E27FC236}">
-                <a16:creationId xmlns:a16="http://schemas.microsoft.com/office/drawing/2014/main" id="{36CCC934-6CD9-8331-C52D-08A2A97A09B6}"/>
+                <a16:creationId xmlns:a16="http://schemas.microsoft.com/office/drawing/2014/main" id="{3EDC60C0-7666-1F60-327C-1EC0A37A6EF8}"/>
               </a:ext>
             </a:extLst>
           </p:cNvPr>
@@ -6368,7 +7091,15 @@
           <a:p>
             <a:r>
               <a:rPr lang="ko-KR" altLang="en-US" dirty="0"/>
-              <a:t>사업자 메뉴</a:t>
+              <a:t>로그인 </a:t>
+            </a:r>
+            <a:r>
+              <a:rPr lang="en-US" altLang="ko-KR" dirty="0"/>
+              <a:t>– </a:t>
+            </a:r>
+            <a:r>
+              <a:rPr lang="ko-KR" altLang="en-US" dirty="0"/>
+              <a:t>사업자 회원</a:t>
             </a:r>
           </a:p>
         </p:txBody>
@@ -6378,7 +7109,7 @@
           <p:cNvPr id="3" name="내용 개체 틀 2">
             <a:extLst>
               <a:ext uri="{FF2B5EF4-FFF2-40B4-BE49-F238E27FC236}">
-                <a16:creationId xmlns:a16="http://schemas.microsoft.com/office/drawing/2014/main" id="{4F0F1D80-8A6A-B0E3-DAD5-A65B146C995D}"/>
+                <a16:creationId xmlns:a16="http://schemas.microsoft.com/office/drawing/2014/main" id="{46AFB159-2765-B2D3-AA3B-3F525EB91D20}"/>
               </a:ext>
             </a:extLst>
           </p:cNvPr>
@@ -6396,7 +7127,7 @@
           <a:p>
             <a:r>
               <a:rPr lang="ko-KR" altLang="en-US" dirty="0"/>
-              <a:t>로그인한 사업자가 자신의 정보 수정 및 사업장을 관리할 수 있는 메뉴</a:t>
+              <a:t>사업자 회원의 로그인 화면</a:t>
             </a:r>
           </a:p>
         </p:txBody>
@@ -6406,7 +7137,7 @@
           <p:cNvPr id="4" name="내용 개체 틀 3">
             <a:extLst>
               <a:ext uri="{FF2B5EF4-FFF2-40B4-BE49-F238E27FC236}">
-                <a16:creationId xmlns:a16="http://schemas.microsoft.com/office/drawing/2014/main" id="{7B74885A-9BAB-D216-743B-CE971A11EC5C}"/>
+                <a16:creationId xmlns:a16="http://schemas.microsoft.com/office/drawing/2014/main" id="{695F3638-2FF3-CD12-AD98-C65DEFD14786}"/>
               </a:ext>
             </a:extLst>
           </p:cNvPr>
@@ -6427,7 +7158,7 @@
             </a:pPr>
             <a:r>
               <a:rPr lang="ko-KR" altLang="en-US" dirty="0"/>
-              <a:t>사업자 정보 수정 메뉴로 이동</a:t>
+              <a:t>사업자 코드 입력</a:t>
             </a:r>
             <a:endParaRPr lang="en-US" altLang="ko-KR" dirty="0"/>
           </a:p>
@@ -6437,15 +7168,7 @@
             </a:pPr>
             <a:r>
               <a:rPr lang="ko-KR" altLang="en-US" dirty="0"/>
-              <a:t>내 사업장</a:t>
-            </a:r>
-            <a:r>
-              <a:rPr lang="en-US" altLang="ko-KR" dirty="0"/>
-              <a:t>(Company) </a:t>
-            </a:r>
-            <a:r>
-              <a:rPr lang="ko-KR" altLang="en-US" dirty="0"/>
-              <a:t>관리 메뉴로 이동</a:t>
+              <a:t>비밀번호 입력</a:t>
             </a:r>
             <a:endParaRPr lang="en-US" altLang="ko-KR" dirty="0"/>
           </a:p>
@@ -6455,17 +7178,35 @@
             </a:pPr>
             <a:r>
               <a:rPr lang="ko-KR" altLang="en-US" dirty="0"/>
-              <a:t>로그아웃 </a:t>
+              <a:t>로그인 성공 시</a:t>
+            </a:r>
+            <a:r>
+              <a:rPr lang="en-US" altLang="ko-KR" dirty="0"/>
+              <a:t>, </a:t>
+            </a:r>
+            <a:r>
+              <a:rPr lang="ko-KR" altLang="en-US" dirty="0"/>
+              <a:t>사업자 메뉴로 이동 </a:t>
+            </a:r>
+            <a:endParaRPr lang="en-US" altLang="ko-KR" dirty="0"/>
+          </a:p>
+          <a:p>
+            <a:pPr marL="228600" indent="-228600">
+              <a:buAutoNum type="arabicPeriod"/>
+            </a:pPr>
+            <a:r>
+              <a:rPr lang="ko-KR" altLang="en-US" dirty="0"/>
+              <a:t>뒤로 가기</a:t>
             </a:r>
           </a:p>
         </p:txBody>
       </p:sp>
       <p:pic>
         <p:nvPicPr>
-          <p:cNvPr id="8" name="그림 7">
-            <a:extLst>
-              <a:ext uri="{FF2B5EF4-FFF2-40B4-BE49-F238E27FC236}">
-                <a16:creationId xmlns:a16="http://schemas.microsoft.com/office/drawing/2014/main" id="{6C6CE408-887E-00E6-C200-4395CB4297C7}"/>
+          <p:cNvPr id="6" name="그림 5">
+            <a:extLst>
+              <a:ext uri="{FF2B5EF4-FFF2-40B4-BE49-F238E27FC236}">
+                <a16:creationId xmlns:a16="http://schemas.microsoft.com/office/drawing/2014/main" id="{2A54F006-D428-AE83-9266-6D780FF9D229}"/>
               </a:ext>
             </a:extLst>
           </p:cNvPr>
@@ -6482,18 +7223,174 @@
         </p:blipFill>
         <p:spPr>
           <a:xfrm>
-            <a:off x="342190" y="2054001"/>
-            <a:ext cx="6049280" cy="3331692"/>
+            <a:off x="323528" y="2304661"/>
+            <a:ext cx="6118057" cy="3389346"/>
           </a:xfrm>
           <a:prstGeom prst="rect">
             <a:avLst/>
           </a:prstGeom>
         </p:spPr>
       </p:pic>
+      <p:sp>
+        <p:nvSpPr>
+          <p:cNvPr id="5" name="TextBox 4">
+            <a:extLst>
+              <a:ext uri="{FF2B5EF4-FFF2-40B4-BE49-F238E27FC236}">
+                <a16:creationId xmlns:a16="http://schemas.microsoft.com/office/drawing/2014/main" id="{5C247E07-6510-2768-E46C-47C740C9B4A5}"/>
+              </a:ext>
+            </a:extLst>
+          </p:cNvPr>
+          <p:cNvSpPr txBox="1"/>
+          <p:nvPr/>
+        </p:nvSpPr>
+        <p:spPr>
+          <a:xfrm>
+            <a:off x="2662469" y="2290908"/>
+            <a:ext cx="531845" cy="369332"/>
+          </a:xfrm>
+          <a:prstGeom prst="rect">
+            <a:avLst/>
+          </a:prstGeom>
+          <a:noFill/>
+        </p:spPr>
+        <p:txBody>
+          <a:bodyPr wrap="square" rtlCol="0">
+            <a:spAutoFit/>
+          </a:bodyPr>
+          <a:lstStyle/>
+          <a:p>
+            <a:r>
+              <a:rPr lang="ko-KR" altLang="en-US" b="1" dirty="0">
+                <a:solidFill>
+                  <a:srgbClr val="FF0000"/>
+                </a:solidFill>
+              </a:rPr>
+              <a:t>①</a:t>
+            </a:r>
+          </a:p>
+        </p:txBody>
+      </p:sp>
+      <p:sp>
+        <p:nvSpPr>
+          <p:cNvPr id="7" name="TextBox 6">
+            <a:extLst>
+              <a:ext uri="{FF2B5EF4-FFF2-40B4-BE49-F238E27FC236}">
+                <a16:creationId xmlns:a16="http://schemas.microsoft.com/office/drawing/2014/main" id="{1F5A7512-BC44-5E7D-F41A-205AFA913094}"/>
+              </a:ext>
+            </a:extLst>
+          </p:cNvPr>
+          <p:cNvSpPr txBox="1"/>
+          <p:nvPr/>
+        </p:nvSpPr>
+        <p:spPr>
+          <a:xfrm>
+            <a:off x="2469866" y="2507669"/>
+            <a:ext cx="531845" cy="369332"/>
+          </a:xfrm>
+          <a:prstGeom prst="rect">
+            <a:avLst/>
+          </a:prstGeom>
+          <a:noFill/>
+        </p:spPr>
+        <p:txBody>
+          <a:bodyPr wrap="square" rtlCol="0">
+            <a:spAutoFit/>
+          </a:bodyPr>
+          <a:lstStyle/>
+          <a:p>
+            <a:r>
+              <a:rPr lang="ko-KR" altLang="en-US" b="1" dirty="0">
+                <a:solidFill>
+                  <a:srgbClr val="FF0000"/>
+                </a:solidFill>
+              </a:rPr>
+              <a:t>②</a:t>
+            </a:r>
+          </a:p>
+        </p:txBody>
+      </p:sp>
+      <p:sp>
+        <p:nvSpPr>
+          <p:cNvPr id="8" name="TextBox 7">
+            <a:extLst>
+              <a:ext uri="{FF2B5EF4-FFF2-40B4-BE49-F238E27FC236}">
+                <a16:creationId xmlns:a16="http://schemas.microsoft.com/office/drawing/2014/main" id="{E621A01D-82F7-A456-0E30-8334CB9ABB75}"/>
+              </a:ext>
+            </a:extLst>
+          </p:cNvPr>
+          <p:cNvSpPr txBox="1"/>
+          <p:nvPr/>
+        </p:nvSpPr>
+        <p:spPr>
+          <a:xfrm>
+            <a:off x="802035" y="2651017"/>
+            <a:ext cx="531845" cy="369332"/>
+          </a:xfrm>
+          <a:prstGeom prst="rect">
+            <a:avLst/>
+          </a:prstGeom>
+          <a:noFill/>
+        </p:spPr>
+        <p:txBody>
+          <a:bodyPr wrap="square" rtlCol="0">
+            <a:spAutoFit/>
+          </a:bodyPr>
+          <a:lstStyle/>
+          <a:p>
+            <a:r>
+              <a:rPr lang="ko-KR" altLang="en-US" b="1" dirty="0">
+                <a:solidFill>
+                  <a:srgbClr val="FF0000"/>
+                </a:solidFill>
+              </a:rPr>
+              <a:t>③</a:t>
+            </a:r>
+          </a:p>
+        </p:txBody>
+      </p:sp>
+      <p:sp>
+        <p:nvSpPr>
+          <p:cNvPr id="9" name="TextBox 8">
+            <a:extLst>
+              <a:ext uri="{FF2B5EF4-FFF2-40B4-BE49-F238E27FC236}">
+                <a16:creationId xmlns:a16="http://schemas.microsoft.com/office/drawing/2014/main" id="{BA0DB6E6-1E8D-821E-C060-9EB41359216A}"/>
+              </a:ext>
+            </a:extLst>
+          </p:cNvPr>
+          <p:cNvSpPr txBox="1"/>
+          <p:nvPr/>
+        </p:nvSpPr>
+        <p:spPr>
+          <a:xfrm>
+            <a:off x="912376" y="2877001"/>
+            <a:ext cx="531845" cy="369332"/>
+          </a:xfrm>
+          <a:prstGeom prst="rect">
+            <a:avLst/>
+          </a:prstGeom>
+          <a:noFill/>
+        </p:spPr>
+        <p:txBody>
+          <a:bodyPr wrap="square" rtlCol="0">
+            <a:spAutoFit/>
+          </a:bodyPr>
+          <a:lstStyle/>
+          <a:p>
+            <a:r>
+              <a:rPr lang="ko-KR" altLang="en-US" b="1" dirty="0">
+                <a:solidFill>
+                  <a:srgbClr val="FF0000"/>
+                </a:solidFill>
+              </a:rPr>
+              <a:t>④</a:t>
+            </a:r>
+          </a:p>
+        </p:txBody>
+      </p:sp>
     </p:spTree>
     <p:extLst>
       <p:ext uri="{BB962C8B-B14F-4D97-AF65-F5344CB8AC3E}">
-        <p14:creationId xmlns:p14="http://schemas.microsoft.com/office/powerpoint/2010/main" val="4022218398"/>
+        <p14:creationId xmlns:p14="http://schemas.microsoft.com/office/powerpoint/2010/main" val="3759228650"/>
       </p:ext>
     </p:extLst>
   </p:cSld>
@@ -6528,7 +7425,7 @@
           <p:cNvPr id="2" name="제목 1">
             <a:extLst>
               <a:ext uri="{FF2B5EF4-FFF2-40B4-BE49-F238E27FC236}">
-                <a16:creationId xmlns:a16="http://schemas.microsoft.com/office/drawing/2014/main" id="{5E24A5D5-5BC7-CE8B-8E07-F82DEF7CC9D1}"/>
+                <a16:creationId xmlns:a16="http://schemas.microsoft.com/office/drawing/2014/main" id="{36CCC934-6CD9-8331-C52D-08A2A97A09B6}"/>
               </a:ext>
             </a:extLst>
           </p:cNvPr>
@@ -6546,15 +7443,7 @@
           <a:p>
             <a:r>
               <a:rPr lang="ko-KR" altLang="en-US" dirty="0"/>
-              <a:t>사업자 메뉴 </a:t>
-            </a:r>
-            <a:r>
-              <a:rPr lang="en-US" altLang="ko-KR" dirty="0"/>
-              <a:t>– </a:t>
-            </a:r>
-            <a:r>
-              <a:rPr lang="ko-KR" altLang="en-US" dirty="0"/>
-              <a:t>내 사업자 정보 수정</a:t>
+              <a:t>사업자 메뉴</a:t>
             </a:r>
           </a:p>
         </p:txBody>
@@ -6564,7 +7453,7 @@
           <p:cNvPr id="3" name="내용 개체 틀 2">
             <a:extLst>
               <a:ext uri="{FF2B5EF4-FFF2-40B4-BE49-F238E27FC236}">
-                <a16:creationId xmlns:a16="http://schemas.microsoft.com/office/drawing/2014/main" id="{C62D5ADE-4A59-8F3C-C276-40515C79AD6F}"/>
+                <a16:creationId xmlns:a16="http://schemas.microsoft.com/office/drawing/2014/main" id="{4F0F1D80-8A6A-B0E3-DAD5-A65B146C995D}"/>
               </a:ext>
             </a:extLst>
           </p:cNvPr>
@@ -6582,7 +7471,7 @@
           <a:p>
             <a:r>
               <a:rPr lang="ko-KR" altLang="en-US" dirty="0"/>
-              <a:t>사업자 정보를 수정 할 수 있는 화면</a:t>
+              <a:t>로그인한 사업자가 자신의 정보 수정 및 사업장을 관리할 수 있는 메뉴</a:t>
             </a:r>
           </a:p>
         </p:txBody>
@@ -6592,7 +7481,7 @@
           <p:cNvPr id="4" name="내용 개체 틀 3">
             <a:extLst>
               <a:ext uri="{FF2B5EF4-FFF2-40B4-BE49-F238E27FC236}">
-                <a16:creationId xmlns:a16="http://schemas.microsoft.com/office/drawing/2014/main" id="{AA596840-4FC2-9942-718D-41A3FD109F94}"/>
+                <a16:creationId xmlns:a16="http://schemas.microsoft.com/office/drawing/2014/main" id="{7B74885A-9BAB-D216-743B-CE971A11EC5C}"/>
               </a:ext>
             </a:extLst>
           </p:cNvPr>
@@ -6613,7 +7502,7 @@
             </a:pPr>
             <a:r>
               <a:rPr lang="ko-KR" altLang="en-US" dirty="0"/>
-              <a:t>이름 수정 가능</a:t>
+              <a:t>사업자 정보 수정 메뉴로 이동</a:t>
             </a:r>
             <a:endParaRPr lang="en-US" altLang="ko-KR" dirty="0"/>
           </a:p>
@@ -6623,7 +7512,15 @@
             </a:pPr>
             <a:r>
               <a:rPr lang="ko-KR" altLang="en-US" dirty="0"/>
-              <a:t>비밀번호 수정 가능</a:t>
+              <a:t>내 사업장</a:t>
+            </a:r>
+            <a:r>
+              <a:rPr lang="en-US" altLang="ko-KR" dirty="0"/>
+              <a:t>(Company) </a:t>
+            </a:r>
+            <a:r>
+              <a:rPr lang="ko-KR" altLang="en-US" dirty="0"/>
+              <a:t>관리 메뉴로 이동</a:t>
             </a:r>
             <a:endParaRPr lang="en-US" altLang="ko-KR" dirty="0"/>
           </a:p>
@@ -6633,37 +7530,17 @@
             </a:pPr>
             <a:r>
               <a:rPr lang="ko-KR" altLang="en-US" dirty="0"/>
-              <a:t>가입일자 수정 가능</a:t>
-            </a:r>
-            <a:endParaRPr lang="en-US" altLang="ko-KR" dirty="0"/>
-          </a:p>
-          <a:p>
-            <a:pPr marL="228600" indent="-228600">
-              <a:buAutoNum type="arabicPeriod"/>
-            </a:pPr>
-            <a:r>
-              <a:rPr lang="ko-KR" altLang="en-US" dirty="0"/>
-              <a:t>수정 완료 버튼을 눌러서 수정이 성공하면 화면에 프로필이 성공적으로 업데이트 되었다는 메시지 뜸</a:t>
-            </a:r>
-            <a:endParaRPr lang="en-US" altLang="ko-KR" dirty="0"/>
-          </a:p>
-          <a:p>
-            <a:pPr marL="228600" indent="-228600">
-              <a:buAutoNum type="arabicPeriod"/>
-            </a:pPr>
-            <a:r>
-              <a:rPr lang="ko-KR" altLang="en-US" dirty="0"/>
-              <a:t>사업자 메뉴로 이동 </a:t>
+              <a:t>로그아웃 </a:t>
             </a:r>
           </a:p>
         </p:txBody>
       </p:sp>
       <p:pic>
         <p:nvPicPr>
-          <p:cNvPr id="6" name="그림 5">
-            <a:extLst>
-              <a:ext uri="{FF2B5EF4-FFF2-40B4-BE49-F238E27FC236}">
-                <a16:creationId xmlns:a16="http://schemas.microsoft.com/office/drawing/2014/main" id="{026147E7-6309-85B7-565D-380238A012E4}"/>
+          <p:cNvPr id="8" name="그림 7">
+            <a:extLst>
+              <a:ext uri="{FF2B5EF4-FFF2-40B4-BE49-F238E27FC236}">
+                <a16:creationId xmlns:a16="http://schemas.microsoft.com/office/drawing/2014/main" id="{6C6CE408-887E-00E6-C200-4395CB4297C7}"/>
               </a:ext>
             </a:extLst>
           </p:cNvPr>
@@ -6680,8 +7557,8 @@
         </p:blipFill>
         <p:spPr>
           <a:xfrm>
-            <a:off x="323528" y="2316862"/>
-            <a:ext cx="6095933" cy="3401716"/>
+            <a:off x="342190" y="2054001"/>
+            <a:ext cx="6049280" cy="3331692"/>
           </a:xfrm>
           <a:prstGeom prst="rect">
             <a:avLst/>
@@ -6691,7 +7568,7 @@
     </p:spTree>
     <p:extLst>
       <p:ext uri="{BB962C8B-B14F-4D97-AF65-F5344CB8AC3E}">
-        <p14:creationId xmlns:p14="http://schemas.microsoft.com/office/powerpoint/2010/main" val="2864253915"/>
+        <p14:creationId xmlns:p14="http://schemas.microsoft.com/office/powerpoint/2010/main" val="4022218398"/>
       </p:ext>
     </p:extLst>
   </p:cSld>
@@ -6726,7 +7603,7 @@
           <p:cNvPr id="2" name="제목 1">
             <a:extLst>
               <a:ext uri="{FF2B5EF4-FFF2-40B4-BE49-F238E27FC236}">
-                <a16:creationId xmlns:a16="http://schemas.microsoft.com/office/drawing/2014/main" id="{7E94BF7E-22AF-3BD1-10B9-30295F6C2D35}"/>
+                <a16:creationId xmlns:a16="http://schemas.microsoft.com/office/drawing/2014/main" id="{5E24A5D5-5BC7-CE8B-8E07-F82DEF7CC9D1}"/>
               </a:ext>
             </a:extLst>
           </p:cNvPr>
@@ -6744,15 +7621,15 @@
           <a:p>
             <a:r>
               <a:rPr lang="ko-KR" altLang="en-US" dirty="0"/>
-              <a:t>사업자 메뉴</a:t>
+              <a:t>사업자 메뉴 </a:t>
             </a:r>
             <a:r>
               <a:rPr lang="en-US" altLang="ko-KR" dirty="0"/>
-              <a:t> – </a:t>
+              <a:t>– </a:t>
             </a:r>
             <a:r>
               <a:rPr lang="ko-KR" altLang="en-US" dirty="0"/>
-              <a:t>내 사업장 관리</a:t>
+              <a:t>내 사업자 정보 수정</a:t>
             </a:r>
           </a:p>
         </p:txBody>
@@ -6762,7 +7639,7 @@
           <p:cNvPr id="3" name="내용 개체 틀 2">
             <a:extLst>
               <a:ext uri="{FF2B5EF4-FFF2-40B4-BE49-F238E27FC236}">
-                <a16:creationId xmlns:a16="http://schemas.microsoft.com/office/drawing/2014/main" id="{99E2893C-CCCE-A489-8D08-4AA2C3107446}"/>
+                <a16:creationId xmlns:a16="http://schemas.microsoft.com/office/drawing/2014/main" id="{C62D5ADE-4A59-8F3C-C276-40515C79AD6F}"/>
               </a:ext>
             </a:extLst>
           </p:cNvPr>
@@ -6780,7 +7657,7 @@
           <a:p>
             <a:r>
               <a:rPr lang="ko-KR" altLang="en-US" dirty="0"/>
-              <a:t>사업자가 가지고 있는 사업장을 관리할 수 있는 메뉴</a:t>
+              <a:t>사업자 정보를 수정 할 수 있는 화면</a:t>
             </a:r>
           </a:p>
         </p:txBody>
@@ -6790,7 +7667,7 @@
           <p:cNvPr id="4" name="내용 개체 틀 3">
             <a:extLst>
               <a:ext uri="{FF2B5EF4-FFF2-40B4-BE49-F238E27FC236}">
-                <a16:creationId xmlns:a16="http://schemas.microsoft.com/office/drawing/2014/main" id="{8891C895-0958-4B48-2572-24E41032B26F}"/>
+                <a16:creationId xmlns:a16="http://schemas.microsoft.com/office/drawing/2014/main" id="{AA596840-4FC2-9942-718D-41A3FD109F94}"/>
               </a:ext>
             </a:extLst>
           </p:cNvPr>
@@ -6811,7 +7688,7 @@
             </a:pPr>
             <a:r>
               <a:rPr lang="ko-KR" altLang="en-US" dirty="0"/>
-              <a:t>내 사업장 전체를 볼 수 있는 화면으로 이동</a:t>
+              <a:t>이름 수정 가능</a:t>
             </a:r>
             <a:endParaRPr lang="en-US" altLang="ko-KR" dirty="0"/>
           </a:p>
@@ -6821,7 +7698,7 @@
             </a:pPr>
             <a:r>
               <a:rPr lang="ko-KR" altLang="en-US" dirty="0"/>
-              <a:t>새 사업장을 추가할 수 있는 화면으로 이동</a:t>
+              <a:t>비밀번호 수정 가능</a:t>
             </a:r>
             <a:endParaRPr lang="en-US" altLang="ko-KR" dirty="0"/>
           </a:p>
@@ -6831,7 +7708,7 @@
             </a:pPr>
             <a:r>
               <a:rPr lang="ko-KR" altLang="en-US" dirty="0"/>
-              <a:t>뒤로 가기</a:t>
+              <a:t>가입일자 수정 가능</a:t>
             </a:r>
             <a:endParaRPr lang="en-US" altLang="ko-KR" dirty="0"/>
           </a:p>
@@ -6839,16 +7716,29 @@
             <a:pPr marL="228600" indent="-228600">
               <a:buAutoNum type="arabicPeriod"/>
             </a:pPr>
-            <a:endParaRPr lang="ko-KR" altLang="en-US" dirty="0"/>
+            <a:r>
+              <a:rPr lang="ko-KR" altLang="en-US" dirty="0"/>
+              <a:t>수정 완료 버튼을 눌러서 수정이 성공하면 화면에 프로필이 성공적으로 업데이트 되었다는 메시지 뜸</a:t>
+            </a:r>
+            <a:endParaRPr lang="en-US" altLang="ko-KR" dirty="0"/>
+          </a:p>
+          <a:p>
+            <a:pPr marL="228600" indent="-228600">
+              <a:buAutoNum type="arabicPeriod"/>
+            </a:pPr>
+            <a:r>
+              <a:rPr lang="ko-KR" altLang="en-US" dirty="0"/>
+              <a:t>사업자 메뉴로 이동 </a:t>
+            </a:r>
           </a:p>
         </p:txBody>
       </p:sp>
       <p:pic>
         <p:nvPicPr>
-          <p:cNvPr id="10" name="그림 9">
-            <a:extLst>
-              <a:ext uri="{FF2B5EF4-FFF2-40B4-BE49-F238E27FC236}">
-                <a16:creationId xmlns:a16="http://schemas.microsoft.com/office/drawing/2014/main" id="{0B675960-B987-FEEE-7065-BC1BB1E8FC5F}"/>
+          <p:cNvPr id="6" name="그림 5">
+            <a:extLst>
+              <a:ext uri="{FF2B5EF4-FFF2-40B4-BE49-F238E27FC236}">
+                <a16:creationId xmlns:a16="http://schemas.microsoft.com/office/drawing/2014/main" id="{026147E7-6309-85B7-565D-380238A012E4}"/>
               </a:ext>
             </a:extLst>
           </p:cNvPr>
@@ -6865,18 +7755,213 @@
         </p:blipFill>
         <p:spPr>
           <a:xfrm>
-            <a:off x="323529" y="2239347"/>
-            <a:ext cx="6104620" cy="3417727"/>
+            <a:off x="323528" y="2316862"/>
+            <a:ext cx="6095933" cy="3401716"/>
           </a:xfrm>
           <a:prstGeom prst="rect">
             <a:avLst/>
           </a:prstGeom>
         </p:spPr>
       </p:pic>
+      <p:sp>
+        <p:nvSpPr>
+          <p:cNvPr id="5" name="TextBox 4">
+            <a:extLst>
+              <a:ext uri="{FF2B5EF4-FFF2-40B4-BE49-F238E27FC236}">
+                <a16:creationId xmlns:a16="http://schemas.microsoft.com/office/drawing/2014/main" id="{833BDFFC-FE2C-A3EF-1549-AB374CC536C4}"/>
+              </a:ext>
+            </a:extLst>
+          </p:cNvPr>
+          <p:cNvSpPr txBox="1"/>
+          <p:nvPr/>
+        </p:nvSpPr>
+        <p:spPr>
+          <a:xfrm>
+            <a:off x="2407298" y="3244334"/>
+            <a:ext cx="531845" cy="369332"/>
+          </a:xfrm>
+          <a:prstGeom prst="rect">
+            <a:avLst/>
+          </a:prstGeom>
+          <a:noFill/>
+        </p:spPr>
+        <p:txBody>
+          <a:bodyPr wrap="square" rtlCol="0">
+            <a:spAutoFit/>
+          </a:bodyPr>
+          <a:lstStyle/>
+          <a:p>
+            <a:r>
+              <a:rPr lang="ko-KR" altLang="en-US" b="1" dirty="0">
+                <a:solidFill>
+                  <a:srgbClr val="FF0000"/>
+                </a:solidFill>
+              </a:rPr>
+              <a:t>①</a:t>
+            </a:r>
+          </a:p>
+        </p:txBody>
+      </p:sp>
+      <p:sp>
+        <p:nvSpPr>
+          <p:cNvPr id="7" name="TextBox 6">
+            <a:extLst>
+              <a:ext uri="{FF2B5EF4-FFF2-40B4-BE49-F238E27FC236}">
+                <a16:creationId xmlns:a16="http://schemas.microsoft.com/office/drawing/2014/main" id="{E75B841C-AB6B-F5CB-94BB-368E979A7C95}"/>
+              </a:ext>
+            </a:extLst>
+          </p:cNvPr>
+          <p:cNvSpPr txBox="1"/>
+          <p:nvPr/>
+        </p:nvSpPr>
+        <p:spPr>
+          <a:xfrm>
+            <a:off x="2569164" y="3635943"/>
+            <a:ext cx="531845" cy="369332"/>
+          </a:xfrm>
+          <a:prstGeom prst="rect">
+            <a:avLst/>
+          </a:prstGeom>
+          <a:noFill/>
+        </p:spPr>
+        <p:txBody>
+          <a:bodyPr wrap="square" rtlCol="0">
+            <a:spAutoFit/>
+          </a:bodyPr>
+          <a:lstStyle/>
+          <a:p>
+            <a:r>
+              <a:rPr lang="ko-KR" altLang="en-US" b="1" dirty="0">
+                <a:solidFill>
+                  <a:srgbClr val="FF0000"/>
+                </a:solidFill>
+              </a:rPr>
+              <a:t>②</a:t>
+            </a:r>
+          </a:p>
+        </p:txBody>
+      </p:sp>
+      <p:sp>
+        <p:nvSpPr>
+          <p:cNvPr id="8" name="TextBox 7">
+            <a:extLst>
+              <a:ext uri="{FF2B5EF4-FFF2-40B4-BE49-F238E27FC236}">
+                <a16:creationId xmlns:a16="http://schemas.microsoft.com/office/drawing/2014/main" id="{43424201-A0A1-F7D2-CA1D-4056401003B0}"/>
+              </a:ext>
+            </a:extLst>
+          </p:cNvPr>
+          <p:cNvSpPr txBox="1"/>
+          <p:nvPr/>
+        </p:nvSpPr>
+        <p:spPr>
+          <a:xfrm>
+            <a:off x="2569163" y="4027552"/>
+            <a:ext cx="531845" cy="369332"/>
+          </a:xfrm>
+          <a:prstGeom prst="rect">
+            <a:avLst/>
+          </a:prstGeom>
+          <a:noFill/>
+        </p:spPr>
+        <p:txBody>
+          <a:bodyPr wrap="square" rtlCol="0">
+            <a:spAutoFit/>
+          </a:bodyPr>
+          <a:lstStyle/>
+          <a:p>
+            <a:r>
+              <a:rPr lang="ko-KR" altLang="en-US" b="1" dirty="0">
+                <a:solidFill>
+                  <a:srgbClr val="FF0000"/>
+                </a:solidFill>
+              </a:rPr>
+              <a:t>③</a:t>
+            </a:r>
+          </a:p>
+        </p:txBody>
+      </p:sp>
+      <p:sp>
+        <p:nvSpPr>
+          <p:cNvPr id="12" name="TextBox 11">
+            <a:extLst>
+              <a:ext uri="{FF2B5EF4-FFF2-40B4-BE49-F238E27FC236}">
+                <a16:creationId xmlns:a16="http://schemas.microsoft.com/office/drawing/2014/main" id="{3C0C6395-B8F9-2199-6457-10B25562178C}"/>
+              </a:ext>
+            </a:extLst>
+          </p:cNvPr>
+          <p:cNvSpPr txBox="1"/>
+          <p:nvPr/>
+        </p:nvSpPr>
+        <p:spPr>
+          <a:xfrm>
+            <a:off x="976021" y="4396884"/>
+            <a:ext cx="531845" cy="369332"/>
+          </a:xfrm>
+          <a:prstGeom prst="rect">
+            <a:avLst/>
+          </a:prstGeom>
+          <a:noFill/>
+        </p:spPr>
+        <p:txBody>
+          <a:bodyPr wrap="square" rtlCol="0">
+            <a:spAutoFit/>
+          </a:bodyPr>
+          <a:lstStyle/>
+          <a:p>
+            <a:r>
+              <a:rPr lang="ko-KR" altLang="en-US" b="1" dirty="0">
+                <a:solidFill>
+                  <a:srgbClr val="FF0000"/>
+                </a:solidFill>
+              </a:rPr>
+              <a:t>④</a:t>
+            </a:r>
+          </a:p>
+        </p:txBody>
+      </p:sp>
+      <p:sp>
+        <p:nvSpPr>
+          <p:cNvPr id="13" name="TextBox 12">
+            <a:extLst>
+              <a:ext uri="{FF2B5EF4-FFF2-40B4-BE49-F238E27FC236}">
+                <a16:creationId xmlns:a16="http://schemas.microsoft.com/office/drawing/2014/main" id="{1E71FD1D-0F54-4CBE-26C9-25A0D9473EB3}"/>
+              </a:ext>
+            </a:extLst>
+          </p:cNvPr>
+          <p:cNvSpPr txBox="1"/>
+          <p:nvPr/>
+        </p:nvSpPr>
+        <p:spPr>
+          <a:xfrm>
+            <a:off x="772125" y="4688399"/>
+            <a:ext cx="531845" cy="369332"/>
+          </a:xfrm>
+          <a:prstGeom prst="rect">
+            <a:avLst/>
+          </a:prstGeom>
+          <a:noFill/>
+        </p:spPr>
+        <p:txBody>
+          <a:bodyPr wrap="square" rtlCol="0">
+            <a:spAutoFit/>
+          </a:bodyPr>
+          <a:lstStyle/>
+          <a:p>
+            <a:r>
+              <a:rPr lang="ko-KR" altLang="en-US" b="1" dirty="0">
+                <a:solidFill>
+                  <a:srgbClr val="FF0000"/>
+                </a:solidFill>
+              </a:rPr>
+              <a:t>⑤</a:t>
+            </a:r>
+          </a:p>
+        </p:txBody>
+      </p:sp>
     </p:spTree>
     <p:extLst>
       <p:ext uri="{BB962C8B-B14F-4D97-AF65-F5344CB8AC3E}">
-        <p14:creationId xmlns:p14="http://schemas.microsoft.com/office/powerpoint/2010/main" val="2697462133"/>
+        <p14:creationId xmlns:p14="http://schemas.microsoft.com/office/powerpoint/2010/main" val="2864253915"/>
       </p:ext>
     </p:extLst>
   </p:cSld>
@@ -6911,7 +7996,7 @@
           <p:cNvPr id="2" name="제목 1">
             <a:extLst>
               <a:ext uri="{FF2B5EF4-FFF2-40B4-BE49-F238E27FC236}">
-                <a16:creationId xmlns:a16="http://schemas.microsoft.com/office/drawing/2014/main" id="{7E65B21F-2179-91C8-964A-5D8A5BD8EB09}"/>
+                <a16:creationId xmlns:a16="http://schemas.microsoft.com/office/drawing/2014/main" id="{7E94BF7E-22AF-3BD1-10B9-30295F6C2D35}"/>
               </a:ext>
             </a:extLst>
           </p:cNvPr>
@@ -6929,15 +8014,15 @@
           <a:p>
             <a:r>
               <a:rPr lang="ko-KR" altLang="en-US" dirty="0"/>
-              <a:t>사업장 관리 </a:t>
+              <a:t>사업자 메뉴</a:t>
             </a:r>
             <a:r>
               <a:rPr lang="en-US" altLang="ko-KR" dirty="0"/>
-              <a:t>– </a:t>
+              <a:t> – </a:t>
             </a:r>
             <a:r>
               <a:rPr lang="ko-KR" altLang="en-US" dirty="0"/>
-              <a:t>새 사업장 추가하기</a:t>
+              <a:t>내 사업장 관리</a:t>
             </a:r>
           </a:p>
         </p:txBody>
@@ -6947,7 +8032,7 @@
           <p:cNvPr id="3" name="내용 개체 틀 2">
             <a:extLst>
               <a:ext uri="{FF2B5EF4-FFF2-40B4-BE49-F238E27FC236}">
-                <a16:creationId xmlns:a16="http://schemas.microsoft.com/office/drawing/2014/main" id="{917994C1-041A-D52A-420A-865BABF0E97C}"/>
+                <a16:creationId xmlns:a16="http://schemas.microsoft.com/office/drawing/2014/main" id="{99E2893C-CCCE-A489-8D08-4AA2C3107446}"/>
               </a:ext>
             </a:extLst>
           </p:cNvPr>
@@ -6963,7 +8048,10 @@
           <a:bodyPr/>
           <a:lstStyle/>
           <a:p>
-            <a:endParaRPr lang="ko-KR" altLang="en-US"/>
+            <a:r>
+              <a:rPr lang="ko-KR" altLang="en-US" dirty="0"/>
+              <a:t>사업자가 가지고 있는 사업장을 관리할 수 있는 메뉴</a:t>
+            </a:r>
           </a:p>
         </p:txBody>
       </p:sp>
@@ -6972,7 +8060,7 @@
           <p:cNvPr id="4" name="내용 개체 틀 3">
             <a:extLst>
               <a:ext uri="{FF2B5EF4-FFF2-40B4-BE49-F238E27FC236}">
-                <a16:creationId xmlns:a16="http://schemas.microsoft.com/office/drawing/2014/main" id="{2D90804D-8278-241C-56F7-C84948C1D5C5}"/>
+                <a16:creationId xmlns:a16="http://schemas.microsoft.com/office/drawing/2014/main" id="{8891C895-0958-4B48-2572-24E41032B26F}"/>
               </a:ext>
             </a:extLst>
           </p:cNvPr>
@@ -6988,80 +8076,49 @@
           <a:bodyPr/>
           <a:lstStyle/>
           <a:p>
-            <a:r>
-              <a:rPr lang="en-US" altLang="ko-KR" dirty="0"/>
-              <a:t>1. </a:t>
-            </a:r>
+            <a:pPr marL="228600" indent="-228600">
+              <a:buAutoNum type="arabicPeriod"/>
+            </a:pPr>
             <a:r>
               <a:rPr lang="ko-KR" altLang="en-US" dirty="0"/>
-              <a:t>사업장 이름 입력</a:t>
+              <a:t>내 사업장 전체를 볼 수 있는 화면으로 이동</a:t>
             </a:r>
             <a:endParaRPr lang="en-US" altLang="ko-KR" dirty="0"/>
           </a:p>
           <a:p>
-            <a:r>
-              <a:rPr lang="en-US" altLang="ko-KR" dirty="0"/>
-              <a:t>2. </a:t>
-            </a:r>
+            <a:pPr marL="228600" indent="-228600">
+              <a:buAutoNum type="arabicPeriod"/>
+            </a:pPr>
             <a:r>
               <a:rPr lang="ko-KR" altLang="en-US" dirty="0"/>
-              <a:t>사업장 주소 입력</a:t>
+              <a:t>새 사업장을 추가할 수 있는 화면으로 이동</a:t>
             </a:r>
             <a:endParaRPr lang="en-US" altLang="ko-KR" dirty="0"/>
           </a:p>
           <a:p>
-            <a:r>
-              <a:rPr lang="en-US" altLang="ko-KR" dirty="0"/>
-              <a:t>3. </a:t>
-            </a:r>
+            <a:pPr marL="228600" indent="-228600">
+              <a:buAutoNum type="arabicPeriod"/>
+            </a:pPr>
             <a:r>
               <a:rPr lang="ko-KR" altLang="en-US" dirty="0"/>
-              <a:t>성공적으로 사업장 </a:t>
-            </a:r>
-            <a:r>
-              <a:rPr lang="ko-KR" altLang="en-US" dirty="0" err="1"/>
-              <a:t>추가시</a:t>
-            </a:r>
-            <a:r>
-              <a:rPr lang="ko-KR" altLang="en-US" dirty="0"/>
-              <a:t> 화면에 </a:t>
-            </a:r>
-            <a:r>
-              <a:rPr lang="en-US" altLang="ko-KR" dirty="0"/>
-              <a:t>“</a:t>
-            </a:r>
-            <a:r>
-              <a:rPr lang="ko-KR" altLang="en-US" dirty="0"/>
-              <a:t>사업장 추가를 완료했습니다</a:t>
-            </a:r>
-            <a:r>
-              <a:rPr lang="en-US" altLang="ko-KR" dirty="0"/>
-              <a:t>“ </a:t>
-            </a:r>
-            <a:r>
-              <a:rPr lang="ko-KR" altLang="en-US" dirty="0"/>
-              <a:t>메시지 뜸</a:t>
+              <a:t>뒤로 가기</a:t>
             </a:r>
             <a:endParaRPr lang="en-US" altLang="ko-KR" dirty="0"/>
           </a:p>
           <a:p>
-            <a:r>
-              <a:rPr lang="en-US" altLang="ko-KR" dirty="0"/>
-              <a:t>4. </a:t>
-            </a:r>
-            <a:r>
-              <a:rPr lang="ko-KR" altLang="en-US" dirty="0"/>
-              <a:t>사업장 관리 메뉴로 돌아가기</a:t>
-            </a:r>
+            <a:pPr marL="228600" indent="-228600">
+              <a:buAutoNum type="arabicPeriod"/>
+            </a:pPr>
+            <a:endParaRPr lang="ko-KR" altLang="en-US" dirty="0"/>
           </a:p>
         </p:txBody>
       </p:sp>
       <p:pic>
         <p:nvPicPr>
-          <p:cNvPr id="6" name="그림 5">
-            <a:extLst>
-              <a:ext uri="{FF2B5EF4-FFF2-40B4-BE49-F238E27FC236}">
-                <a16:creationId xmlns:a16="http://schemas.microsoft.com/office/drawing/2014/main" id="{A99E5A05-3301-FD72-2746-76D043A9BB36}"/>
+          <p:cNvPr id="10" name="그림 9">
+            <a:extLst>
+              <a:ext uri="{FF2B5EF4-FFF2-40B4-BE49-F238E27FC236}">
+                <a16:creationId xmlns:a16="http://schemas.microsoft.com/office/drawing/2014/main" id="{0B675960-B987-FEEE-7065-BC1BB1E8FC5F}"/>
               </a:ext>
             </a:extLst>
           </p:cNvPr>
@@ -7078,8 +8135,8 @@
         </p:blipFill>
         <p:spPr>
           <a:xfrm>
-            <a:off x="323529" y="2248677"/>
-            <a:ext cx="6146256" cy="3412207"/>
+            <a:off x="323529" y="2239347"/>
+            <a:ext cx="6104620" cy="3417727"/>
           </a:xfrm>
           <a:prstGeom prst="rect">
             <a:avLst/>
@@ -7089,7 +8146,7 @@
     </p:spTree>
     <p:extLst>
       <p:ext uri="{BB962C8B-B14F-4D97-AF65-F5344CB8AC3E}">
-        <p14:creationId xmlns:p14="http://schemas.microsoft.com/office/powerpoint/2010/main" val="2114354231"/>
+        <p14:creationId xmlns:p14="http://schemas.microsoft.com/office/powerpoint/2010/main" val="2697462133"/>
       </p:ext>
     </p:extLst>
   </p:cSld>
@@ -7124,7 +8181,7 @@
           <p:cNvPr id="2" name="제목 1">
             <a:extLst>
               <a:ext uri="{FF2B5EF4-FFF2-40B4-BE49-F238E27FC236}">
-                <a16:creationId xmlns:a16="http://schemas.microsoft.com/office/drawing/2014/main" id="{441EC753-C1E8-05F7-9D16-C5FE4BC9658B}"/>
+                <a16:creationId xmlns:a16="http://schemas.microsoft.com/office/drawing/2014/main" id="{7E65B21F-2179-91C8-964A-5D8A5BD8EB09}"/>
               </a:ext>
             </a:extLst>
           </p:cNvPr>
@@ -7150,7 +8207,7 @@
             </a:r>
             <a:r>
               <a:rPr lang="ko-KR" altLang="en-US" dirty="0"/>
-              <a:t>내 사업장 전체 보기</a:t>
+              <a:t>새 사업장 추가하기</a:t>
             </a:r>
           </a:p>
         </p:txBody>
@@ -7160,7 +8217,7 @@
           <p:cNvPr id="3" name="내용 개체 틀 2">
             <a:extLst>
               <a:ext uri="{FF2B5EF4-FFF2-40B4-BE49-F238E27FC236}">
-                <a16:creationId xmlns:a16="http://schemas.microsoft.com/office/drawing/2014/main" id="{C3DB44A0-AE9A-E74B-6E53-C123CE779138}"/>
+                <a16:creationId xmlns:a16="http://schemas.microsoft.com/office/drawing/2014/main" id="{917994C1-041A-D52A-420A-865BABF0E97C}"/>
               </a:ext>
             </a:extLst>
           </p:cNvPr>
@@ -7176,15 +8233,7 @@
           <a:bodyPr/>
           <a:lstStyle/>
           <a:p>
-            <a:r>
-              <a:rPr lang="ko-KR" altLang="en-US" dirty="0"/>
-              <a:t>사업자가 등록한 사업장 전체 목록을 보는 화면</a:t>
-            </a:r>
-            <a:r>
-              <a:rPr lang="en-US" altLang="ko-KR" dirty="0"/>
-              <a:t>		</a:t>
-            </a:r>
-            <a:endParaRPr lang="ko-KR" altLang="en-US" dirty="0"/>
+            <a:endParaRPr lang="ko-KR" altLang="en-US"/>
           </a:p>
         </p:txBody>
       </p:sp>
@@ -7193,7 +8242,7 @@
           <p:cNvPr id="4" name="내용 개체 틀 3">
             <a:extLst>
               <a:ext uri="{FF2B5EF4-FFF2-40B4-BE49-F238E27FC236}">
-                <a16:creationId xmlns:a16="http://schemas.microsoft.com/office/drawing/2014/main" id="{313D7A60-AA1D-8AE9-4783-A7FABAFFE500}"/>
+                <a16:creationId xmlns:a16="http://schemas.microsoft.com/office/drawing/2014/main" id="{2D90804D-8278-241C-56F7-C84948C1D5C5}"/>
               </a:ext>
             </a:extLst>
           </p:cNvPr>
@@ -7210,34 +8259,69 @@
           <a:lstStyle/>
           <a:p>
             <a:r>
+              <a:rPr lang="en-US" altLang="ko-KR" dirty="0"/>
+              <a:t>1. </a:t>
+            </a:r>
+            <a:r>
               <a:rPr lang="ko-KR" altLang="en-US" dirty="0"/>
-              <a:t>사업장 코드</a:t>
-            </a:r>
+              <a:t>사업장 이름 입력</a:t>
+            </a:r>
+            <a:endParaRPr lang="en-US" altLang="ko-KR" dirty="0"/>
+          </a:p>
+          <a:p>
             <a:r>
               <a:rPr lang="en-US" altLang="ko-KR" dirty="0"/>
-              <a:t>, </a:t>
+              <a:t>2. </a:t>
             </a:r>
             <a:r>
               <a:rPr lang="ko-KR" altLang="en-US" dirty="0"/>
-              <a:t>사업장 이름</a:t>
-            </a:r>
+              <a:t>사업장 주소 입력</a:t>
+            </a:r>
+            <a:endParaRPr lang="en-US" altLang="ko-KR" dirty="0"/>
+          </a:p>
+          <a:p>
             <a:r>
               <a:rPr lang="en-US" altLang="ko-KR" dirty="0"/>
-              <a:t>, </a:t>
+              <a:t>3. </a:t>
             </a:r>
             <a:r>
               <a:rPr lang="ko-KR" altLang="en-US" dirty="0"/>
-              <a:t>사업장 주소 조회 </a:t>
+              <a:t>성공적으로 사업장 </a:t>
+            </a:r>
+            <a:r>
+              <a:rPr lang="ko-KR" altLang="en-US" dirty="0" err="1"/>
+              <a:t>추가시</a:t>
+            </a:r>
+            <a:r>
+              <a:rPr lang="ko-KR" altLang="en-US" dirty="0"/>
+              <a:t> 화면에 </a:t>
+            </a:r>
+            <a:r>
+              <a:rPr lang="en-US" altLang="ko-KR" dirty="0"/>
+              <a:t>“</a:t>
+            </a:r>
+            <a:r>
+              <a:rPr lang="ko-KR" altLang="en-US" dirty="0"/>
+              <a:t>사업장 추가를 완료했습니다</a:t>
+            </a:r>
+            <a:r>
+              <a:rPr lang="en-US" altLang="ko-KR" dirty="0"/>
+              <a:t>“ </a:t>
+            </a:r>
+            <a:r>
+              <a:rPr lang="ko-KR" altLang="en-US" dirty="0"/>
+              <a:t>메시지 뜸</a:t>
             </a:r>
             <a:endParaRPr lang="en-US" altLang="ko-KR" dirty="0"/>
           </a:p>
           <a:p>
-            <a:pPr marL="228600" indent="-228600">
-              <a:buAutoNum type="arabicPeriod"/>
-            </a:pPr>
+            <a:r>
+              <a:rPr lang="en-US" altLang="ko-KR" dirty="0"/>
+              <a:t>4. </a:t>
+            </a:r>
             <a:r>
               <a:rPr lang="ko-KR" altLang="en-US" dirty="0"/>
-              <a:t>사업장 코드를 누르면 해당 사업장의 상품을 관리할 수 있는 메뉴로 이동</a:t>
+              <a:t>사업장 관리 메뉴로 돌아가기</a:t>
             </a:r>
           </a:p>
         </p:txBody>
@@ -7247,7 +8331,7 @@
           <p:cNvPr id="6" name="그림 5">
             <a:extLst>
               <a:ext uri="{FF2B5EF4-FFF2-40B4-BE49-F238E27FC236}">
-                <a16:creationId xmlns:a16="http://schemas.microsoft.com/office/drawing/2014/main" id="{02C65BED-782F-6020-910A-7EEB978202EB}"/>
+                <a16:creationId xmlns:a16="http://schemas.microsoft.com/office/drawing/2014/main" id="{A99E5A05-3301-FD72-2746-76D043A9BB36}"/>
               </a:ext>
             </a:extLst>
           </p:cNvPr>
@@ -7264,18 +8348,174 @@
         </p:blipFill>
         <p:spPr>
           <a:xfrm>
-            <a:off x="323528" y="2142764"/>
-            <a:ext cx="6102923" cy="3396843"/>
+            <a:off x="323529" y="2248677"/>
+            <a:ext cx="6146256" cy="3412207"/>
           </a:xfrm>
           <a:prstGeom prst="rect">
             <a:avLst/>
           </a:prstGeom>
         </p:spPr>
       </p:pic>
+      <p:sp>
+        <p:nvSpPr>
+          <p:cNvPr id="5" name="TextBox 4">
+            <a:extLst>
+              <a:ext uri="{FF2B5EF4-FFF2-40B4-BE49-F238E27FC236}">
+                <a16:creationId xmlns:a16="http://schemas.microsoft.com/office/drawing/2014/main" id="{6EBB687C-B234-FB5E-4B3B-91E36A184909}"/>
+              </a:ext>
+            </a:extLst>
+          </p:cNvPr>
+          <p:cNvSpPr txBox="1"/>
+          <p:nvPr/>
+        </p:nvSpPr>
+        <p:spPr>
+          <a:xfrm>
+            <a:off x="2603241" y="2192994"/>
+            <a:ext cx="531845" cy="369332"/>
+          </a:xfrm>
+          <a:prstGeom prst="rect">
+            <a:avLst/>
+          </a:prstGeom>
+          <a:noFill/>
+        </p:spPr>
+        <p:txBody>
+          <a:bodyPr wrap="square" rtlCol="0">
+            <a:spAutoFit/>
+          </a:bodyPr>
+          <a:lstStyle/>
+          <a:p>
+            <a:r>
+              <a:rPr lang="ko-KR" altLang="en-US" b="1" dirty="0">
+                <a:solidFill>
+                  <a:srgbClr val="FF0000"/>
+                </a:solidFill>
+              </a:rPr>
+              <a:t>①</a:t>
+            </a:r>
+          </a:p>
+        </p:txBody>
+      </p:sp>
+      <p:sp>
+        <p:nvSpPr>
+          <p:cNvPr id="7" name="TextBox 6">
+            <a:extLst>
+              <a:ext uri="{FF2B5EF4-FFF2-40B4-BE49-F238E27FC236}">
+                <a16:creationId xmlns:a16="http://schemas.microsoft.com/office/drawing/2014/main" id="{AEC60ED3-C76E-B5D2-B186-523BF858155D}"/>
+              </a:ext>
+            </a:extLst>
+          </p:cNvPr>
+          <p:cNvSpPr txBox="1"/>
+          <p:nvPr/>
+        </p:nvSpPr>
+        <p:spPr>
+          <a:xfrm>
+            <a:off x="933101" y="2622598"/>
+            <a:ext cx="531845" cy="369332"/>
+          </a:xfrm>
+          <a:prstGeom prst="rect">
+            <a:avLst/>
+          </a:prstGeom>
+          <a:noFill/>
+        </p:spPr>
+        <p:txBody>
+          <a:bodyPr wrap="square" rtlCol="0">
+            <a:spAutoFit/>
+          </a:bodyPr>
+          <a:lstStyle/>
+          <a:p>
+            <a:r>
+              <a:rPr lang="ko-KR" altLang="en-US" b="1" dirty="0">
+                <a:solidFill>
+                  <a:srgbClr val="FF0000"/>
+                </a:solidFill>
+              </a:rPr>
+              <a:t>②</a:t>
+            </a:r>
+          </a:p>
+        </p:txBody>
+      </p:sp>
+      <p:sp>
+        <p:nvSpPr>
+          <p:cNvPr id="8" name="TextBox 7">
+            <a:extLst>
+              <a:ext uri="{FF2B5EF4-FFF2-40B4-BE49-F238E27FC236}">
+                <a16:creationId xmlns:a16="http://schemas.microsoft.com/office/drawing/2014/main" id="{3E434F6E-85B1-5332-A1FA-3172CBF0D766}"/>
+              </a:ext>
+            </a:extLst>
+          </p:cNvPr>
+          <p:cNvSpPr txBox="1"/>
+          <p:nvPr/>
+        </p:nvSpPr>
+        <p:spPr>
+          <a:xfrm>
+            <a:off x="3130734" y="2638616"/>
+            <a:ext cx="531845" cy="369332"/>
+          </a:xfrm>
+          <a:prstGeom prst="rect">
+            <a:avLst/>
+          </a:prstGeom>
+          <a:noFill/>
+        </p:spPr>
+        <p:txBody>
+          <a:bodyPr wrap="square" rtlCol="0">
+            <a:spAutoFit/>
+          </a:bodyPr>
+          <a:lstStyle/>
+          <a:p>
+            <a:r>
+              <a:rPr lang="ko-KR" altLang="en-US" b="1" dirty="0">
+                <a:solidFill>
+                  <a:srgbClr val="FF0000"/>
+                </a:solidFill>
+              </a:rPr>
+              <a:t>③</a:t>
+            </a:r>
+          </a:p>
+        </p:txBody>
+      </p:sp>
+      <p:sp>
+        <p:nvSpPr>
+          <p:cNvPr id="9" name="TextBox 8">
+            <a:extLst>
+              <a:ext uri="{FF2B5EF4-FFF2-40B4-BE49-F238E27FC236}">
+                <a16:creationId xmlns:a16="http://schemas.microsoft.com/office/drawing/2014/main" id="{31EE9288-9C54-6AD4-A560-F81CAD53D3A5}"/>
+              </a:ext>
+            </a:extLst>
+          </p:cNvPr>
+          <p:cNvSpPr txBox="1"/>
+          <p:nvPr/>
+        </p:nvSpPr>
+        <p:spPr>
+          <a:xfrm>
+            <a:off x="4263789" y="2627886"/>
+            <a:ext cx="531845" cy="369332"/>
+          </a:xfrm>
+          <a:prstGeom prst="rect">
+            <a:avLst/>
+          </a:prstGeom>
+          <a:noFill/>
+        </p:spPr>
+        <p:txBody>
+          <a:bodyPr wrap="square" rtlCol="0">
+            <a:spAutoFit/>
+          </a:bodyPr>
+          <a:lstStyle/>
+          <a:p>
+            <a:r>
+              <a:rPr lang="ko-KR" altLang="en-US" b="1" dirty="0">
+                <a:solidFill>
+                  <a:srgbClr val="FF0000"/>
+                </a:solidFill>
+              </a:rPr>
+              <a:t>④</a:t>
+            </a:r>
+          </a:p>
+        </p:txBody>
+      </p:sp>
     </p:spTree>
     <p:extLst>
       <p:ext uri="{BB962C8B-B14F-4D97-AF65-F5344CB8AC3E}">
-        <p14:creationId xmlns:p14="http://schemas.microsoft.com/office/powerpoint/2010/main" val="641956855"/>
+        <p14:creationId xmlns:p14="http://schemas.microsoft.com/office/powerpoint/2010/main" val="2114354231"/>
       </p:ext>
     </p:extLst>
   </p:cSld>
@@ -7375,7 +8615,7 @@
         <p:spPr>
           <a:xfrm>
             <a:off x="258618" y="1542196"/>
-            <a:ext cx="8626764" cy="5078313"/>
+            <a:ext cx="8626764" cy="4832092"/>
           </a:xfrm>
           <a:prstGeom prst="rect">
             <a:avLst/>
@@ -7469,6 +8709,24 @@
               </a:rPr>
               <a:t>프로그램 목적</a:t>
             </a:r>
+            <a:r>
+              <a:rPr lang="en-US" altLang="ko-KR" dirty="0">
+                <a:solidFill>
+                  <a:srgbClr val="000000"/>
+                </a:solidFill>
+                <a:latin typeface="Arial" panose="020B0604020202020204" pitchFamily="34" charset="0"/>
+              </a:rPr>
+              <a:t>:</a:t>
+            </a:r>
+            <a:r>
+              <a:rPr lang="ko-KR" altLang="en-US" dirty="0">
+                <a:solidFill>
+                  <a:srgbClr val="000000"/>
+                </a:solidFill>
+                <a:latin typeface="Arial" panose="020B0604020202020204" pitchFamily="34" charset="0"/>
+              </a:rPr>
+              <a:t> 독채 숙소 예약 프로그램</a:t>
+            </a:r>
             <a:endParaRPr lang="ko-KR" altLang="en-US" b="0" dirty="0">
               <a:effectLst/>
             </a:endParaRPr>
@@ -7573,8 +8831,12 @@
               </a:rPr>
               <a:t>독채 숙소 예약을 통한 프라이버시 보장과 고급 경험 제공</a:t>
             </a:r>
-            <a:endParaRPr lang="ko-KR" altLang="en-US" sz="1600" b="0" dirty="0">
+            <a:endParaRPr lang="en-US" altLang="ko-KR" sz="1600" b="0" i="0" u="none" strike="noStrike" dirty="0">
+              <a:solidFill>
+                <a:srgbClr val="000000"/>
+              </a:solidFill>
               <a:effectLst/>
+              <a:latin typeface="Arial" panose="020B0604020202020204" pitchFamily="34" charset="0"/>
             </a:endParaRPr>
           </a:p>
           <a:p>
@@ -7633,21 +8895,17 @@
                 <a:effectLst/>
                 <a:latin typeface="Arial" panose="020B0604020202020204" pitchFamily="34" charset="0"/>
               </a:rPr>
-              <a:t>이후 침체된 지역 경제 활성화</a:t>
-            </a:r>
-            <a:endParaRPr lang="ko-KR" altLang="en-US" sz="1600" b="0" dirty="0">
-              <a:effectLst/>
-            </a:endParaRPr>
-          </a:p>
-          <a:p>
-            <a:pPr rtl="0">
-              <a:spcBef>
-                <a:spcPts val="0"/>
-              </a:spcBef>
-              <a:spcAft>
-                <a:spcPts val="0"/>
-              </a:spcAft>
-            </a:pPr>
+              <a:t>이후 침체된 지역 경제</a:t>
+            </a:r>
+            <a:r>
+              <a:rPr lang="ko-KR" altLang="en-US" sz="1600" dirty="0">
+                <a:solidFill>
+                  <a:srgbClr val="000000"/>
+                </a:solidFill>
+                <a:latin typeface="Arial" panose="020B0604020202020204" pitchFamily="34" charset="0"/>
+              </a:rPr>
+              <a:t>를 </a:t>
+            </a:r>
             <a:r>
               <a:rPr lang="ko-KR" altLang="en-US" sz="1600" b="0" i="0" u="none" strike="noStrike" dirty="0">
                 <a:solidFill>
@@ -7656,27 +8914,7 @@
                 <a:effectLst/>
                 <a:latin typeface="Arial" panose="020B0604020202020204" pitchFamily="34" charset="0"/>
               </a:rPr>
-              <a:t>    </a:t>
-            </a:r>
-            <a:r>
-              <a:rPr lang="en-US" altLang="ko-KR" sz="1600" b="0" i="0" u="none" strike="noStrike" dirty="0">
-                <a:solidFill>
-                  <a:srgbClr val="000000"/>
-                </a:solidFill>
-                <a:effectLst/>
-                <a:latin typeface="Arial" panose="020B0604020202020204" pitchFamily="34" charset="0"/>
-              </a:rPr>
-              <a:t>- </a:t>
-            </a:r>
-            <a:r>
-              <a:rPr lang="ko-KR" altLang="en-US" sz="1600" b="0" i="0" u="none" strike="noStrike" dirty="0">
-                <a:solidFill>
-                  <a:srgbClr val="000000"/>
-                </a:solidFill>
-                <a:effectLst/>
-                <a:latin typeface="Arial" panose="020B0604020202020204" pitchFamily="34" charset="0"/>
-              </a:rPr>
-              <a:t>지역 숙박 사업자와의 상생과 지역 경제의 발전</a:t>
+              <a:t>지역 숙박 사업자와의 상생을 통해 활성화 및 발전</a:t>
             </a:r>
             <a:endParaRPr lang="en-US" altLang="ko-KR" sz="1600" b="0" i="0" u="none" strike="noStrike" dirty="0">
               <a:solidFill>
@@ -7765,7 +9003,7 @@
                 <a:effectLst/>
                 <a:latin typeface="Arial" panose="020B0604020202020204" pitchFamily="34" charset="0"/>
               </a:rPr>
-              <a:t>사용자 로그인</a:t>
+              <a:t>사용자 관리</a:t>
             </a:r>
             <a:endParaRPr lang="ko-KR" altLang="en-US" sz="1200" b="0" dirty="0">
               <a:effectLst/>
@@ -8556,7 +9794,7 @@
           <p:cNvPr id="2" name="제목 1">
             <a:extLst>
               <a:ext uri="{FF2B5EF4-FFF2-40B4-BE49-F238E27FC236}">
-                <a16:creationId xmlns:a16="http://schemas.microsoft.com/office/drawing/2014/main" id="{102B3A9E-471C-3EC5-4D08-EEA68B8147FA}"/>
+                <a16:creationId xmlns:a16="http://schemas.microsoft.com/office/drawing/2014/main" id="{441EC753-C1E8-05F7-9D16-C5FE4BC9658B}"/>
               </a:ext>
             </a:extLst>
           </p:cNvPr>
@@ -8574,13 +9812,16 @@
           <a:p>
             <a:r>
               <a:rPr lang="ko-KR" altLang="en-US" dirty="0"/>
-              <a:t>특정 사업장 상품 관리 메뉴</a:t>
+              <a:t>사업장 관리 </a:t>
             </a:r>
             <a:r>
               <a:rPr lang="en-US" altLang="ko-KR" dirty="0"/>
-              <a:t> </a:t>
-            </a:r>
-            <a:endParaRPr lang="ko-KR" altLang="en-US" dirty="0"/>
+              <a:t>– </a:t>
+            </a:r>
+            <a:r>
+              <a:rPr lang="ko-KR" altLang="en-US" dirty="0"/>
+              <a:t>내 사업장 전체 보기</a:t>
+            </a:r>
           </a:p>
         </p:txBody>
       </p:sp>
@@ -8589,7 +9830,7 @@
           <p:cNvPr id="3" name="내용 개체 틀 2">
             <a:extLst>
               <a:ext uri="{FF2B5EF4-FFF2-40B4-BE49-F238E27FC236}">
-                <a16:creationId xmlns:a16="http://schemas.microsoft.com/office/drawing/2014/main" id="{716A8B12-48BB-FB56-E931-9E5C054AC156}"/>
+                <a16:creationId xmlns:a16="http://schemas.microsoft.com/office/drawing/2014/main" id="{C3DB44A0-AE9A-E74B-6E53-C123CE779138}"/>
               </a:ext>
             </a:extLst>
           </p:cNvPr>
@@ -8607,8 +9848,13 @@
           <a:p>
             <a:r>
               <a:rPr lang="ko-KR" altLang="en-US" dirty="0"/>
-              <a:t>사업자가 선택한 사업장의 상품을 관리할 수 있는 메뉴</a:t>
-            </a:r>
+              <a:t>사업자가 등록한 사업장 전체 목록을 보는 화면</a:t>
+            </a:r>
+            <a:r>
+              <a:rPr lang="en-US" altLang="ko-KR" dirty="0"/>
+              <a:t>		</a:t>
+            </a:r>
+            <a:endParaRPr lang="ko-KR" altLang="en-US" dirty="0"/>
           </a:p>
         </p:txBody>
       </p:sp>
@@ -8617,7 +9863,7 @@
           <p:cNvPr id="4" name="내용 개체 틀 3">
             <a:extLst>
               <a:ext uri="{FF2B5EF4-FFF2-40B4-BE49-F238E27FC236}">
-                <a16:creationId xmlns:a16="http://schemas.microsoft.com/office/drawing/2014/main" id="{9F12C455-7C5A-3F58-F864-6B7DF50A3831}"/>
+                <a16:creationId xmlns:a16="http://schemas.microsoft.com/office/drawing/2014/main" id="{313D7A60-AA1D-8AE9-4783-A7FABAFFE500}"/>
               </a:ext>
             </a:extLst>
           </p:cNvPr>
@@ -8633,22 +9879,35 @@
           <a:bodyPr/>
           <a:lstStyle/>
           <a:p>
+            <a:r>
+              <a:rPr lang="ko-KR" altLang="en-US" dirty="0"/>
+              <a:t>사업장 코드</a:t>
+            </a:r>
+            <a:r>
+              <a:rPr lang="en-US" altLang="ko-KR" dirty="0"/>
+              <a:t>, </a:t>
+            </a:r>
+            <a:r>
+              <a:rPr lang="ko-KR" altLang="en-US" dirty="0"/>
+              <a:t>사업장 이름</a:t>
+            </a:r>
+            <a:r>
+              <a:rPr lang="en-US" altLang="ko-KR" dirty="0"/>
+              <a:t>, </a:t>
+            </a:r>
+            <a:r>
+              <a:rPr lang="ko-KR" altLang="en-US" dirty="0"/>
+              <a:t>사업장 주소 조회 </a:t>
+            </a:r>
+            <a:endParaRPr lang="en-US" altLang="ko-KR" dirty="0"/>
+          </a:p>
+          <a:p>
             <a:pPr marL="228600" indent="-228600">
               <a:buAutoNum type="arabicPeriod"/>
             </a:pPr>
             <a:r>
               <a:rPr lang="ko-KR" altLang="en-US" dirty="0"/>
-              <a:t>새로운 상품을 추가할 수 있는 화면으로 이동</a:t>
-            </a:r>
-            <a:endParaRPr lang="en-US" altLang="ko-KR" dirty="0"/>
-          </a:p>
-          <a:p>
-            <a:pPr marL="228600" indent="-228600">
-              <a:buAutoNum type="arabicPeriod"/>
-            </a:pPr>
-            <a:r>
-              <a:rPr lang="ko-KR" altLang="en-US" dirty="0"/>
-              <a:t>등록된 상품 전체를 볼 수 있는 화면으로 이동</a:t>
+              <a:t>사업장 코드를 누르면 해당 사업장의 상품을 관리할 수 있는 메뉴로 이동</a:t>
             </a:r>
           </a:p>
         </p:txBody>
@@ -8658,7 +9917,7 @@
           <p:cNvPr id="6" name="그림 5">
             <a:extLst>
               <a:ext uri="{FF2B5EF4-FFF2-40B4-BE49-F238E27FC236}">
-                <a16:creationId xmlns:a16="http://schemas.microsoft.com/office/drawing/2014/main" id="{3E18A010-A5E3-6B87-8862-7A3438BC4DE3}"/>
+                <a16:creationId xmlns:a16="http://schemas.microsoft.com/office/drawing/2014/main" id="{02C65BED-782F-6020-910A-7EEB978202EB}"/>
               </a:ext>
             </a:extLst>
           </p:cNvPr>
@@ -8675,18 +9934,57 @@
         </p:blipFill>
         <p:spPr>
           <a:xfrm>
-            <a:off x="323528" y="2239347"/>
-            <a:ext cx="6140445" cy="3417727"/>
+            <a:off x="323528" y="2142764"/>
+            <a:ext cx="6102923" cy="3396843"/>
           </a:xfrm>
           <a:prstGeom prst="rect">
             <a:avLst/>
           </a:prstGeom>
         </p:spPr>
       </p:pic>
+      <p:sp>
+        <p:nvSpPr>
+          <p:cNvPr id="12" name="TextBox 11">
+            <a:extLst>
+              <a:ext uri="{FF2B5EF4-FFF2-40B4-BE49-F238E27FC236}">
+                <a16:creationId xmlns:a16="http://schemas.microsoft.com/office/drawing/2014/main" id="{45FD5CA4-DB34-500E-145C-B9A2AC110DFB}"/>
+              </a:ext>
+            </a:extLst>
+          </p:cNvPr>
+          <p:cNvSpPr txBox="1"/>
+          <p:nvPr/>
+        </p:nvSpPr>
+        <p:spPr>
+          <a:xfrm>
+            <a:off x="222376" y="3567591"/>
+            <a:ext cx="531845" cy="369332"/>
+          </a:xfrm>
+          <a:prstGeom prst="rect">
+            <a:avLst/>
+          </a:prstGeom>
+          <a:noFill/>
+        </p:spPr>
+        <p:txBody>
+          <a:bodyPr wrap="square" rtlCol="0">
+            <a:spAutoFit/>
+          </a:bodyPr>
+          <a:lstStyle/>
+          <a:p>
+            <a:r>
+              <a:rPr lang="ko-KR" altLang="en-US" b="1" dirty="0">
+                <a:solidFill>
+                  <a:srgbClr val="FF0000"/>
+                </a:solidFill>
+              </a:rPr>
+              <a:t>①</a:t>
+            </a:r>
+          </a:p>
+        </p:txBody>
+      </p:sp>
     </p:spTree>
     <p:extLst>
       <p:ext uri="{BB962C8B-B14F-4D97-AF65-F5344CB8AC3E}">
-        <p14:creationId xmlns:p14="http://schemas.microsoft.com/office/powerpoint/2010/main" val="950173718"/>
+        <p14:creationId xmlns:p14="http://schemas.microsoft.com/office/powerpoint/2010/main" val="641956855"/>
       </p:ext>
     </p:extLst>
   </p:cSld>
@@ -8721,7 +10019,7 @@
           <p:cNvPr id="2" name="제목 1">
             <a:extLst>
               <a:ext uri="{FF2B5EF4-FFF2-40B4-BE49-F238E27FC236}">
-                <a16:creationId xmlns:a16="http://schemas.microsoft.com/office/drawing/2014/main" id="{99D77B48-BB58-0D43-19E1-8C86E6006C38}"/>
+                <a16:creationId xmlns:a16="http://schemas.microsoft.com/office/drawing/2014/main" id="{102B3A9E-471C-3EC5-4D08-EEA68B8147FA}"/>
               </a:ext>
             </a:extLst>
           </p:cNvPr>
@@ -8739,16 +10037,13 @@
           <a:p>
             <a:r>
               <a:rPr lang="ko-KR" altLang="en-US" dirty="0"/>
-              <a:t>상품 관리 메뉴 </a:t>
+              <a:t>특정 사업장 상품 관리 메뉴</a:t>
             </a:r>
             <a:r>
               <a:rPr lang="en-US" altLang="ko-KR" dirty="0"/>
-              <a:t>– </a:t>
-            </a:r>
-            <a:r>
-              <a:rPr lang="ko-KR" altLang="en-US" dirty="0"/>
-              <a:t>새로운 상품 추가</a:t>
-            </a:r>
+              <a:t> </a:t>
+            </a:r>
+            <a:endParaRPr lang="ko-KR" altLang="en-US" dirty="0"/>
           </a:p>
         </p:txBody>
       </p:sp>
@@ -8757,7 +10052,7 @@
           <p:cNvPr id="3" name="내용 개체 틀 2">
             <a:extLst>
               <a:ext uri="{FF2B5EF4-FFF2-40B4-BE49-F238E27FC236}">
-                <a16:creationId xmlns:a16="http://schemas.microsoft.com/office/drawing/2014/main" id="{0FA96EC6-B9BF-E0D7-B894-17FE4B33CD4F}"/>
+                <a16:creationId xmlns:a16="http://schemas.microsoft.com/office/drawing/2014/main" id="{716A8B12-48BB-FB56-E931-9E5C054AC156}"/>
               </a:ext>
             </a:extLst>
           </p:cNvPr>
@@ -8775,7 +10070,7 @@
           <a:p>
             <a:r>
               <a:rPr lang="ko-KR" altLang="en-US" dirty="0"/>
-              <a:t>선택한 사업장에 새로운 상품을 추가할 수 있는 메뉴</a:t>
+              <a:t>사업자가 선택한 사업장의 상품을 관리할 수 있는 메뉴</a:t>
             </a:r>
           </a:p>
         </p:txBody>
@@ -8785,7 +10080,7 @@
           <p:cNvPr id="4" name="내용 개체 틀 3">
             <a:extLst>
               <a:ext uri="{FF2B5EF4-FFF2-40B4-BE49-F238E27FC236}">
-                <a16:creationId xmlns:a16="http://schemas.microsoft.com/office/drawing/2014/main" id="{FA5EB01F-F910-1513-A5B0-3BD752659621}"/>
+                <a16:creationId xmlns:a16="http://schemas.microsoft.com/office/drawing/2014/main" id="{9F12C455-7C5A-3F58-F864-6B7DF50A3831}"/>
               </a:ext>
             </a:extLst>
           </p:cNvPr>
@@ -8801,46 +10096,22 @@
           <a:bodyPr/>
           <a:lstStyle/>
           <a:p>
-            <a:r>
-              <a:rPr lang="en-US" altLang="ko-KR" dirty="0"/>
-              <a:t>1. </a:t>
-            </a:r>
+            <a:pPr marL="228600" indent="-228600">
+              <a:buAutoNum type="arabicPeriod"/>
+            </a:pPr>
             <a:r>
               <a:rPr lang="ko-KR" altLang="en-US" dirty="0"/>
-              <a:t>상품명 입력</a:t>
+              <a:t>새로운 상품을 추가할 수 있는 화면으로 이동</a:t>
             </a:r>
             <a:endParaRPr lang="en-US" altLang="ko-KR" dirty="0"/>
           </a:p>
           <a:p>
-            <a:r>
-              <a:rPr lang="en-US" altLang="ko-KR" dirty="0"/>
-              <a:t>2. </a:t>
-            </a:r>
+            <a:pPr marL="228600" indent="-228600">
+              <a:buAutoNum type="arabicPeriod"/>
+            </a:pPr>
             <a:r>
               <a:rPr lang="ko-KR" altLang="en-US" dirty="0"/>
-              <a:t>가격 입력</a:t>
-            </a:r>
-            <a:endParaRPr lang="en-US" altLang="ko-KR" dirty="0"/>
-          </a:p>
-          <a:p>
-            <a:r>
-              <a:rPr lang="en-US" altLang="ko-KR" dirty="0"/>
-              <a:t>3. </a:t>
-            </a:r>
-            <a:r>
-              <a:rPr lang="ko-KR" altLang="en-US" dirty="0"/>
-              <a:t>설명 입력</a:t>
-            </a:r>
-            <a:endParaRPr lang="en-US" altLang="ko-KR" dirty="0"/>
-          </a:p>
-          <a:p>
-            <a:r>
-              <a:rPr lang="en-US" altLang="ko-KR" dirty="0"/>
-              <a:t>4. </a:t>
-            </a:r>
-            <a:r>
-              <a:rPr lang="ko-KR" altLang="en-US" dirty="0"/>
-              <a:t>버튼을 클릭하면 상품 리스트로 화면으로 이동</a:t>
+              <a:t>등록된 상품 전체를 볼 수 있는 화면으로 이동</a:t>
             </a:r>
           </a:p>
         </p:txBody>
@@ -8850,7 +10121,7 @@
           <p:cNvPr id="6" name="그림 5">
             <a:extLst>
               <a:ext uri="{FF2B5EF4-FFF2-40B4-BE49-F238E27FC236}">
-                <a16:creationId xmlns:a16="http://schemas.microsoft.com/office/drawing/2014/main" id="{AA30177B-BF5A-E0C5-BD35-77AB0D5459A2}"/>
+                <a16:creationId xmlns:a16="http://schemas.microsoft.com/office/drawing/2014/main" id="{3E18A010-A5E3-6B87-8862-7A3438BC4DE3}"/>
               </a:ext>
             </a:extLst>
           </p:cNvPr>
@@ -8867,8 +10138,8 @@
         </p:blipFill>
         <p:spPr>
           <a:xfrm>
-            <a:off x="323528" y="2283607"/>
-            <a:ext cx="6105264" cy="3405270"/>
+            <a:off x="323528" y="2239347"/>
+            <a:ext cx="6140445" cy="3417727"/>
           </a:xfrm>
           <a:prstGeom prst="rect">
             <a:avLst/>
@@ -8878,7 +10149,7 @@
     </p:spTree>
     <p:extLst>
       <p:ext uri="{BB962C8B-B14F-4D97-AF65-F5344CB8AC3E}">
-        <p14:creationId xmlns:p14="http://schemas.microsoft.com/office/powerpoint/2010/main" val="3809704019"/>
+        <p14:creationId xmlns:p14="http://schemas.microsoft.com/office/powerpoint/2010/main" val="950173718"/>
       </p:ext>
     </p:extLst>
   </p:cSld>
@@ -8913,7 +10184,7 @@
           <p:cNvPr id="2" name="제목 1">
             <a:extLst>
               <a:ext uri="{FF2B5EF4-FFF2-40B4-BE49-F238E27FC236}">
-                <a16:creationId xmlns:a16="http://schemas.microsoft.com/office/drawing/2014/main" id="{7998136D-3096-3DFA-E0DE-9BD4BC10AA1E}"/>
+                <a16:creationId xmlns:a16="http://schemas.microsoft.com/office/drawing/2014/main" id="{99D77B48-BB58-0D43-19E1-8C86E6006C38}"/>
               </a:ext>
             </a:extLst>
           </p:cNvPr>
@@ -8939,7 +10210,7 @@
             </a:r>
             <a:r>
               <a:rPr lang="ko-KR" altLang="en-US" dirty="0"/>
-              <a:t>상품 리스트</a:t>
+              <a:t>새로운 상품 추가</a:t>
             </a:r>
           </a:p>
         </p:txBody>
@@ -8949,7 +10220,7 @@
           <p:cNvPr id="3" name="내용 개체 틀 2">
             <a:extLst>
               <a:ext uri="{FF2B5EF4-FFF2-40B4-BE49-F238E27FC236}">
-                <a16:creationId xmlns:a16="http://schemas.microsoft.com/office/drawing/2014/main" id="{13CF144C-E7A2-8181-43A4-BF13F2C07D40}"/>
+                <a16:creationId xmlns:a16="http://schemas.microsoft.com/office/drawing/2014/main" id="{0FA96EC6-B9BF-E0D7-B894-17FE4B33CD4F}"/>
               </a:ext>
             </a:extLst>
           </p:cNvPr>
@@ -8967,7 +10238,7 @@
           <a:p>
             <a:r>
               <a:rPr lang="ko-KR" altLang="en-US" dirty="0"/>
-              <a:t>선택한 사업의 상품 리스트를 볼 수 있는 메뉴</a:t>
+              <a:t>선택한 사업장에 새로운 상품을 추가할 수 있는 메뉴</a:t>
             </a:r>
           </a:p>
         </p:txBody>
@@ -8977,7 +10248,7 @@
           <p:cNvPr id="4" name="내용 개체 틀 3">
             <a:extLst>
               <a:ext uri="{FF2B5EF4-FFF2-40B4-BE49-F238E27FC236}">
-                <a16:creationId xmlns:a16="http://schemas.microsoft.com/office/drawing/2014/main" id="{132F21FE-65DE-0D1A-2ED2-5A426D3A5A0D}"/>
+                <a16:creationId xmlns:a16="http://schemas.microsoft.com/office/drawing/2014/main" id="{FA5EB01F-F910-1513-A5B0-3BD752659621}"/>
               </a:ext>
             </a:extLst>
           </p:cNvPr>
@@ -8994,42 +10265,45 @@
           <a:lstStyle/>
           <a:p>
             <a:r>
+              <a:rPr lang="en-US" altLang="ko-KR" dirty="0"/>
+              <a:t>1. </a:t>
+            </a:r>
+            <a:r>
               <a:rPr lang="ko-KR" altLang="en-US" dirty="0"/>
-              <a:t>상품명</a:t>
-            </a:r>
+              <a:t>상품명 입력</a:t>
+            </a:r>
+            <a:endParaRPr lang="en-US" altLang="ko-KR" dirty="0"/>
+          </a:p>
+          <a:p>
             <a:r>
               <a:rPr lang="en-US" altLang="ko-KR" dirty="0"/>
-              <a:t>, </a:t>
+              <a:t>2. </a:t>
             </a:r>
             <a:r>
               <a:rPr lang="ko-KR" altLang="en-US" dirty="0"/>
-              <a:t>상품 코드 </a:t>
-            </a:r>
+              <a:t>가격 입력</a:t>
+            </a:r>
+            <a:endParaRPr lang="en-US" altLang="ko-KR" dirty="0"/>
+          </a:p>
+          <a:p>
             <a:r>
               <a:rPr lang="en-US" altLang="ko-KR" dirty="0"/>
-              <a:t>, </a:t>
+              <a:t>3. </a:t>
             </a:r>
             <a:r>
               <a:rPr lang="ko-KR" altLang="en-US" dirty="0"/>
-              <a:t>상품 가격</a:t>
-            </a:r>
+              <a:t>설명 입력</a:t>
+            </a:r>
+            <a:endParaRPr lang="en-US" altLang="ko-KR" dirty="0"/>
+          </a:p>
+          <a:p>
             <a:r>
               <a:rPr lang="en-US" altLang="ko-KR" dirty="0"/>
-              <a:t>, </a:t>
+              <a:t>4. </a:t>
             </a:r>
             <a:r>
               <a:rPr lang="ko-KR" altLang="en-US" dirty="0"/>
-              <a:t>상품 설명을 볼 수 있음</a:t>
-            </a:r>
-            <a:endParaRPr lang="en-US" altLang="ko-KR" dirty="0"/>
-          </a:p>
-          <a:p>
-            <a:pPr marL="228600" indent="-228600">
-              <a:buAutoNum type="arabicPeriod"/>
-            </a:pPr>
-            <a:r>
-              <a:rPr lang="ko-KR" altLang="en-US" dirty="0"/>
-              <a:t>상품 코드를 클릭하면 날짜를 선택해서 재고를 관리할 수 있는 화면으로 이동</a:t>
+              <a:t>버튼을 클릭하면 상품 리스트로 화면으로 이동</a:t>
             </a:r>
           </a:p>
         </p:txBody>
@@ -9039,7 +10313,7 @@
           <p:cNvPr id="6" name="그림 5">
             <a:extLst>
               <a:ext uri="{FF2B5EF4-FFF2-40B4-BE49-F238E27FC236}">
-                <a16:creationId xmlns:a16="http://schemas.microsoft.com/office/drawing/2014/main" id="{6F466801-1796-56FC-D6CF-DAC997ADC79F}"/>
+                <a16:creationId xmlns:a16="http://schemas.microsoft.com/office/drawing/2014/main" id="{AA30177B-BF5A-E0C5-BD35-77AB0D5459A2}"/>
               </a:ext>
             </a:extLst>
           </p:cNvPr>
@@ -9056,18 +10330,213 @@
         </p:blipFill>
         <p:spPr>
           <a:xfrm>
-            <a:off x="323528" y="2341984"/>
-            <a:ext cx="6110662" cy="3362672"/>
+            <a:off x="323528" y="2283607"/>
+            <a:ext cx="6105264" cy="3405270"/>
           </a:xfrm>
           <a:prstGeom prst="rect">
             <a:avLst/>
           </a:prstGeom>
         </p:spPr>
       </p:pic>
+      <p:sp>
+        <p:nvSpPr>
+          <p:cNvPr id="5" name="TextBox 4">
+            <a:extLst>
+              <a:ext uri="{FF2B5EF4-FFF2-40B4-BE49-F238E27FC236}">
+                <a16:creationId xmlns:a16="http://schemas.microsoft.com/office/drawing/2014/main" id="{03D52689-E807-BFC3-55D0-9E4AA8F1EA9A}"/>
+              </a:ext>
+            </a:extLst>
+          </p:cNvPr>
+          <p:cNvSpPr txBox="1"/>
+          <p:nvPr/>
+        </p:nvSpPr>
+        <p:spPr>
+          <a:xfrm>
+            <a:off x="2844315" y="2251135"/>
+            <a:ext cx="531845" cy="369332"/>
+          </a:xfrm>
+          <a:prstGeom prst="rect">
+            <a:avLst/>
+          </a:prstGeom>
+          <a:noFill/>
+        </p:spPr>
+        <p:txBody>
+          <a:bodyPr wrap="square" rtlCol="0">
+            <a:spAutoFit/>
+          </a:bodyPr>
+          <a:lstStyle/>
+          <a:p>
+            <a:r>
+              <a:rPr lang="ko-KR" altLang="en-US" b="1" dirty="0">
+                <a:solidFill>
+                  <a:srgbClr val="FF0000"/>
+                </a:solidFill>
+              </a:rPr>
+              <a:t>①</a:t>
+            </a:r>
+          </a:p>
+        </p:txBody>
+      </p:sp>
+      <p:sp>
+        <p:nvSpPr>
+          <p:cNvPr id="7" name="TextBox 6">
+            <a:extLst>
+              <a:ext uri="{FF2B5EF4-FFF2-40B4-BE49-F238E27FC236}">
+                <a16:creationId xmlns:a16="http://schemas.microsoft.com/office/drawing/2014/main" id="{18BAF0DC-DFA7-7693-CBDD-5F819BA0A134}"/>
+              </a:ext>
+            </a:extLst>
+          </p:cNvPr>
+          <p:cNvSpPr txBox="1"/>
+          <p:nvPr/>
+        </p:nvSpPr>
+        <p:spPr>
+          <a:xfrm>
+            <a:off x="2312470" y="2449897"/>
+            <a:ext cx="531845" cy="369332"/>
+          </a:xfrm>
+          <a:prstGeom prst="rect">
+            <a:avLst/>
+          </a:prstGeom>
+          <a:noFill/>
+        </p:spPr>
+        <p:txBody>
+          <a:bodyPr wrap="square" rtlCol="0">
+            <a:spAutoFit/>
+          </a:bodyPr>
+          <a:lstStyle/>
+          <a:p>
+            <a:r>
+              <a:rPr lang="ko-KR" altLang="en-US" b="1" dirty="0">
+                <a:solidFill>
+                  <a:srgbClr val="FF0000"/>
+                </a:solidFill>
+              </a:rPr>
+              <a:t>②</a:t>
+            </a:r>
+          </a:p>
+        </p:txBody>
+      </p:sp>
+      <p:sp>
+        <p:nvSpPr>
+          <p:cNvPr id="8" name="TextBox 7">
+            <a:extLst>
+              <a:ext uri="{FF2B5EF4-FFF2-40B4-BE49-F238E27FC236}">
+                <a16:creationId xmlns:a16="http://schemas.microsoft.com/office/drawing/2014/main" id="{F96787C0-3AA9-1965-58F5-0144EB54548C}"/>
+              </a:ext>
+            </a:extLst>
+          </p:cNvPr>
+          <p:cNvSpPr txBox="1"/>
+          <p:nvPr/>
+        </p:nvSpPr>
+        <p:spPr>
+          <a:xfrm>
+            <a:off x="2153038" y="2683614"/>
+            <a:ext cx="531845" cy="369332"/>
+          </a:xfrm>
+          <a:prstGeom prst="rect">
+            <a:avLst/>
+          </a:prstGeom>
+          <a:noFill/>
+        </p:spPr>
+        <p:txBody>
+          <a:bodyPr wrap="square" rtlCol="0">
+            <a:spAutoFit/>
+          </a:bodyPr>
+          <a:lstStyle/>
+          <a:p>
+            <a:r>
+              <a:rPr lang="ko-KR" altLang="en-US" b="1" dirty="0">
+                <a:solidFill>
+                  <a:srgbClr val="FF0000"/>
+                </a:solidFill>
+              </a:rPr>
+              <a:t>③</a:t>
+            </a:r>
+          </a:p>
+        </p:txBody>
+      </p:sp>
+      <p:sp>
+        <p:nvSpPr>
+          <p:cNvPr id="9" name="TextBox 8">
+            <a:extLst>
+              <a:ext uri="{FF2B5EF4-FFF2-40B4-BE49-F238E27FC236}">
+                <a16:creationId xmlns:a16="http://schemas.microsoft.com/office/drawing/2014/main" id="{2075D66E-66E6-FF97-4E4D-09A9777C84DC}"/>
+              </a:ext>
+            </a:extLst>
+          </p:cNvPr>
+          <p:cNvSpPr txBox="1"/>
+          <p:nvPr/>
+        </p:nvSpPr>
+        <p:spPr>
+          <a:xfrm>
+            <a:off x="2153038" y="2979189"/>
+            <a:ext cx="531845" cy="369332"/>
+          </a:xfrm>
+          <a:prstGeom prst="rect">
+            <a:avLst/>
+          </a:prstGeom>
+          <a:noFill/>
+        </p:spPr>
+        <p:txBody>
+          <a:bodyPr wrap="square" rtlCol="0">
+            <a:spAutoFit/>
+          </a:bodyPr>
+          <a:lstStyle/>
+          <a:p>
+            <a:r>
+              <a:rPr lang="ko-KR" altLang="en-US" b="1" dirty="0">
+                <a:solidFill>
+                  <a:srgbClr val="FF0000"/>
+                </a:solidFill>
+              </a:rPr>
+              <a:t>④</a:t>
+            </a:r>
+          </a:p>
+        </p:txBody>
+      </p:sp>
+      <p:sp>
+        <p:nvSpPr>
+          <p:cNvPr id="10" name="TextBox 9">
+            <a:extLst>
+              <a:ext uri="{FF2B5EF4-FFF2-40B4-BE49-F238E27FC236}">
+                <a16:creationId xmlns:a16="http://schemas.microsoft.com/office/drawing/2014/main" id="{45C720BB-F2E2-3334-304F-CEB9EFB7BC88}"/>
+              </a:ext>
+            </a:extLst>
+          </p:cNvPr>
+          <p:cNvSpPr txBox="1"/>
+          <p:nvPr/>
+        </p:nvSpPr>
+        <p:spPr>
+          <a:xfrm>
+            <a:off x="688966" y="3163855"/>
+            <a:ext cx="531845" cy="369332"/>
+          </a:xfrm>
+          <a:prstGeom prst="rect">
+            <a:avLst/>
+          </a:prstGeom>
+          <a:noFill/>
+        </p:spPr>
+        <p:txBody>
+          <a:bodyPr wrap="square" rtlCol="0">
+            <a:spAutoFit/>
+          </a:bodyPr>
+          <a:lstStyle/>
+          <a:p>
+            <a:r>
+              <a:rPr lang="ko-KR" altLang="en-US" b="1" dirty="0">
+                <a:solidFill>
+                  <a:srgbClr val="FF0000"/>
+                </a:solidFill>
+              </a:rPr>
+              <a:t>⑤</a:t>
+            </a:r>
+          </a:p>
+        </p:txBody>
+      </p:sp>
     </p:spTree>
     <p:extLst>
       <p:ext uri="{BB962C8B-B14F-4D97-AF65-F5344CB8AC3E}">
-        <p14:creationId xmlns:p14="http://schemas.microsoft.com/office/powerpoint/2010/main" val="321743960"/>
+        <p14:creationId xmlns:p14="http://schemas.microsoft.com/office/powerpoint/2010/main" val="3809704019"/>
       </p:ext>
     </p:extLst>
   </p:cSld>
@@ -9102,7 +10571,7 @@
           <p:cNvPr id="2" name="제목 1">
             <a:extLst>
               <a:ext uri="{FF2B5EF4-FFF2-40B4-BE49-F238E27FC236}">
-                <a16:creationId xmlns:a16="http://schemas.microsoft.com/office/drawing/2014/main" id="{AEB1AE95-2451-C6CA-38BA-35FDAD108625}"/>
+                <a16:creationId xmlns:a16="http://schemas.microsoft.com/office/drawing/2014/main" id="{7998136D-3096-3DFA-E0DE-9BD4BC10AA1E}"/>
               </a:ext>
             </a:extLst>
           </p:cNvPr>
@@ -9120,7 +10589,15 @@
           <a:p>
             <a:r>
               <a:rPr lang="ko-KR" altLang="en-US" dirty="0"/>
-              <a:t>캘린더</a:t>
+              <a:t>상품 관리 메뉴 </a:t>
+            </a:r>
+            <a:r>
+              <a:rPr lang="en-US" altLang="ko-KR" dirty="0"/>
+              <a:t>– </a:t>
+            </a:r>
+            <a:r>
+              <a:rPr lang="ko-KR" altLang="en-US" dirty="0"/>
+              <a:t>상품 리스트</a:t>
             </a:r>
           </a:p>
         </p:txBody>
@@ -9130,7 +10607,7 @@
           <p:cNvPr id="3" name="내용 개체 틀 2">
             <a:extLst>
               <a:ext uri="{FF2B5EF4-FFF2-40B4-BE49-F238E27FC236}">
-                <a16:creationId xmlns:a16="http://schemas.microsoft.com/office/drawing/2014/main" id="{D8D7FE10-78C5-CDE6-B057-286AC91DABA9}"/>
+                <a16:creationId xmlns:a16="http://schemas.microsoft.com/office/drawing/2014/main" id="{13CF144C-E7A2-8181-43A4-BF13F2C07D40}"/>
               </a:ext>
             </a:extLst>
           </p:cNvPr>
@@ -9148,15 +10625,7 @@
           <a:p>
             <a:r>
               <a:rPr lang="ko-KR" altLang="en-US" dirty="0"/>
-              <a:t>상품 선택 후</a:t>
-            </a:r>
-            <a:r>
-              <a:rPr lang="en-US" altLang="ko-KR" dirty="0"/>
-              <a:t>, </a:t>
-            </a:r>
-            <a:r>
-              <a:rPr lang="ko-KR" altLang="en-US" dirty="0"/>
-              <a:t>해당 상품의 재고 관리를 원하는 날을 선택할 수 있는 캘린더</a:t>
+              <a:t>선택한 사업의 상품 리스트를 볼 수 있는 메뉴</a:t>
             </a:r>
           </a:p>
         </p:txBody>
@@ -9166,7 +10635,7 @@
           <p:cNvPr id="4" name="내용 개체 틀 3">
             <a:extLst>
               <a:ext uri="{FF2B5EF4-FFF2-40B4-BE49-F238E27FC236}">
-                <a16:creationId xmlns:a16="http://schemas.microsoft.com/office/drawing/2014/main" id="{E448E3A4-814A-EF86-AA42-16851708E6D9}"/>
+                <a16:creationId xmlns:a16="http://schemas.microsoft.com/office/drawing/2014/main" id="{132F21FE-65DE-0D1A-2ED2-5A426D3A5A0D}"/>
               </a:ext>
             </a:extLst>
           </p:cNvPr>
@@ -9184,11 +10653,32 @@
           <a:p>
             <a:r>
               <a:rPr lang="ko-KR" altLang="en-US" dirty="0"/>
-              <a:t>원하는 날짜 선택 가능</a:t>
-            </a:r>
-            <a:endParaRPr lang="en-US" altLang="ko-KR" dirty="0"/>
-          </a:p>
-          <a:p>
+              <a:t>상품명</a:t>
+            </a:r>
+            <a:r>
+              <a:rPr lang="en-US" altLang="ko-KR" dirty="0"/>
+              <a:t>, </a:t>
+            </a:r>
+            <a:r>
+              <a:rPr lang="ko-KR" altLang="en-US" dirty="0"/>
+              <a:t>상품 코드 </a:t>
+            </a:r>
+            <a:r>
+              <a:rPr lang="en-US" altLang="ko-KR" dirty="0"/>
+              <a:t>, </a:t>
+            </a:r>
+            <a:r>
+              <a:rPr lang="ko-KR" altLang="en-US" dirty="0"/>
+              <a:t>상품 가격</a:t>
+            </a:r>
+            <a:r>
+              <a:rPr lang="en-US" altLang="ko-KR" dirty="0"/>
+              <a:t>, </a:t>
+            </a:r>
+            <a:r>
+              <a:rPr lang="ko-KR" altLang="en-US" dirty="0"/>
+              <a:t>상품 설명을 볼 수 있음</a:t>
+            </a:r>
             <a:endParaRPr lang="en-US" altLang="ko-KR" dirty="0"/>
           </a:p>
           <a:p>
@@ -9197,25 +10687,7 @@
             </a:pPr>
             <a:r>
               <a:rPr lang="ko-KR" altLang="en-US" dirty="0"/>
-              <a:t>좌</a:t>
-            </a:r>
-            <a:r>
-              <a:rPr lang="en-US" altLang="ko-KR" dirty="0"/>
-              <a:t>, </a:t>
-            </a:r>
-            <a:r>
-              <a:rPr lang="ko-KR" altLang="en-US" dirty="0"/>
-              <a:t>우 버튼으로 달 이동</a:t>
-            </a:r>
-            <a:endParaRPr lang="en-US" altLang="ko-KR" dirty="0"/>
-          </a:p>
-          <a:p>
-            <a:pPr marL="228600" indent="-228600">
-              <a:buAutoNum type="arabicPeriod"/>
-            </a:pPr>
-            <a:r>
-              <a:rPr lang="ko-KR" altLang="en-US" dirty="0"/>
-              <a:t>날짜를 선택하면 해당 날의 재고 관리 메뉴로 이동</a:t>
+              <a:t>상품 코드를 클릭하면 날짜를 선택해서 재고를 관리할 수 있는 화면으로 이동</a:t>
             </a:r>
           </a:p>
         </p:txBody>
@@ -9225,7 +10697,7 @@
           <p:cNvPr id="6" name="그림 5">
             <a:extLst>
               <a:ext uri="{FF2B5EF4-FFF2-40B4-BE49-F238E27FC236}">
-                <a16:creationId xmlns:a16="http://schemas.microsoft.com/office/drawing/2014/main" id="{4AB1B835-2526-839A-DF23-79DA2E72C5E7}"/>
+                <a16:creationId xmlns:a16="http://schemas.microsoft.com/office/drawing/2014/main" id="{6F466801-1796-56FC-D6CF-DAC997ADC79F}"/>
               </a:ext>
             </a:extLst>
           </p:cNvPr>
@@ -9242,18 +10714,57 @@
         </p:blipFill>
         <p:spPr>
           <a:xfrm>
-            <a:off x="322025" y="2174033"/>
-            <a:ext cx="6097638" cy="3511423"/>
+            <a:off x="323528" y="2341984"/>
+            <a:ext cx="6110662" cy="3362672"/>
           </a:xfrm>
           <a:prstGeom prst="rect">
             <a:avLst/>
           </a:prstGeom>
         </p:spPr>
       </p:pic>
+      <p:sp>
+        <p:nvSpPr>
+          <p:cNvPr id="5" name="TextBox 4">
+            <a:extLst>
+              <a:ext uri="{FF2B5EF4-FFF2-40B4-BE49-F238E27FC236}">
+                <a16:creationId xmlns:a16="http://schemas.microsoft.com/office/drawing/2014/main" id="{2BB2348C-5CD6-E7E4-BE8E-AB1ABAC177D3}"/>
+              </a:ext>
+            </a:extLst>
+          </p:cNvPr>
+          <p:cNvSpPr txBox="1"/>
+          <p:nvPr/>
+        </p:nvSpPr>
+        <p:spPr>
+          <a:xfrm>
+            <a:off x="323528" y="2960261"/>
+            <a:ext cx="531845" cy="369332"/>
+          </a:xfrm>
+          <a:prstGeom prst="rect">
+            <a:avLst/>
+          </a:prstGeom>
+          <a:noFill/>
+        </p:spPr>
+        <p:txBody>
+          <a:bodyPr wrap="square" rtlCol="0">
+            <a:spAutoFit/>
+          </a:bodyPr>
+          <a:lstStyle/>
+          <a:p>
+            <a:r>
+              <a:rPr lang="ko-KR" altLang="en-US" b="1" dirty="0">
+                <a:solidFill>
+                  <a:srgbClr val="FF0000"/>
+                </a:solidFill>
+              </a:rPr>
+              <a:t>①</a:t>
+            </a:r>
+          </a:p>
+        </p:txBody>
+      </p:sp>
     </p:spTree>
     <p:extLst>
       <p:ext uri="{BB962C8B-B14F-4D97-AF65-F5344CB8AC3E}">
-        <p14:creationId xmlns:p14="http://schemas.microsoft.com/office/powerpoint/2010/main" val="3152711929"/>
+        <p14:creationId xmlns:p14="http://schemas.microsoft.com/office/powerpoint/2010/main" val="321743960"/>
       </p:ext>
     </p:extLst>
   </p:cSld>
@@ -9288,7 +10799,7 @@
           <p:cNvPr id="2" name="제목 1">
             <a:extLst>
               <a:ext uri="{FF2B5EF4-FFF2-40B4-BE49-F238E27FC236}">
-                <a16:creationId xmlns:a16="http://schemas.microsoft.com/office/drawing/2014/main" id="{88378736-9B30-4958-63F0-79CEF485C9B4}"/>
+                <a16:creationId xmlns:a16="http://schemas.microsoft.com/office/drawing/2014/main" id="{AEB1AE95-2451-C6CA-38BA-35FDAD108625}"/>
               </a:ext>
             </a:extLst>
           </p:cNvPr>
@@ -9306,7 +10817,7 @@
           <a:p>
             <a:r>
               <a:rPr lang="ko-KR" altLang="en-US" dirty="0"/>
-              <a:t>재고 등록 및 수정</a:t>
+              <a:t>캘린더</a:t>
             </a:r>
           </a:p>
         </p:txBody>
@@ -9316,7 +10827,7 @@
           <p:cNvPr id="3" name="내용 개체 틀 2">
             <a:extLst>
               <a:ext uri="{FF2B5EF4-FFF2-40B4-BE49-F238E27FC236}">
-                <a16:creationId xmlns:a16="http://schemas.microsoft.com/office/drawing/2014/main" id="{6484AAE4-C55F-2D8B-A57D-6FAF31D7E2AF}"/>
+                <a16:creationId xmlns:a16="http://schemas.microsoft.com/office/drawing/2014/main" id="{D8D7FE10-78C5-CDE6-B057-286AC91DABA9}"/>
               </a:ext>
             </a:extLst>
           </p:cNvPr>
@@ -9334,7 +10845,15 @@
           <a:p>
             <a:r>
               <a:rPr lang="ko-KR" altLang="en-US" dirty="0"/>
-              <a:t>선택한 날짜에 재고를 등록하는 화면 </a:t>
+              <a:t>상품 선택 후</a:t>
+            </a:r>
+            <a:r>
+              <a:rPr lang="en-US" altLang="ko-KR" dirty="0"/>
+              <a:t>, </a:t>
+            </a:r>
+            <a:r>
+              <a:rPr lang="ko-KR" altLang="en-US" dirty="0"/>
+              <a:t>해당 상품의 재고 관리를 원하는 날을 선택할 수 있는 캘린더</a:t>
             </a:r>
           </a:p>
         </p:txBody>
@@ -9344,7 +10863,7 @@
           <p:cNvPr id="4" name="내용 개체 틀 3">
             <a:extLst>
               <a:ext uri="{FF2B5EF4-FFF2-40B4-BE49-F238E27FC236}">
-                <a16:creationId xmlns:a16="http://schemas.microsoft.com/office/drawing/2014/main" id="{5CBB51B1-4C69-2101-DFA3-A76B36F41AE5}"/>
+                <a16:creationId xmlns:a16="http://schemas.microsoft.com/office/drawing/2014/main" id="{E448E3A4-814A-EF86-AA42-16851708E6D9}"/>
               </a:ext>
             </a:extLst>
           </p:cNvPr>
@@ -9360,20 +10879,30 @@
           <a:bodyPr/>
           <a:lstStyle/>
           <a:p>
+            <a:r>
+              <a:rPr lang="ko-KR" altLang="en-US" dirty="0"/>
+              <a:t>원하는 날짜 선택 가능</a:t>
+            </a:r>
+            <a:endParaRPr lang="en-US" altLang="ko-KR" dirty="0"/>
+          </a:p>
+          <a:p>
+            <a:endParaRPr lang="en-US" altLang="ko-KR" dirty="0"/>
+          </a:p>
+          <a:p>
             <a:pPr marL="228600" indent="-228600">
               <a:buAutoNum type="arabicPeriod"/>
             </a:pPr>
             <a:r>
               <a:rPr lang="ko-KR" altLang="en-US" dirty="0"/>
-              <a:t>해당 상품의 등록일자 </a:t>
+              <a:t>좌</a:t>
             </a:r>
             <a:r>
               <a:rPr lang="en-US" altLang="ko-KR" dirty="0"/>
-              <a:t>+ </a:t>
+              <a:t>, </a:t>
             </a:r>
             <a:r>
               <a:rPr lang="ko-KR" altLang="en-US" dirty="0"/>
-              <a:t>상품코드 조합으로 재고 코드 등록</a:t>
+              <a:t>우 버튼으로 달 이동</a:t>
             </a:r>
             <a:endParaRPr lang="en-US" altLang="ko-KR" dirty="0"/>
           </a:p>
@@ -9383,84 +10912,17 @@
             </a:pPr>
             <a:r>
               <a:rPr lang="ko-KR" altLang="en-US" dirty="0"/>
-              <a:t>첫 등록 시 체크를 하면 재고 </a:t>
-            </a:r>
-            <a:r>
-              <a:rPr lang="en-US" altLang="ko-KR" dirty="0"/>
-              <a:t>1, </a:t>
-            </a:r>
-            <a:r>
-              <a:rPr lang="ko-KR" altLang="en-US" dirty="0"/>
-              <a:t>체크를 풀면 재고 </a:t>
-            </a:r>
-            <a:r>
-              <a:rPr lang="en-US" altLang="ko-KR" dirty="0"/>
-              <a:t>0</a:t>
-            </a:r>
-            <a:r>
-              <a:rPr lang="ko-KR" altLang="en-US" dirty="0"/>
-              <a:t>으로 재고 등록</a:t>
-            </a:r>
-            <a:endParaRPr lang="en-US" altLang="ko-KR" dirty="0"/>
-          </a:p>
-          <a:p>
-            <a:pPr marL="228600" indent="-228600">
-              <a:buAutoNum type="arabicPeriod"/>
-            </a:pPr>
-            <a:r>
-              <a:rPr lang="ko-KR" altLang="en-US" dirty="0"/>
-              <a:t>두 번째부터는 체크를 하고 저장하면 재고를 </a:t>
-            </a:r>
-            <a:r>
-              <a:rPr lang="en-US" altLang="ko-KR" dirty="0"/>
-              <a:t>1 </a:t>
-            </a:r>
-            <a:r>
-              <a:rPr lang="ko-KR" altLang="en-US" dirty="0"/>
-              <a:t>→ </a:t>
-            </a:r>
-            <a:r>
-              <a:rPr lang="en-US" altLang="ko-KR" dirty="0"/>
-              <a:t>0</a:t>
-            </a:r>
-            <a:r>
-              <a:rPr lang="ko-KR" altLang="en-US" dirty="0"/>
-              <a:t>으로 수정</a:t>
-            </a:r>
-            <a:r>
-              <a:rPr lang="en-US" altLang="ko-KR" dirty="0"/>
-              <a:t>, </a:t>
-            </a:r>
-            <a:r>
-              <a:rPr lang="ko-KR" altLang="en-US" dirty="0"/>
-              <a:t>재고를 </a:t>
-            </a:r>
-            <a:r>
-              <a:rPr lang="en-US" altLang="ko-KR" dirty="0"/>
-              <a:t>0 </a:t>
-            </a:r>
-            <a:r>
-              <a:rPr lang="ko-KR" altLang="en-US" dirty="0"/>
-              <a:t>→ </a:t>
-            </a:r>
-            <a:r>
-              <a:rPr lang="en-US" altLang="ko-KR" dirty="0"/>
-              <a:t>1</a:t>
-            </a:r>
-            <a:r>
-              <a:rPr lang="ko-KR" altLang="en-US" dirty="0"/>
-              <a:t>으로 수정 </a:t>
-            </a:r>
-            <a:endParaRPr lang="en-US" altLang="ko-KR" dirty="0"/>
+              <a:t>날짜를 선택하면 해당 날의 재고 관리 메뉴로 이동</a:t>
+            </a:r>
           </a:p>
         </p:txBody>
       </p:sp>
       <p:pic>
         <p:nvPicPr>
-          <p:cNvPr id="8" name="그림 7">
-            <a:extLst>
-              <a:ext uri="{FF2B5EF4-FFF2-40B4-BE49-F238E27FC236}">
-                <a16:creationId xmlns:a16="http://schemas.microsoft.com/office/drawing/2014/main" id="{CE81BE71-822D-D28E-DE18-2096799D131B}"/>
+          <p:cNvPr id="6" name="그림 5">
+            <a:extLst>
+              <a:ext uri="{FF2B5EF4-FFF2-40B4-BE49-F238E27FC236}">
+                <a16:creationId xmlns:a16="http://schemas.microsoft.com/office/drawing/2014/main" id="{4AB1B835-2526-839A-DF23-79DA2E72C5E7}"/>
               </a:ext>
             </a:extLst>
           </p:cNvPr>
@@ -9477,18 +10939,96 @@
         </p:blipFill>
         <p:spPr>
           <a:xfrm>
-            <a:off x="406123" y="2164702"/>
-            <a:ext cx="5929757" cy="3058641"/>
+            <a:off x="322025" y="2174033"/>
+            <a:ext cx="6097638" cy="3511423"/>
           </a:xfrm>
           <a:prstGeom prst="rect">
             <a:avLst/>
           </a:prstGeom>
         </p:spPr>
       </p:pic>
+      <p:sp>
+        <p:nvSpPr>
+          <p:cNvPr id="5" name="TextBox 4">
+            <a:extLst>
+              <a:ext uri="{FF2B5EF4-FFF2-40B4-BE49-F238E27FC236}">
+                <a16:creationId xmlns:a16="http://schemas.microsoft.com/office/drawing/2014/main" id="{854C09AE-0161-FE72-7C45-7E0CE8116FD2}"/>
+              </a:ext>
+            </a:extLst>
+          </p:cNvPr>
+          <p:cNvSpPr txBox="1"/>
+          <p:nvPr/>
+        </p:nvSpPr>
+        <p:spPr>
+          <a:xfrm>
+            <a:off x="4663784" y="2092515"/>
+            <a:ext cx="531845" cy="369332"/>
+          </a:xfrm>
+          <a:prstGeom prst="rect">
+            <a:avLst/>
+          </a:prstGeom>
+          <a:noFill/>
+        </p:spPr>
+        <p:txBody>
+          <a:bodyPr wrap="square" rtlCol="0">
+            <a:spAutoFit/>
+          </a:bodyPr>
+          <a:lstStyle/>
+          <a:p>
+            <a:r>
+              <a:rPr lang="ko-KR" altLang="en-US" b="1" dirty="0">
+                <a:solidFill>
+                  <a:srgbClr val="FF0000"/>
+                </a:solidFill>
+              </a:rPr>
+              <a:t>①</a:t>
+            </a:r>
+          </a:p>
+        </p:txBody>
+      </p:sp>
+      <p:sp>
+        <p:nvSpPr>
+          <p:cNvPr id="7" name="TextBox 6">
+            <a:extLst>
+              <a:ext uri="{FF2B5EF4-FFF2-40B4-BE49-F238E27FC236}">
+                <a16:creationId xmlns:a16="http://schemas.microsoft.com/office/drawing/2014/main" id="{95E8C9FE-36F8-12BB-CB45-731304E1D703}"/>
+              </a:ext>
+            </a:extLst>
+          </p:cNvPr>
+          <p:cNvSpPr txBox="1"/>
+          <p:nvPr/>
+        </p:nvSpPr>
+        <p:spPr>
+          <a:xfrm>
+            <a:off x="3370844" y="4549285"/>
+            <a:ext cx="531845" cy="369332"/>
+          </a:xfrm>
+          <a:prstGeom prst="rect">
+            <a:avLst/>
+          </a:prstGeom>
+          <a:noFill/>
+        </p:spPr>
+        <p:txBody>
+          <a:bodyPr wrap="square" rtlCol="0">
+            <a:spAutoFit/>
+          </a:bodyPr>
+          <a:lstStyle/>
+          <a:p>
+            <a:r>
+              <a:rPr lang="ko-KR" altLang="en-US" b="1" dirty="0">
+                <a:solidFill>
+                  <a:srgbClr val="FF0000"/>
+                </a:solidFill>
+              </a:rPr>
+              <a:t>②</a:t>
+            </a:r>
+          </a:p>
+        </p:txBody>
+      </p:sp>
     </p:spTree>
     <p:extLst>
       <p:ext uri="{BB962C8B-B14F-4D97-AF65-F5344CB8AC3E}">
-        <p14:creationId xmlns:p14="http://schemas.microsoft.com/office/powerpoint/2010/main" val="4154569039"/>
+        <p14:creationId xmlns:p14="http://schemas.microsoft.com/office/powerpoint/2010/main" val="3152711929"/>
       </p:ext>
     </p:extLst>
   </p:cSld>
@@ -9520,7 +11060,13 @@
       </p:grpSpPr>
       <p:sp>
         <p:nvSpPr>
-          <p:cNvPr id="2" name="제목 1"/>
+          <p:cNvPr id="2" name="제목 1">
+            <a:extLst>
+              <a:ext uri="{FF2B5EF4-FFF2-40B4-BE49-F238E27FC236}">
+                <a16:creationId xmlns:a16="http://schemas.microsoft.com/office/drawing/2014/main" id="{88378736-9B30-4958-63F0-79CEF485C9B4}"/>
+              </a:ext>
+            </a:extLst>
+          </p:cNvPr>
           <p:cNvSpPr>
             <a:spLocks noGrp="1"/>
           </p:cNvSpPr>
@@ -9535,22 +11081,20 @@
           <a:p>
             <a:r>
               <a:rPr lang="ko-KR" altLang="en-US" dirty="0"/>
-              <a:t>로그인</a:t>
-            </a:r>
-            <a:r>
-              <a:rPr lang="en-US" altLang="ko-KR" dirty="0"/>
-              <a:t>-</a:t>
-            </a:r>
-            <a:r>
-              <a:rPr lang="ko-KR" altLang="en-US" dirty="0"/>
-              <a:t>개인 회원</a:t>
-            </a:r>
-          </a:p>
-        </p:txBody>
-      </p:sp>
-      <p:sp>
-        <p:nvSpPr>
-          <p:cNvPr id="3" name="내용 개체 틀 2"/>
+              <a:t>재고 등록 및 수정</a:t>
+            </a:r>
+          </a:p>
+        </p:txBody>
+      </p:sp>
+      <p:sp>
+        <p:nvSpPr>
+          <p:cNvPr id="3" name="내용 개체 틀 2">
+            <a:extLst>
+              <a:ext uri="{FF2B5EF4-FFF2-40B4-BE49-F238E27FC236}">
+                <a16:creationId xmlns:a16="http://schemas.microsoft.com/office/drawing/2014/main" id="{6484AAE4-C55F-2D8B-A57D-6FAF31D7E2AF}"/>
+              </a:ext>
+            </a:extLst>
+          </p:cNvPr>
           <p:cNvSpPr>
             <a:spLocks noGrp="1"/>
           </p:cNvSpPr>
@@ -9565,14 +11109,20 @@
           <a:p>
             <a:r>
               <a:rPr lang="ko-KR" altLang="en-US" dirty="0"/>
-              <a:t>개인 회원 로그인 화면</a:t>
-            </a:r>
-          </a:p>
-        </p:txBody>
-      </p:sp>
-      <p:sp>
-        <p:nvSpPr>
-          <p:cNvPr id="4" name="내용 개체 틀 3"/>
+              <a:t>선택한 날짜에 재고를 등록하는 화면 </a:t>
+            </a:r>
+          </a:p>
+        </p:txBody>
+      </p:sp>
+      <p:sp>
+        <p:nvSpPr>
+          <p:cNvPr id="4" name="내용 개체 틀 3">
+            <a:extLst>
+              <a:ext uri="{FF2B5EF4-FFF2-40B4-BE49-F238E27FC236}">
+                <a16:creationId xmlns:a16="http://schemas.microsoft.com/office/drawing/2014/main" id="{5CBB51B1-4C69-2101-DFA3-A76B36F41AE5}"/>
+              </a:ext>
+            </a:extLst>
+          </p:cNvPr>
           <p:cNvSpPr>
             <a:spLocks noGrp="1"/>
           </p:cNvSpPr>
@@ -9590,7 +11140,15 @@
             </a:pPr>
             <a:r>
               <a:rPr lang="ko-KR" altLang="en-US" dirty="0"/>
-              <a:t>아이디 입력</a:t>
+              <a:t>해당 상품의 등록일자 </a:t>
+            </a:r>
+            <a:r>
+              <a:rPr lang="en-US" altLang="ko-KR" dirty="0"/>
+              <a:t>+ </a:t>
+            </a:r>
+            <a:r>
+              <a:rPr lang="ko-KR" altLang="en-US" dirty="0"/>
+              <a:t>상품코드 조합으로 재고 코드 등록</a:t>
             </a:r>
             <a:endParaRPr lang="en-US" altLang="ko-KR" dirty="0"/>
           </a:p>
@@ -9600,7 +11158,23 @@
             </a:pPr>
             <a:r>
               <a:rPr lang="ko-KR" altLang="en-US" dirty="0"/>
-              <a:t>비밀번호 입력</a:t>
+              <a:t>첫 등록 시 체크를 하면 재고 </a:t>
+            </a:r>
+            <a:r>
+              <a:rPr lang="en-US" altLang="ko-KR" dirty="0"/>
+              <a:t>1, </a:t>
+            </a:r>
+            <a:r>
+              <a:rPr lang="ko-KR" altLang="en-US" dirty="0"/>
+              <a:t>체크를 풀면 재고 </a:t>
+            </a:r>
+            <a:r>
+              <a:rPr lang="en-US" altLang="ko-KR" dirty="0"/>
+              <a:t>0</a:t>
+            </a:r>
+            <a:r>
+              <a:rPr lang="ko-KR" altLang="en-US" dirty="0"/>
+              <a:t>으로 재고 등록</a:t>
             </a:r>
             <a:endParaRPr lang="en-US" altLang="ko-KR" dirty="0"/>
           </a:p>
@@ -9610,8 +11184,49 @@
             </a:pPr>
             <a:r>
               <a:rPr lang="ko-KR" altLang="en-US" dirty="0"/>
-              <a:t>로그인 성공하면 유저 메뉴로 이동</a:t>
-            </a:r>
+              <a:t>두 번째부터는 체크를 하고 저장하면 재고를 </a:t>
+            </a:r>
+            <a:r>
+              <a:rPr lang="en-US" altLang="ko-KR" dirty="0"/>
+              <a:t>1 </a:t>
+            </a:r>
+            <a:r>
+              <a:rPr lang="ko-KR" altLang="en-US" dirty="0"/>
+              <a:t>→ </a:t>
+            </a:r>
+            <a:r>
+              <a:rPr lang="en-US" altLang="ko-KR" dirty="0"/>
+              <a:t>0</a:t>
+            </a:r>
+            <a:r>
+              <a:rPr lang="ko-KR" altLang="en-US" dirty="0"/>
+              <a:t>으로 수정</a:t>
+            </a:r>
+            <a:r>
+              <a:rPr lang="en-US" altLang="ko-KR" dirty="0"/>
+              <a:t>, </a:t>
+            </a:r>
+            <a:r>
+              <a:rPr lang="ko-KR" altLang="en-US" dirty="0"/>
+              <a:t>재고를 </a:t>
+            </a:r>
+            <a:r>
+              <a:rPr lang="en-US" altLang="ko-KR" dirty="0"/>
+              <a:t>0 </a:t>
+            </a:r>
+            <a:r>
+              <a:rPr lang="ko-KR" altLang="en-US" dirty="0"/>
+              <a:t>→ </a:t>
+            </a:r>
+            <a:r>
+              <a:rPr lang="en-US" altLang="ko-KR" dirty="0"/>
+              <a:t>1</a:t>
+            </a:r>
+            <a:r>
+              <a:rPr lang="ko-KR" altLang="en-US" dirty="0"/>
+              <a:t>으로 수정 </a:t>
+            </a:r>
+            <a:endParaRPr lang="en-US" altLang="ko-KR" dirty="0"/>
           </a:p>
         </p:txBody>
       </p:sp>
@@ -9620,7 +11235,7 @@
           <p:cNvPr id="8" name="그림 7">
             <a:extLst>
               <a:ext uri="{FF2B5EF4-FFF2-40B4-BE49-F238E27FC236}">
-                <a16:creationId xmlns:a16="http://schemas.microsoft.com/office/drawing/2014/main" id="{723E803F-17E5-4564-3C7F-D8943CBE890A}"/>
+                <a16:creationId xmlns:a16="http://schemas.microsoft.com/office/drawing/2014/main" id="{CE81BE71-822D-D28E-DE18-2096799D131B}"/>
               </a:ext>
             </a:extLst>
           </p:cNvPr>
@@ -9637,18 +11252,135 @@
         </p:blipFill>
         <p:spPr>
           <a:xfrm>
-            <a:off x="323529" y="2361087"/>
-            <a:ext cx="6105264" cy="3102442"/>
+            <a:off x="406123" y="2164702"/>
+            <a:ext cx="5929757" cy="3058641"/>
           </a:xfrm>
           <a:prstGeom prst="rect">
             <a:avLst/>
           </a:prstGeom>
         </p:spPr>
       </p:pic>
+      <p:sp>
+        <p:nvSpPr>
+          <p:cNvPr id="5" name="TextBox 4">
+            <a:extLst>
+              <a:ext uri="{FF2B5EF4-FFF2-40B4-BE49-F238E27FC236}">
+                <a16:creationId xmlns:a16="http://schemas.microsoft.com/office/drawing/2014/main" id="{55918DA7-078E-1EB0-4C77-CDC0418DB776}"/>
+              </a:ext>
+            </a:extLst>
+          </p:cNvPr>
+          <p:cNvSpPr txBox="1"/>
+          <p:nvPr/>
+        </p:nvSpPr>
+        <p:spPr>
+          <a:xfrm>
+            <a:off x="1441619" y="2123175"/>
+            <a:ext cx="531845" cy="369332"/>
+          </a:xfrm>
+          <a:prstGeom prst="rect">
+            <a:avLst/>
+          </a:prstGeom>
+          <a:noFill/>
+        </p:spPr>
+        <p:txBody>
+          <a:bodyPr wrap="square" rtlCol="0">
+            <a:spAutoFit/>
+          </a:bodyPr>
+          <a:lstStyle/>
+          <a:p>
+            <a:r>
+              <a:rPr lang="ko-KR" altLang="en-US" b="1" dirty="0">
+                <a:solidFill>
+                  <a:srgbClr val="FF0000"/>
+                </a:solidFill>
+              </a:rPr>
+              <a:t>①</a:t>
+            </a:r>
+          </a:p>
+        </p:txBody>
+      </p:sp>
+      <p:sp>
+        <p:nvSpPr>
+          <p:cNvPr id="6" name="TextBox 5">
+            <a:extLst>
+              <a:ext uri="{FF2B5EF4-FFF2-40B4-BE49-F238E27FC236}">
+                <a16:creationId xmlns:a16="http://schemas.microsoft.com/office/drawing/2014/main" id="{BF7706B5-D931-B588-686E-1E55265B538F}"/>
+              </a:ext>
+            </a:extLst>
+          </p:cNvPr>
+          <p:cNvSpPr txBox="1"/>
+          <p:nvPr/>
+        </p:nvSpPr>
+        <p:spPr>
+          <a:xfrm>
+            <a:off x="3865248" y="2307841"/>
+            <a:ext cx="531845" cy="369332"/>
+          </a:xfrm>
+          <a:prstGeom prst="rect">
+            <a:avLst/>
+          </a:prstGeom>
+          <a:noFill/>
+        </p:spPr>
+        <p:txBody>
+          <a:bodyPr wrap="square" rtlCol="0">
+            <a:spAutoFit/>
+          </a:bodyPr>
+          <a:lstStyle/>
+          <a:p>
+            <a:r>
+              <a:rPr lang="ko-KR" altLang="en-US" b="1" dirty="0">
+                <a:solidFill>
+                  <a:srgbClr val="FF0000"/>
+                </a:solidFill>
+              </a:rPr>
+              <a:t>②</a:t>
+            </a:r>
+          </a:p>
+        </p:txBody>
+      </p:sp>
+      <p:sp>
+        <p:nvSpPr>
+          <p:cNvPr id="7" name="TextBox 6">
+            <a:extLst>
+              <a:ext uri="{FF2B5EF4-FFF2-40B4-BE49-F238E27FC236}">
+                <a16:creationId xmlns:a16="http://schemas.microsoft.com/office/drawing/2014/main" id="{70EF92AA-7D27-27AF-EDE6-B73464FE6C58}"/>
+              </a:ext>
+            </a:extLst>
+          </p:cNvPr>
+          <p:cNvSpPr txBox="1"/>
+          <p:nvPr/>
+        </p:nvSpPr>
+        <p:spPr>
+          <a:xfrm>
+            <a:off x="760101" y="2669934"/>
+            <a:ext cx="531845" cy="369332"/>
+          </a:xfrm>
+          <a:prstGeom prst="rect">
+            <a:avLst/>
+          </a:prstGeom>
+          <a:noFill/>
+        </p:spPr>
+        <p:txBody>
+          <a:bodyPr wrap="square" rtlCol="0">
+            <a:spAutoFit/>
+          </a:bodyPr>
+          <a:lstStyle/>
+          <a:p>
+            <a:r>
+              <a:rPr lang="ko-KR" altLang="en-US" b="1" dirty="0">
+                <a:solidFill>
+                  <a:srgbClr val="FF0000"/>
+                </a:solidFill>
+              </a:rPr>
+              <a:t>③</a:t>
+            </a:r>
+          </a:p>
+        </p:txBody>
+      </p:sp>
     </p:spTree>
     <p:extLst>
       <p:ext uri="{BB962C8B-B14F-4D97-AF65-F5344CB8AC3E}">
-        <p14:creationId xmlns:p14="http://schemas.microsoft.com/office/powerpoint/2010/main" val="940500452"/>
+        <p14:creationId xmlns:p14="http://schemas.microsoft.com/office/powerpoint/2010/main" val="4154569039"/>
       </p:ext>
     </p:extLst>
   </p:cSld>
@@ -9680,13 +11412,7 @@
       </p:grpSpPr>
       <p:sp>
         <p:nvSpPr>
-          <p:cNvPr id="2" name="제목 1">
-            <a:extLst>
-              <a:ext uri="{FF2B5EF4-FFF2-40B4-BE49-F238E27FC236}">
-                <a16:creationId xmlns:a16="http://schemas.microsoft.com/office/drawing/2014/main" id="{46D32B88-FF41-EFC6-FCFA-B2584D559201}"/>
-              </a:ext>
-            </a:extLst>
-          </p:cNvPr>
+          <p:cNvPr id="2" name="제목 1"/>
           <p:cNvSpPr>
             <a:spLocks noGrp="1"/>
           </p:cNvSpPr>
@@ -9701,20 +11427,22 @@
           <a:p>
             <a:r>
               <a:rPr lang="ko-KR" altLang="en-US" dirty="0"/>
-              <a:t>유저 메뉴</a:t>
-            </a:r>
-          </a:p>
-        </p:txBody>
-      </p:sp>
-      <p:sp>
-        <p:nvSpPr>
-          <p:cNvPr id="3" name="내용 개체 틀 2">
-            <a:extLst>
-              <a:ext uri="{FF2B5EF4-FFF2-40B4-BE49-F238E27FC236}">
-                <a16:creationId xmlns:a16="http://schemas.microsoft.com/office/drawing/2014/main" id="{F4F5F31D-B11C-82BF-7A63-60DEA0DE206B}"/>
-              </a:ext>
-            </a:extLst>
-          </p:cNvPr>
+              <a:t>로그인</a:t>
+            </a:r>
+            <a:r>
+              <a:rPr lang="en-US" altLang="ko-KR" dirty="0"/>
+              <a:t>-</a:t>
+            </a:r>
+            <a:r>
+              <a:rPr lang="ko-KR" altLang="en-US" dirty="0"/>
+              <a:t>개인 회원</a:t>
+            </a:r>
+          </a:p>
+        </p:txBody>
+      </p:sp>
+      <p:sp>
+        <p:nvSpPr>
+          <p:cNvPr id="3" name="내용 개체 틀 2"/>
           <p:cNvSpPr>
             <a:spLocks noGrp="1"/>
           </p:cNvSpPr>
@@ -9729,20 +11457,14 @@
           <a:p>
             <a:r>
               <a:rPr lang="ko-KR" altLang="en-US" dirty="0"/>
-              <a:t>로그인한 유저의 메뉴</a:t>
-            </a:r>
-          </a:p>
-        </p:txBody>
-      </p:sp>
-      <p:sp>
-        <p:nvSpPr>
-          <p:cNvPr id="4" name="내용 개체 틀 3">
-            <a:extLst>
-              <a:ext uri="{FF2B5EF4-FFF2-40B4-BE49-F238E27FC236}">
-                <a16:creationId xmlns:a16="http://schemas.microsoft.com/office/drawing/2014/main" id="{AF0DA510-7DF5-766F-2048-C4B111F34042}"/>
-              </a:ext>
-            </a:extLst>
-          </p:cNvPr>
+              <a:t>개인 회원 로그인 화면</a:t>
+            </a:r>
+          </a:p>
+        </p:txBody>
+      </p:sp>
+      <p:sp>
+        <p:nvSpPr>
+          <p:cNvPr id="4" name="내용 개체 틀 3"/>
           <p:cNvSpPr>
             <a:spLocks noGrp="1"/>
           </p:cNvSpPr>
@@ -9760,7 +11482,7 @@
             </a:pPr>
             <a:r>
               <a:rPr lang="ko-KR" altLang="en-US" dirty="0"/>
-              <a:t>개인 정보 수정 화면으로 이동</a:t>
+              <a:t>아이디 입력</a:t>
             </a:r>
             <a:endParaRPr lang="en-US" altLang="ko-KR" dirty="0"/>
           </a:p>
@@ -9770,7 +11492,7 @@
             </a:pPr>
             <a:r>
               <a:rPr lang="ko-KR" altLang="en-US" dirty="0"/>
-              <a:t>내 예약을 볼 수 있는 화면으로 이동</a:t>
+              <a:t>비밀번호 입력</a:t>
             </a:r>
             <a:endParaRPr lang="en-US" altLang="ko-KR" dirty="0"/>
           </a:p>
@@ -9780,27 +11502,17 @@
             </a:pPr>
             <a:r>
               <a:rPr lang="ko-KR" altLang="en-US" dirty="0"/>
-              <a:t>새로운 예약을 할 수 있는 화면으로 이동</a:t>
-            </a:r>
-            <a:endParaRPr lang="en-US" altLang="ko-KR" dirty="0"/>
-          </a:p>
-          <a:p>
-            <a:pPr marL="228600" indent="-228600">
-              <a:buAutoNum type="arabicPeriod"/>
-            </a:pPr>
-            <a:r>
-              <a:rPr lang="ko-KR" altLang="en-US" dirty="0"/>
-              <a:t>로그아웃</a:t>
+              <a:t>로그인 성공하면 유저 메뉴로 이동</a:t>
             </a:r>
           </a:p>
         </p:txBody>
       </p:sp>
       <p:pic>
         <p:nvPicPr>
-          <p:cNvPr id="6" name="그림 5">
-            <a:extLst>
-              <a:ext uri="{FF2B5EF4-FFF2-40B4-BE49-F238E27FC236}">
-                <a16:creationId xmlns:a16="http://schemas.microsoft.com/office/drawing/2014/main" id="{B72BE6F4-0B89-5120-D2B0-5325B2782C72}"/>
+          <p:cNvPr id="8" name="그림 7">
+            <a:extLst>
+              <a:ext uri="{FF2B5EF4-FFF2-40B4-BE49-F238E27FC236}">
+                <a16:creationId xmlns:a16="http://schemas.microsoft.com/office/drawing/2014/main" id="{723E803F-17E5-4564-3C7F-D8943CBE890A}"/>
               </a:ext>
             </a:extLst>
           </p:cNvPr>
@@ -9817,18 +11529,135 @@
         </p:blipFill>
         <p:spPr>
           <a:xfrm>
-            <a:off x="323528" y="2164702"/>
-            <a:ext cx="6153489" cy="3127065"/>
+            <a:off x="323529" y="2361087"/>
+            <a:ext cx="6105264" cy="3102442"/>
           </a:xfrm>
           <a:prstGeom prst="rect">
             <a:avLst/>
           </a:prstGeom>
         </p:spPr>
       </p:pic>
+      <p:sp>
+        <p:nvSpPr>
+          <p:cNvPr id="5" name="TextBox 4">
+            <a:extLst>
+              <a:ext uri="{FF2B5EF4-FFF2-40B4-BE49-F238E27FC236}">
+                <a16:creationId xmlns:a16="http://schemas.microsoft.com/office/drawing/2014/main" id="{3F31D842-73C2-3FF7-B018-511C30ED1C2A}"/>
+              </a:ext>
+            </a:extLst>
+          </p:cNvPr>
+          <p:cNvSpPr txBox="1"/>
+          <p:nvPr/>
+        </p:nvSpPr>
+        <p:spPr>
+          <a:xfrm>
+            <a:off x="2197360" y="2267640"/>
+            <a:ext cx="531845" cy="369332"/>
+          </a:xfrm>
+          <a:prstGeom prst="rect">
+            <a:avLst/>
+          </a:prstGeom>
+          <a:noFill/>
+        </p:spPr>
+        <p:txBody>
+          <a:bodyPr wrap="square" rtlCol="0">
+            <a:spAutoFit/>
+          </a:bodyPr>
+          <a:lstStyle/>
+          <a:p>
+            <a:r>
+              <a:rPr lang="ko-KR" altLang="en-US" b="1" dirty="0">
+                <a:solidFill>
+                  <a:srgbClr val="FF0000"/>
+                </a:solidFill>
+              </a:rPr>
+              <a:t>①</a:t>
+            </a:r>
+          </a:p>
+        </p:txBody>
+      </p:sp>
+      <p:sp>
+        <p:nvSpPr>
+          <p:cNvPr id="6" name="TextBox 5">
+            <a:extLst>
+              <a:ext uri="{FF2B5EF4-FFF2-40B4-BE49-F238E27FC236}">
+                <a16:creationId xmlns:a16="http://schemas.microsoft.com/office/drawing/2014/main" id="{940D8E1C-2E15-5179-B8FD-8F8AE9BAA426}"/>
+              </a:ext>
+            </a:extLst>
+          </p:cNvPr>
+          <p:cNvSpPr txBox="1"/>
+          <p:nvPr/>
+        </p:nvSpPr>
+        <p:spPr>
+          <a:xfrm>
+            <a:off x="2356791" y="2545753"/>
+            <a:ext cx="531845" cy="369332"/>
+          </a:xfrm>
+          <a:prstGeom prst="rect">
+            <a:avLst/>
+          </a:prstGeom>
+          <a:noFill/>
+        </p:spPr>
+        <p:txBody>
+          <a:bodyPr wrap="square" rtlCol="0">
+            <a:spAutoFit/>
+          </a:bodyPr>
+          <a:lstStyle/>
+          <a:p>
+            <a:r>
+              <a:rPr lang="ko-KR" altLang="en-US" b="1" dirty="0">
+                <a:solidFill>
+                  <a:srgbClr val="FF0000"/>
+                </a:solidFill>
+              </a:rPr>
+              <a:t>②</a:t>
+            </a:r>
+          </a:p>
+        </p:txBody>
+      </p:sp>
+      <p:sp>
+        <p:nvSpPr>
+          <p:cNvPr id="7" name="TextBox 6">
+            <a:extLst>
+              <a:ext uri="{FF2B5EF4-FFF2-40B4-BE49-F238E27FC236}">
+                <a16:creationId xmlns:a16="http://schemas.microsoft.com/office/drawing/2014/main" id="{33283830-BDEF-C969-9EF0-0C23D37DC4D6}"/>
+              </a:ext>
+            </a:extLst>
+          </p:cNvPr>
+          <p:cNvSpPr txBox="1"/>
+          <p:nvPr/>
+        </p:nvSpPr>
+        <p:spPr>
+          <a:xfrm>
+            <a:off x="737433" y="2732861"/>
+            <a:ext cx="531845" cy="369332"/>
+          </a:xfrm>
+          <a:prstGeom prst="rect">
+            <a:avLst/>
+          </a:prstGeom>
+          <a:noFill/>
+        </p:spPr>
+        <p:txBody>
+          <a:bodyPr wrap="square" rtlCol="0">
+            <a:spAutoFit/>
+          </a:bodyPr>
+          <a:lstStyle/>
+          <a:p>
+            <a:r>
+              <a:rPr lang="ko-KR" altLang="en-US" b="1" dirty="0">
+                <a:solidFill>
+                  <a:srgbClr val="FF0000"/>
+                </a:solidFill>
+              </a:rPr>
+              <a:t>③</a:t>
+            </a:r>
+          </a:p>
+        </p:txBody>
+      </p:sp>
     </p:spTree>
     <p:extLst>
       <p:ext uri="{BB962C8B-B14F-4D97-AF65-F5344CB8AC3E}">
-        <p14:creationId xmlns:p14="http://schemas.microsoft.com/office/powerpoint/2010/main" val="2719554636"/>
+        <p14:creationId xmlns:p14="http://schemas.microsoft.com/office/powerpoint/2010/main" val="940500452"/>
       </p:ext>
     </p:extLst>
   </p:cSld>
@@ -9863,7 +11692,7 @@
           <p:cNvPr id="2" name="제목 1">
             <a:extLst>
               <a:ext uri="{FF2B5EF4-FFF2-40B4-BE49-F238E27FC236}">
-                <a16:creationId xmlns:a16="http://schemas.microsoft.com/office/drawing/2014/main" id="{4AF2825B-6686-A33B-474A-0131C93E1D01}"/>
+                <a16:creationId xmlns:a16="http://schemas.microsoft.com/office/drawing/2014/main" id="{46D32B88-FF41-EFC6-FCFA-B2584D559201}"/>
               </a:ext>
             </a:extLst>
           </p:cNvPr>
@@ -9881,15 +11710,7 @@
           <a:p>
             <a:r>
               <a:rPr lang="ko-KR" altLang="en-US" dirty="0"/>
-              <a:t>유저 메뉴 </a:t>
-            </a:r>
-            <a:r>
-              <a:rPr lang="en-US" altLang="ko-KR" dirty="0"/>
-              <a:t>– </a:t>
-            </a:r>
-            <a:r>
-              <a:rPr lang="ko-KR" altLang="en-US" dirty="0"/>
-              <a:t>개인 정보 수정</a:t>
+              <a:t>유저 메뉴</a:t>
             </a:r>
           </a:p>
         </p:txBody>
@@ -9899,7 +11720,7 @@
           <p:cNvPr id="3" name="내용 개체 틀 2">
             <a:extLst>
               <a:ext uri="{FF2B5EF4-FFF2-40B4-BE49-F238E27FC236}">
-                <a16:creationId xmlns:a16="http://schemas.microsoft.com/office/drawing/2014/main" id="{C921E1A7-3635-3FA5-224B-21568D59D985}"/>
+                <a16:creationId xmlns:a16="http://schemas.microsoft.com/office/drawing/2014/main" id="{F4F5F31D-B11C-82BF-7A63-60DEA0DE206B}"/>
               </a:ext>
             </a:extLst>
           </p:cNvPr>
@@ -9917,7 +11738,7 @@
           <a:p>
             <a:r>
               <a:rPr lang="ko-KR" altLang="en-US" dirty="0"/>
-              <a:t>유저가 자신의 개인 정보를 수정할 수 있는 화면</a:t>
+              <a:t>로그인한 유저의 메뉴</a:t>
             </a:r>
           </a:p>
         </p:txBody>
@@ -9927,7 +11748,7 @@
           <p:cNvPr id="4" name="내용 개체 틀 3">
             <a:extLst>
               <a:ext uri="{FF2B5EF4-FFF2-40B4-BE49-F238E27FC236}">
-                <a16:creationId xmlns:a16="http://schemas.microsoft.com/office/drawing/2014/main" id="{717E747C-AAEB-CC89-E2A1-3785EE07DD28}"/>
+                <a16:creationId xmlns:a16="http://schemas.microsoft.com/office/drawing/2014/main" id="{AF0DA510-7DF5-766F-2048-C4B111F34042}"/>
               </a:ext>
             </a:extLst>
           </p:cNvPr>
@@ -9943,39 +11764,12 @@
           <a:bodyPr/>
           <a:lstStyle/>
           <a:p>
-            <a:r>
-              <a:rPr lang="en-US" altLang="ko-KR" dirty="0"/>
-              <a:t>ID, </a:t>
-            </a:r>
-            <a:r>
-              <a:rPr lang="ko-KR" altLang="en-US" dirty="0"/>
-              <a:t>이름</a:t>
-            </a:r>
-            <a:r>
-              <a:rPr lang="en-US" altLang="ko-KR" dirty="0"/>
-              <a:t>, </a:t>
-            </a:r>
-            <a:r>
-              <a:rPr lang="ko-KR" altLang="en-US" dirty="0"/>
-              <a:t>성별</a:t>
-            </a:r>
-            <a:r>
-              <a:rPr lang="en-US" altLang="ko-KR" dirty="0"/>
-              <a:t>, </a:t>
-            </a:r>
-            <a:r>
-              <a:rPr lang="ko-KR" altLang="en-US" dirty="0"/>
-              <a:t>가입일자는 변경 불가</a:t>
-            </a:r>
-            <a:endParaRPr lang="en-US" altLang="ko-KR" dirty="0"/>
-          </a:p>
-          <a:p>
             <a:pPr marL="228600" indent="-228600">
               <a:buAutoNum type="arabicPeriod"/>
             </a:pPr>
             <a:r>
               <a:rPr lang="ko-KR" altLang="en-US" dirty="0"/>
-              <a:t>비밀 번호 </a:t>
+              <a:t>개인 정보 수정 화면으로 이동</a:t>
             </a:r>
             <a:endParaRPr lang="en-US" altLang="ko-KR" dirty="0"/>
           </a:p>
@@ -9985,7 +11779,7 @@
             </a:pPr>
             <a:r>
               <a:rPr lang="ko-KR" altLang="en-US" dirty="0"/>
-              <a:t>나이</a:t>
+              <a:t>내 예약을 볼 수 있는 화면으로 이동</a:t>
             </a:r>
             <a:endParaRPr lang="en-US" altLang="ko-KR" dirty="0"/>
           </a:p>
@@ -9995,7 +11789,17 @@
             </a:pPr>
             <a:r>
               <a:rPr lang="ko-KR" altLang="en-US" dirty="0"/>
-              <a:t>프로필 업데이트에 성공하면 화면에 해당 메시지 출력</a:t>
+              <a:t>새로운 예약을 할 수 있는 화면으로 이동</a:t>
+            </a:r>
+            <a:endParaRPr lang="en-US" altLang="ko-KR" dirty="0"/>
+          </a:p>
+          <a:p>
+            <a:pPr marL="228600" indent="-228600">
+              <a:buAutoNum type="arabicPeriod"/>
+            </a:pPr>
+            <a:r>
+              <a:rPr lang="ko-KR" altLang="en-US" dirty="0"/>
+              <a:t>로그아웃</a:t>
             </a:r>
           </a:p>
         </p:txBody>
@@ -10005,7 +11809,7 @@
           <p:cNvPr id="6" name="그림 5">
             <a:extLst>
               <a:ext uri="{FF2B5EF4-FFF2-40B4-BE49-F238E27FC236}">
-                <a16:creationId xmlns:a16="http://schemas.microsoft.com/office/drawing/2014/main" id="{5F134ABC-6EBE-A0ED-1AA4-F273C4B760D4}"/>
+                <a16:creationId xmlns:a16="http://schemas.microsoft.com/office/drawing/2014/main" id="{B72BE6F4-0B89-5120-D2B0-5325B2782C72}"/>
               </a:ext>
             </a:extLst>
           </p:cNvPr>
@@ -10022,8 +11826,8 @@
         </p:blipFill>
         <p:spPr>
           <a:xfrm>
-            <a:off x="323529" y="2395117"/>
-            <a:ext cx="6105264" cy="3081161"/>
+            <a:off x="323528" y="2164702"/>
+            <a:ext cx="6153489" cy="3127065"/>
           </a:xfrm>
           <a:prstGeom prst="rect">
             <a:avLst/>
@@ -10033,7 +11837,7 @@
     </p:spTree>
     <p:extLst>
       <p:ext uri="{BB962C8B-B14F-4D97-AF65-F5344CB8AC3E}">
-        <p14:creationId xmlns:p14="http://schemas.microsoft.com/office/powerpoint/2010/main" val="3189174650"/>
+        <p14:creationId xmlns:p14="http://schemas.microsoft.com/office/powerpoint/2010/main" val="2719554636"/>
       </p:ext>
     </p:extLst>
   </p:cSld>
@@ -10068,7 +11872,7 @@
           <p:cNvPr id="2" name="제목 1">
             <a:extLst>
               <a:ext uri="{FF2B5EF4-FFF2-40B4-BE49-F238E27FC236}">
-                <a16:creationId xmlns:a16="http://schemas.microsoft.com/office/drawing/2014/main" id="{0737C055-93D6-0B0B-D6BD-11B465C5C3CF}"/>
+                <a16:creationId xmlns:a16="http://schemas.microsoft.com/office/drawing/2014/main" id="{4AF2825B-6686-A33B-474A-0131C93E1D01}"/>
               </a:ext>
             </a:extLst>
           </p:cNvPr>
@@ -10086,7 +11890,7 @@
           <a:p>
             <a:r>
               <a:rPr lang="ko-KR" altLang="en-US" dirty="0"/>
-              <a:t>새로운 예약 </a:t>
+              <a:t>유저 메뉴 </a:t>
             </a:r>
             <a:r>
               <a:rPr lang="en-US" altLang="ko-KR" dirty="0"/>
@@ -10094,7 +11898,7 @@
             </a:r>
             <a:r>
               <a:rPr lang="ko-KR" altLang="en-US" dirty="0"/>
-              <a:t>사업장 선택 메뉴</a:t>
+              <a:t>개인 정보 수정</a:t>
             </a:r>
           </a:p>
         </p:txBody>
@@ -10104,7 +11908,7 @@
           <p:cNvPr id="3" name="내용 개체 틀 2">
             <a:extLst>
               <a:ext uri="{FF2B5EF4-FFF2-40B4-BE49-F238E27FC236}">
-                <a16:creationId xmlns:a16="http://schemas.microsoft.com/office/drawing/2014/main" id="{7BE3AEBC-EBCD-7B7E-A58A-3A83A3E99C90}"/>
+                <a16:creationId xmlns:a16="http://schemas.microsoft.com/office/drawing/2014/main" id="{C921E1A7-3635-3FA5-224B-21568D59D985}"/>
               </a:ext>
             </a:extLst>
           </p:cNvPr>
@@ -10122,15 +11926,7 @@
           <a:p>
             <a:r>
               <a:rPr lang="ko-KR" altLang="en-US" dirty="0"/>
-              <a:t>유저가 새로운 예약을 하기 위해</a:t>
-            </a:r>
-            <a:r>
-              <a:rPr lang="en-US" altLang="ko-KR" dirty="0"/>
-              <a:t>, </a:t>
-            </a:r>
-            <a:r>
-              <a:rPr lang="ko-KR" altLang="en-US" dirty="0"/>
-              <a:t>사업장을 선택하는 메뉴</a:t>
+              <a:t>유저가 자신의 개인 정보를 수정할 수 있는 화면</a:t>
             </a:r>
           </a:p>
         </p:txBody>
@@ -10140,7 +11936,7 @@
           <p:cNvPr id="4" name="내용 개체 틀 3">
             <a:extLst>
               <a:ext uri="{FF2B5EF4-FFF2-40B4-BE49-F238E27FC236}">
-                <a16:creationId xmlns:a16="http://schemas.microsoft.com/office/drawing/2014/main" id="{AAB72704-C2F0-D1DA-249F-B209EF3F6A56}"/>
+                <a16:creationId xmlns:a16="http://schemas.microsoft.com/office/drawing/2014/main" id="{717E747C-AAEB-CC89-E2A1-3785EE07DD28}"/>
               </a:ext>
             </a:extLst>
           </p:cNvPr>
@@ -10157,16 +11953,12 @@
           <a:lstStyle/>
           <a:p>
             <a:r>
+              <a:rPr lang="en-US" altLang="ko-KR" dirty="0"/>
+              <a:t>ID, </a:t>
+            </a:r>
+            <a:r>
               <a:rPr lang="ko-KR" altLang="en-US" dirty="0"/>
-              <a:t>시스템에 등록된 전체 사업장을 조회 가능</a:t>
-            </a:r>
-            <a:r>
-              <a:rPr lang="en-US" altLang="ko-KR" dirty="0"/>
-              <a:t>(</a:t>
-            </a:r>
-            <a:r>
-              <a:rPr lang="ko-KR" altLang="en-US" dirty="0"/>
-              <a:t>사업장코드</a:t>
+              <a:t>이름</a:t>
             </a:r>
             <a:r>
               <a:rPr lang="en-US" altLang="ko-KR" dirty="0"/>
@@ -10174,7 +11966,7 @@
             </a:r>
             <a:r>
               <a:rPr lang="ko-KR" altLang="en-US" dirty="0"/>
-              <a:t>사업장이름</a:t>
+              <a:t>성별</a:t>
             </a:r>
             <a:r>
               <a:rPr lang="en-US" altLang="ko-KR" dirty="0"/>
@@ -10182,32 +11974,37 @@
             </a:r>
             <a:r>
               <a:rPr lang="ko-KR" altLang="en-US" dirty="0"/>
-              <a:t>사업장주소</a:t>
-            </a:r>
-            <a:r>
-              <a:rPr lang="en-US" altLang="ko-KR" dirty="0"/>
-              <a:t>)</a:t>
-            </a:r>
-          </a:p>
-          <a:p>
+              <a:t>가입일자는 변경 불가</a:t>
+            </a:r>
             <a:endParaRPr lang="en-US" altLang="ko-KR" dirty="0"/>
           </a:p>
           <a:p>
-            <a:r>
-              <a:rPr lang="en-US" altLang="ko-KR" dirty="0"/>
-              <a:t>1.</a:t>
-            </a:r>
+            <a:pPr marL="228600" indent="-228600">
+              <a:buAutoNum type="arabicPeriod"/>
+            </a:pPr>
             <a:r>
               <a:rPr lang="ko-KR" altLang="en-US" dirty="0"/>
-              <a:t> 사업장 이름을 클릭 시</a:t>
-            </a:r>
-            <a:r>
-              <a:rPr lang="en-US" altLang="ko-KR" dirty="0"/>
-              <a:t>, </a:t>
-            </a:r>
+              <a:t>비밀 번호 </a:t>
+            </a:r>
+            <a:endParaRPr lang="en-US" altLang="ko-KR" dirty="0"/>
+          </a:p>
+          <a:p>
+            <a:pPr marL="228600" indent="-228600">
+              <a:buAutoNum type="arabicPeriod"/>
+            </a:pPr>
             <a:r>
               <a:rPr lang="ko-KR" altLang="en-US" dirty="0"/>
-              <a:t>해당 사업장에 등록된 상품리스트로 선택으로 이동</a:t>
+              <a:t>나이</a:t>
+            </a:r>
+            <a:endParaRPr lang="en-US" altLang="ko-KR" dirty="0"/>
+          </a:p>
+          <a:p>
+            <a:pPr marL="228600" indent="-228600">
+              <a:buAutoNum type="arabicPeriod"/>
+            </a:pPr>
+            <a:r>
+              <a:rPr lang="ko-KR" altLang="en-US" dirty="0"/>
+              <a:t>프로필 업데이트에 성공하면 화면에 해당 메시지 출력</a:t>
             </a:r>
           </a:p>
         </p:txBody>
@@ -10217,7 +12014,7 @@
           <p:cNvPr id="6" name="그림 5">
             <a:extLst>
               <a:ext uri="{FF2B5EF4-FFF2-40B4-BE49-F238E27FC236}">
-                <a16:creationId xmlns:a16="http://schemas.microsoft.com/office/drawing/2014/main" id="{F1E2CBC7-B367-1341-DDA0-EE15A1894ACD}"/>
+                <a16:creationId xmlns:a16="http://schemas.microsoft.com/office/drawing/2014/main" id="{5F134ABC-6EBE-A0ED-1AA4-F273C4B760D4}"/>
               </a:ext>
             </a:extLst>
           </p:cNvPr>
@@ -10234,18 +12031,135 @@
         </p:blipFill>
         <p:spPr>
           <a:xfrm>
-            <a:off x="323529" y="2155371"/>
-            <a:ext cx="6108626" cy="3355442"/>
+            <a:off x="323529" y="2395117"/>
+            <a:ext cx="6105264" cy="3081161"/>
           </a:xfrm>
           <a:prstGeom prst="rect">
             <a:avLst/>
           </a:prstGeom>
         </p:spPr>
       </p:pic>
+      <p:sp>
+        <p:nvSpPr>
+          <p:cNvPr id="5" name="TextBox 4">
+            <a:extLst>
+              <a:ext uri="{FF2B5EF4-FFF2-40B4-BE49-F238E27FC236}">
+                <a16:creationId xmlns:a16="http://schemas.microsoft.com/office/drawing/2014/main" id="{6FA363E7-5CE5-0FB8-1F0D-209A2743100B}"/>
+              </a:ext>
+            </a:extLst>
+          </p:cNvPr>
+          <p:cNvSpPr txBox="1"/>
+          <p:nvPr/>
+        </p:nvSpPr>
+        <p:spPr>
+          <a:xfrm>
+            <a:off x="2324435" y="3679141"/>
+            <a:ext cx="531845" cy="369332"/>
+          </a:xfrm>
+          <a:prstGeom prst="rect">
+            <a:avLst/>
+          </a:prstGeom>
+          <a:noFill/>
+        </p:spPr>
+        <p:txBody>
+          <a:bodyPr wrap="square" rtlCol="0">
+            <a:spAutoFit/>
+          </a:bodyPr>
+          <a:lstStyle/>
+          <a:p>
+            <a:r>
+              <a:rPr lang="ko-KR" altLang="en-US" b="1" dirty="0">
+                <a:solidFill>
+                  <a:srgbClr val="FF0000"/>
+                </a:solidFill>
+              </a:rPr>
+              <a:t>①</a:t>
+            </a:r>
+          </a:p>
+        </p:txBody>
+      </p:sp>
+      <p:sp>
+        <p:nvSpPr>
+          <p:cNvPr id="7" name="TextBox 6">
+            <a:extLst>
+              <a:ext uri="{FF2B5EF4-FFF2-40B4-BE49-F238E27FC236}">
+                <a16:creationId xmlns:a16="http://schemas.microsoft.com/office/drawing/2014/main" id="{1894EA2E-4C49-8351-9250-441747E27F32}"/>
+              </a:ext>
+            </a:extLst>
+          </p:cNvPr>
+          <p:cNvSpPr txBox="1"/>
+          <p:nvPr/>
+        </p:nvSpPr>
+        <p:spPr>
+          <a:xfrm>
+            <a:off x="2050294" y="4386079"/>
+            <a:ext cx="531845" cy="369332"/>
+          </a:xfrm>
+          <a:prstGeom prst="rect">
+            <a:avLst/>
+          </a:prstGeom>
+          <a:noFill/>
+        </p:spPr>
+        <p:txBody>
+          <a:bodyPr wrap="square" rtlCol="0">
+            <a:spAutoFit/>
+          </a:bodyPr>
+          <a:lstStyle/>
+          <a:p>
+            <a:r>
+              <a:rPr lang="ko-KR" altLang="en-US" b="1" dirty="0">
+                <a:solidFill>
+                  <a:srgbClr val="FF0000"/>
+                </a:solidFill>
+              </a:rPr>
+              <a:t>②</a:t>
+            </a:r>
+          </a:p>
+        </p:txBody>
+      </p:sp>
+      <p:sp>
+        <p:nvSpPr>
+          <p:cNvPr id="8" name="TextBox 7">
+            <a:extLst>
+              <a:ext uri="{FF2B5EF4-FFF2-40B4-BE49-F238E27FC236}">
+                <a16:creationId xmlns:a16="http://schemas.microsoft.com/office/drawing/2014/main" id="{BD24337F-8C1B-47A1-5FC5-35C2C155572C}"/>
+              </a:ext>
+            </a:extLst>
+          </p:cNvPr>
+          <p:cNvSpPr txBox="1"/>
+          <p:nvPr/>
+        </p:nvSpPr>
+        <p:spPr>
+          <a:xfrm>
+            <a:off x="1175697" y="5081046"/>
+            <a:ext cx="531845" cy="369332"/>
+          </a:xfrm>
+          <a:prstGeom prst="rect">
+            <a:avLst/>
+          </a:prstGeom>
+          <a:noFill/>
+        </p:spPr>
+        <p:txBody>
+          <a:bodyPr wrap="square" rtlCol="0">
+            <a:spAutoFit/>
+          </a:bodyPr>
+          <a:lstStyle/>
+          <a:p>
+            <a:r>
+              <a:rPr lang="ko-KR" altLang="en-US" b="1" dirty="0">
+                <a:solidFill>
+                  <a:srgbClr val="FF0000"/>
+                </a:solidFill>
+              </a:rPr>
+              <a:t>③</a:t>
+            </a:r>
+          </a:p>
+        </p:txBody>
+      </p:sp>
     </p:spTree>
     <p:extLst>
       <p:ext uri="{BB962C8B-B14F-4D97-AF65-F5344CB8AC3E}">
-        <p14:creationId xmlns:p14="http://schemas.microsoft.com/office/powerpoint/2010/main" val="3962971614"/>
+        <p14:creationId xmlns:p14="http://schemas.microsoft.com/office/powerpoint/2010/main" val="3189174650"/>
       </p:ext>
     </p:extLst>
   </p:cSld>
@@ -10280,7 +12194,7 @@
           <p:cNvPr id="2" name="제목 1">
             <a:extLst>
               <a:ext uri="{FF2B5EF4-FFF2-40B4-BE49-F238E27FC236}">
-                <a16:creationId xmlns:a16="http://schemas.microsoft.com/office/drawing/2014/main" id="{C7CB2D7F-19D5-22B3-580C-226118096156}"/>
+                <a16:creationId xmlns:a16="http://schemas.microsoft.com/office/drawing/2014/main" id="{0737C055-93D6-0B0B-D6BD-11B465C5C3CF}"/>
               </a:ext>
             </a:extLst>
           </p:cNvPr>
@@ -10298,7 +12212,15 @@
           <a:p>
             <a:r>
               <a:rPr lang="ko-KR" altLang="en-US" dirty="0"/>
-              <a:t>사업장에서 예약할 상품 선택</a:t>
+              <a:t>새로운 예약 </a:t>
+            </a:r>
+            <a:r>
+              <a:rPr lang="en-US" altLang="ko-KR" dirty="0"/>
+              <a:t>– </a:t>
+            </a:r>
+            <a:r>
+              <a:rPr lang="ko-KR" altLang="en-US" dirty="0"/>
+              <a:t>사업장 선택 메뉴</a:t>
             </a:r>
           </a:p>
         </p:txBody>
@@ -10308,7 +12230,7 @@
           <p:cNvPr id="3" name="내용 개체 틀 2">
             <a:extLst>
               <a:ext uri="{FF2B5EF4-FFF2-40B4-BE49-F238E27FC236}">
-                <a16:creationId xmlns:a16="http://schemas.microsoft.com/office/drawing/2014/main" id="{3EF9A1F1-EE2F-3161-2F41-D8641F7AAA0B}"/>
+                <a16:creationId xmlns:a16="http://schemas.microsoft.com/office/drawing/2014/main" id="{7BE3AEBC-EBCD-7B7E-A58A-3A83A3E99C90}"/>
               </a:ext>
             </a:extLst>
           </p:cNvPr>
@@ -10326,7 +12248,15 @@
           <a:p>
             <a:r>
               <a:rPr lang="ko-KR" altLang="en-US" dirty="0"/>
-              <a:t>선택한 사업장의 예약할 수 있는 상품 리스트를 보는 화면</a:t>
+              <a:t>유저가 새로운 예약을 하기 위해</a:t>
+            </a:r>
+            <a:r>
+              <a:rPr lang="en-US" altLang="ko-KR" dirty="0"/>
+              <a:t>, </a:t>
+            </a:r>
+            <a:r>
+              <a:rPr lang="ko-KR" altLang="en-US" dirty="0"/>
+              <a:t>사업장을 선택하는 메뉴</a:t>
             </a:r>
           </a:p>
         </p:txBody>
@@ -10336,7 +12266,7 @@
           <p:cNvPr id="4" name="내용 개체 틀 3">
             <a:extLst>
               <a:ext uri="{FF2B5EF4-FFF2-40B4-BE49-F238E27FC236}">
-                <a16:creationId xmlns:a16="http://schemas.microsoft.com/office/drawing/2014/main" id="{03E0E3CC-B8D0-4A4F-E52E-C05C91521AE5}"/>
+                <a16:creationId xmlns:a16="http://schemas.microsoft.com/office/drawing/2014/main" id="{AAB72704-C2F0-D1DA-249F-B209EF3F6A56}"/>
               </a:ext>
             </a:extLst>
           </p:cNvPr>
@@ -10354,7 +12284,15 @@
           <a:p>
             <a:r>
               <a:rPr lang="ko-KR" altLang="en-US" dirty="0"/>
-              <a:t>상품 이름</a:t>
+              <a:t>시스템에 등록된 전체 사업장을 조회 가능</a:t>
+            </a:r>
+            <a:r>
+              <a:rPr lang="en-US" altLang="ko-KR" dirty="0"/>
+              <a:t>(</a:t>
+            </a:r>
+            <a:r>
+              <a:rPr lang="ko-KR" altLang="en-US" dirty="0"/>
+              <a:t>사업장코드</a:t>
             </a:r>
             <a:r>
               <a:rPr lang="en-US" altLang="ko-KR" dirty="0"/>
@@ -10362,7 +12300,7 @@
             </a:r>
             <a:r>
               <a:rPr lang="ko-KR" altLang="en-US" dirty="0"/>
-              <a:t>상품 코드</a:t>
+              <a:t>사업장이름</a:t>
             </a:r>
             <a:r>
               <a:rPr lang="en-US" altLang="ko-KR" dirty="0"/>
@@ -10370,34 +12308,24 @@
             </a:r>
             <a:r>
               <a:rPr lang="ko-KR" altLang="en-US" dirty="0"/>
-              <a:t>상품 가격</a:t>
+              <a:t>사업장주소</a:t>
             </a:r>
             <a:r>
               <a:rPr lang="en-US" altLang="ko-KR" dirty="0"/>
-              <a:t>(1</a:t>
+              <a:t>)</a:t>
+            </a:r>
+          </a:p>
+          <a:p>
+            <a:endParaRPr lang="en-US" altLang="ko-KR" dirty="0"/>
+          </a:p>
+          <a:p>
+            <a:r>
+              <a:rPr lang="en-US" altLang="ko-KR" dirty="0"/>
+              <a:t>1.</a:t>
             </a:r>
             <a:r>
               <a:rPr lang="ko-KR" altLang="en-US" dirty="0"/>
-              <a:t>박</a:t>
-            </a:r>
-            <a:r>
-              <a:rPr lang="en-US" altLang="ko-KR" dirty="0"/>
-              <a:t>). </a:t>
-            </a:r>
-            <a:r>
-              <a:rPr lang="ko-KR" altLang="en-US" dirty="0"/>
-              <a:t>상품 설명을 조회 </a:t>
-            </a:r>
-            <a:endParaRPr lang="en-US" altLang="ko-KR" dirty="0"/>
-          </a:p>
-          <a:p>
-            <a:r>
-              <a:rPr lang="en-US" altLang="ko-KR" dirty="0"/>
-              <a:t>1. </a:t>
-            </a:r>
-            <a:r>
-              <a:rPr lang="ko-KR" altLang="en-US" dirty="0"/>
-              <a:t>원하는 상품 코드를 선택하면</a:t>
+              <a:t> 사업장 이름을 클릭 시</a:t>
             </a:r>
             <a:r>
               <a:rPr lang="en-US" altLang="ko-KR" dirty="0"/>
@@ -10405,7 +12333,7 @@
             </a:r>
             <a:r>
               <a:rPr lang="ko-KR" altLang="en-US" dirty="0"/>
-              <a:t>예약할 날짜를 선택할 수 있는 화면으로 이동</a:t>
+              <a:t>해당 사업장에 등록된 상품리스트로 선택으로 이동</a:t>
             </a:r>
           </a:p>
         </p:txBody>
@@ -10415,7 +12343,7 @@
           <p:cNvPr id="6" name="그림 5">
             <a:extLst>
               <a:ext uri="{FF2B5EF4-FFF2-40B4-BE49-F238E27FC236}">
-                <a16:creationId xmlns:a16="http://schemas.microsoft.com/office/drawing/2014/main" id="{B9B8F146-CA74-176D-ECCB-3FB8DC5DC749}"/>
+                <a16:creationId xmlns:a16="http://schemas.microsoft.com/office/drawing/2014/main" id="{F1E2CBC7-B367-1341-DDA0-EE15A1894ACD}"/>
               </a:ext>
             </a:extLst>
           </p:cNvPr>
@@ -10432,18 +12360,57 @@
         </p:blipFill>
         <p:spPr>
           <a:xfrm>
-            <a:off x="323528" y="2313992"/>
-            <a:ext cx="6118057" cy="3389346"/>
+            <a:off x="323529" y="2155371"/>
+            <a:ext cx="6108626" cy="3355442"/>
           </a:xfrm>
           <a:prstGeom prst="rect">
             <a:avLst/>
           </a:prstGeom>
         </p:spPr>
       </p:pic>
+      <p:sp>
+        <p:nvSpPr>
+          <p:cNvPr id="5" name="TextBox 4">
+            <a:extLst>
+              <a:ext uri="{FF2B5EF4-FFF2-40B4-BE49-F238E27FC236}">
+                <a16:creationId xmlns:a16="http://schemas.microsoft.com/office/drawing/2014/main" id="{9E62839D-2BD1-0533-9888-DFCA50E28961}"/>
+              </a:ext>
+            </a:extLst>
+          </p:cNvPr>
+          <p:cNvSpPr txBox="1"/>
+          <p:nvPr/>
+        </p:nvSpPr>
+        <p:spPr>
+          <a:xfrm>
+            <a:off x="1250302" y="3793896"/>
+            <a:ext cx="531845" cy="369332"/>
+          </a:xfrm>
+          <a:prstGeom prst="rect">
+            <a:avLst/>
+          </a:prstGeom>
+          <a:noFill/>
+        </p:spPr>
+        <p:txBody>
+          <a:bodyPr wrap="square" rtlCol="0">
+            <a:spAutoFit/>
+          </a:bodyPr>
+          <a:lstStyle/>
+          <a:p>
+            <a:r>
+              <a:rPr lang="ko-KR" altLang="en-US" b="1" dirty="0">
+                <a:solidFill>
+                  <a:srgbClr val="FF0000"/>
+                </a:solidFill>
+              </a:rPr>
+              <a:t>①</a:t>
+            </a:r>
+          </a:p>
+        </p:txBody>
+      </p:sp>
     </p:spTree>
     <p:extLst>
       <p:ext uri="{BB962C8B-B14F-4D97-AF65-F5344CB8AC3E}">
-        <p14:creationId xmlns:p14="http://schemas.microsoft.com/office/powerpoint/2010/main" val="2079304978"/>
+        <p14:creationId xmlns:p14="http://schemas.microsoft.com/office/powerpoint/2010/main" val="3962971614"/>
       </p:ext>
     </p:extLst>
   </p:cSld>
@@ -10902,7 +12869,7 @@
         </p:nvSpPr>
         <p:spPr>
           <a:xfrm>
-            <a:off x="926880" y="1216160"/>
+            <a:off x="1188140" y="1216160"/>
             <a:ext cx="1696282" cy="493713"/>
           </a:xfrm>
           <a:prstGeom prst="roundRect">
@@ -10958,7 +12925,7 @@
         </p:nvSpPr>
         <p:spPr>
           <a:xfrm>
-            <a:off x="5420141" y="1193975"/>
+            <a:off x="5695078" y="1210049"/>
             <a:ext cx="1696282" cy="493713"/>
           </a:xfrm>
           <a:prstGeom prst="roundRect">
@@ -11996,7 +13963,7 @@
           <p:cNvPr id="2" name="제목 1">
             <a:extLst>
               <a:ext uri="{FF2B5EF4-FFF2-40B4-BE49-F238E27FC236}">
-                <a16:creationId xmlns:a16="http://schemas.microsoft.com/office/drawing/2014/main" id="{F634BDC1-3798-62A5-5AA8-A2E65493D94C}"/>
+                <a16:creationId xmlns:a16="http://schemas.microsoft.com/office/drawing/2014/main" id="{C7CB2D7F-19D5-22B3-580C-226118096156}"/>
               </a:ext>
             </a:extLst>
           </p:cNvPr>
@@ -12014,7 +13981,7 @@
           <a:p>
             <a:r>
               <a:rPr lang="ko-KR" altLang="en-US" dirty="0"/>
-              <a:t>상품 예약할 날짜 선택</a:t>
+              <a:t>사업장에서 예약할 상품 선택</a:t>
             </a:r>
           </a:p>
         </p:txBody>
@@ -12024,7 +13991,7 @@
           <p:cNvPr id="3" name="내용 개체 틀 2">
             <a:extLst>
               <a:ext uri="{FF2B5EF4-FFF2-40B4-BE49-F238E27FC236}">
-                <a16:creationId xmlns:a16="http://schemas.microsoft.com/office/drawing/2014/main" id="{27AD75BF-5D35-C5A7-455E-FC6F29E33AF8}"/>
+                <a16:creationId xmlns:a16="http://schemas.microsoft.com/office/drawing/2014/main" id="{3EF9A1F1-EE2F-3161-2F41-D8641F7AAA0B}"/>
               </a:ext>
             </a:extLst>
           </p:cNvPr>
@@ -12042,7 +14009,7 @@
           <a:p>
             <a:r>
               <a:rPr lang="ko-KR" altLang="en-US" dirty="0"/>
-              <a:t>선택한 사업장의 선택한 상품의 예약일자를 선택하는 캘린더 화면</a:t>
+              <a:t>선택한 사업장의 예약할 수 있는 상품 리스트를 보는 화면</a:t>
             </a:r>
           </a:p>
         </p:txBody>
@@ -12052,7 +14019,7 @@
           <p:cNvPr id="4" name="내용 개체 틀 3">
             <a:extLst>
               <a:ext uri="{FF2B5EF4-FFF2-40B4-BE49-F238E27FC236}">
-                <a16:creationId xmlns:a16="http://schemas.microsoft.com/office/drawing/2014/main" id="{368CA88A-A0CE-2353-B550-7F8C2E7A2058}"/>
+                <a16:creationId xmlns:a16="http://schemas.microsoft.com/office/drawing/2014/main" id="{03E0E3CC-B8D0-4A4F-E52E-C05C91521AE5}"/>
               </a:ext>
             </a:extLst>
           </p:cNvPr>
@@ -12070,20 +14037,7 @@
           <a:p>
             <a:r>
               <a:rPr lang="ko-KR" altLang="en-US" dirty="0"/>
-              <a:t>원하는 날짜 선택 가능</a:t>
-            </a:r>
-            <a:endParaRPr lang="en-US" altLang="ko-KR" dirty="0"/>
-          </a:p>
-          <a:p>
-            <a:endParaRPr lang="en-US" altLang="ko-KR" dirty="0"/>
-          </a:p>
-          <a:p>
-            <a:pPr marL="228600" indent="-228600">
-              <a:buAutoNum type="arabicPeriod"/>
-            </a:pPr>
-            <a:r>
-              <a:rPr lang="ko-KR" altLang="en-US" dirty="0"/>
-              <a:t>좌</a:t>
+              <a:t>상품 이름</a:t>
             </a:r>
             <a:r>
               <a:rPr lang="en-US" altLang="ko-KR" dirty="0"/>
@@ -12091,17 +14045,50 @@
             </a:r>
             <a:r>
               <a:rPr lang="ko-KR" altLang="en-US" dirty="0"/>
-              <a:t>우 버튼으로 달 이동</a:t>
+              <a:t>상품 코드</a:t>
+            </a:r>
+            <a:r>
+              <a:rPr lang="en-US" altLang="ko-KR" dirty="0"/>
+              <a:t>, </a:t>
+            </a:r>
+            <a:r>
+              <a:rPr lang="ko-KR" altLang="en-US" dirty="0"/>
+              <a:t>상품 가격</a:t>
+            </a:r>
+            <a:r>
+              <a:rPr lang="en-US" altLang="ko-KR" dirty="0"/>
+              <a:t>(1</a:t>
+            </a:r>
+            <a:r>
+              <a:rPr lang="ko-KR" altLang="en-US" dirty="0"/>
+              <a:t>박</a:t>
+            </a:r>
+            <a:r>
+              <a:rPr lang="en-US" altLang="ko-KR" dirty="0"/>
+              <a:t>). </a:t>
+            </a:r>
+            <a:r>
+              <a:rPr lang="ko-KR" altLang="en-US" dirty="0"/>
+              <a:t>상품 설명을 조회 </a:t>
             </a:r>
             <a:endParaRPr lang="en-US" altLang="ko-KR" dirty="0"/>
           </a:p>
           <a:p>
-            <a:pPr marL="228600" indent="-228600">
-              <a:buAutoNum type="arabicPeriod"/>
-            </a:pPr>
+            <a:r>
+              <a:rPr lang="en-US" altLang="ko-KR" dirty="0"/>
+              <a:t>1. </a:t>
+            </a:r>
             <a:r>
               <a:rPr lang="ko-KR" altLang="en-US" dirty="0"/>
-              <a:t>날짜를 선택하면 해당 날짜에 예약 하기 메뉴로 이동</a:t>
+              <a:t>원하는 상품 코드를 선택하면</a:t>
+            </a:r>
+            <a:r>
+              <a:rPr lang="en-US" altLang="ko-KR" dirty="0"/>
+              <a:t>, </a:t>
+            </a:r>
+            <a:r>
+              <a:rPr lang="ko-KR" altLang="en-US" dirty="0"/>
+              <a:t>예약할 날짜를 선택할 수 있는 화면으로 이동</a:t>
             </a:r>
           </a:p>
         </p:txBody>
@@ -12111,7 +14098,7 @@
           <p:cNvPr id="6" name="그림 5">
             <a:extLst>
               <a:ext uri="{FF2B5EF4-FFF2-40B4-BE49-F238E27FC236}">
-                <a16:creationId xmlns:a16="http://schemas.microsoft.com/office/drawing/2014/main" id="{650BF02E-45C2-98CD-43AF-1F98C49790FE}"/>
+                <a16:creationId xmlns:a16="http://schemas.microsoft.com/office/drawing/2014/main" id="{B9B8F146-CA74-176D-ECCB-3FB8DC5DC749}"/>
               </a:ext>
             </a:extLst>
           </p:cNvPr>
@@ -12128,18 +14115,57 @@
         </p:blipFill>
         <p:spPr>
           <a:xfrm>
-            <a:off x="323528" y="2323322"/>
-            <a:ext cx="6140597" cy="3499480"/>
+            <a:off x="323528" y="2313992"/>
+            <a:ext cx="6118057" cy="3389346"/>
           </a:xfrm>
           <a:prstGeom prst="rect">
             <a:avLst/>
           </a:prstGeom>
         </p:spPr>
       </p:pic>
+      <p:sp>
+        <p:nvSpPr>
+          <p:cNvPr id="5" name="TextBox 4">
+            <a:extLst>
+              <a:ext uri="{FF2B5EF4-FFF2-40B4-BE49-F238E27FC236}">
+                <a16:creationId xmlns:a16="http://schemas.microsoft.com/office/drawing/2014/main" id="{FB154C05-44D0-084C-FE88-EFE10DB85F00}"/>
+              </a:ext>
+            </a:extLst>
+          </p:cNvPr>
+          <p:cNvSpPr txBox="1"/>
+          <p:nvPr/>
+        </p:nvSpPr>
+        <p:spPr>
+          <a:xfrm>
+            <a:off x="979715" y="2619644"/>
+            <a:ext cx="531845" cy="369332"/>
+          </a:xfrm>
+          <a:prstGeom prst="rect">
+            <a:avLst/>
+          </a:prstGeom>
+          <a:noFill/>
+        </p:spPr>
+        <p:txBody>
+          <a:bodyPr wrap="square" rtlCol="0">
+            <a:spAutoFit/>
+          </a:bodyPr>
+          <a:lstStyle/>
+          <a:p>
+            <a:r>
+              <a:rPr lang="ko-KR" altLang="en-US" b="1" dirty="0">
+                <a:solidFill>
+                  <a:srgbClr val="FF0000"/>
+                </a:solidFill>
+              </a:rPr>
+              <a:t>①</a:t>
+            </a:r>
+          </a:p>
+        </p:txBody>
+      </p:sp>
     </p:spTree>
     <p:extLst>
       <p:ext uri="{BB962C8B-B14F-4D97-AF65-F5344CB8AC3E}">
-        <p14:creationId xmlns:p14="http://schemas.microsoft.com/office/powerpoint/2010/main" val="4161069519"/>
+        <p14:creationId xmlns:p14="http://schemas.microsoft.com/office/powerpoint/2010/main" val="2079304978"/>
       </p:ext>
     </p:extLst>
   </p:cSld>
@@ -12174,7 +14200,7 @@
           <p:cNvPr id="2" name="제목 1">
             <a:extLst>
               <a:ext uri="{FF2B5EF4-FFF2-40B4-BE49-F238E27FC236}">
-                <a16:creationId xmlns:a16="http://schemas.microsoft.com/office/drawing/2014/main" id="{E96EA645-9A3A-24EC-9EE3-998C178B6070}"/>
+                <a16:creationId xmlns:a16="http://schemas.microsoft.com/office/drawing/2014/main" id="{F634BDC1-3798-62A5-5AA8-A2E65493D94C}"/>
               </a:ext>
             </a:extLst>
           </p:cNvPr>
@@ -12192,7 +14218,7 @@
           <a:p>
             <a:r>
               <a:rPr lang="ko-KR" altLang="en-US" dirty="0"/>
-              <a:t>상품 예약 하기</a:t>
+              <a:t>상품 예약할 날짜 선택</a:t>
             </a:r>
           </a:p>
         </p:txBody>
@@ -12202,7 +14228,7 @@
           <p:cNvPr id="3" name="내용 개체 틀 2">
             <a:extLst>
               <a:ext uri="{FF2B5EF4-FFF2-40B4-BE49-F238E27FC236}">
-                <a16:creationId xmlns:a16="http://schemas.microsoft.com/office/drawing/2014/main" id="{7DD8B645-BC9D-CEC7-2E11-7F1F88258FCC}"/>
+                <a16:creationId xmlns:a16="http://schemas.microsoft.com/office/drawing/2014/main" id="{27AD75BF-5D35-C5A7-455E-FC6F29E33AF8}"/>
               </a:ext>
             </a:extLst>
           </p:cNvPr>
@@ -12220,7 +14246,7 @@
           <a:p>
             <a:r>
               <a:rPr lang="ko-KR" altLang="en-US" dirty="0"/>
-              <a:t>앞에서 선택한 화면을 예약할 수 있는 메뉴</a:t>
+              <a:t>선택한 사업장의 선택한 상품의 예약일자를 선택하는 캘린더 화면</a:t>
             </a:r>
           </a:p>
         </p:txBody>
@@ -12230,7 +14256,7 @@
           <p:cNvPr id="4" name="내용 개체 틀 3">
             <a:extLst>
               <a:ext uri="{FF2B5EF4-FFF2-40B4-BE49-F238E27FC236}">
-                <a16:creationId xmlns:a16="http://schemas.microsoft.com/office/drawing/2014/main" id="{CF02D168-04D0-1D6F-2869-4690B057D661}"/>
+                <a16:creationId xmlns:a16="http://schemas.microsoft.com/office/drawing/2014/main" id="{368CA88A-A0CE-2353-B550-7F8C2E7A2058}"/>
               </a:ext>
             </a:extLst>
           </p:cNvPr>
@@ -12246,12 +14272,30 @@
           <a:bodyPr/>
           <a:lstStyle/>
           <a:p>
+            <a:r>
+              <a:rPr lang="ko-KR" altLang="en-US" dirty="0"/>
+              <a:t>원하는 날짜 선택 가능</a:t>
+            </a:r>
+            <a:endParaRPr lang="en-US" altLang="ko-KR" dirty="0"/>
+          </a:p>
+          <a:p>
+            <a:endParaRPr lang="en-US" altLang="ko-KR" dirty="0"/>
+          </a:p>
+          <a:p>
             <a:pPr marL="228600" indent="-228600">
               <a:buAutoNum type="arabicPeriod"/>
             </a:pPr>
             <a:r>
               <a:rPr lang="ko-KR" altLang="en-US" dirty="0"/>
-              <a:t>인원수 입력</a:t>
+              <a:t>좌</a:t>
+            </a:r>
+            <a:r>
+              <a:rPr lang="en-US" altLang="ko-KR" dirty="0"/>
+              <a:t>, </a:t>
+            </a:r>
+            <a:r>
+              <a:rPr lang="ko-KR" altLang="en-US" dirty="0"/>
+              <a:t>우 버튼으로 달 이동</a:t>
             </a:r>
             <a:endParaRPr lang="en-US" altLang="ko-KR" dirty="0"/>
           </a:p>
@@ -12261,52 +14305,17 @@
             </a:pPr>
             <a:r>
               <a:rPr lang="ko-KR" altLang="en-US" dirty="0"/>
-              <a:t>예약 선택</a:t>
-            </a:r>
-            <a:endParaRPr lang="en-US" altLang="ko-KR" dirty="0"/>
-          </a:p>
-          <a:p>
-            <a:pPr marL="228600" indent="-228600">
-              <a:buAutoNum type="arabicPeriod"/>
-            </a:pPr>
-            <a:r>
-              <a:rPr lang="ko-KR" altLang="en-US" dirty="0"/>
-              <a:t>버튼을 누르면 예약 등록 후</a:t>
-            </a:r>
-            <a:r>
-              <a:rPr lang="en-US" altLang="ko-KR" dirty="0"/>
-              <a:t>, </a:t>
-            </a:r>
-            <a:r>
-              <a:rPr lang="ko-KR" altLang="en-US" dirty="0"/>
-              <a:t>재고가 </a:t>
-            </a:r>
-            <a:r>
-              <a:rPr lang="en-US" altLang="ko-KR" dirty="0"/>
-              <a:t>0</a:t>
-            </a:r>
-            <a:r>
-              <a:rPr lang="ko-KR" altLang="en-US" dirty="0"/>
-              <a:t>으로 변경</a:t>
-            </a:r>
-            <a:r>
-              <a:rPr lang="en-US" altLang="ko-KR" dirty="0"/>
-              <a:t>, </a:t>
-            </a:r>
-            <a:r>
-              <a:rPr lang="ko-KR" altLang="en-US" dirty="0"/>
-              <a:t>예약 관리 화면으로 이동</a:t>
-            </a:r>
-            <a:endParaRPr lang="en-US" altLang="ko-KR" dirty="0"/>
+              <a:t>날짜를 선택하면 해당 날짜에 예약 하기 메뉴로 이동</a:t>
+            </a:r>
           </a:p>
         </p:txBody>
       </p:sp>
       <p:pic>
         <p:nvPicPr>
-          <p:cNvPr id="8" name="그림 7">
-            <a:extLst>
-              <a:ext uri="{FF2B5EF4-FFF2-40B4-BE49-F238E27FC236}">
-                <a16:creationId xmlns:a16="http://schemas.microsoft.com/office/drawing/2014/main" id="{6595A38D-35B7-57B6-E1BC-E59A9F11B5E7}"/>
+          <p:cNvPr id="6" name="그림 5">
+            <a:extLst>
+              <a:ext uri="{FF2B5EF4-FFF2-40B4-BE49-F238E27FC236}">
+                <a16:creationId xmlns:a16="http://schemas.microsoft.com/office/drawing/2014/main" id="{650BF02E-45C2-98CD-43AF-1F98C49790FE}"/>
               </a:ext>
             </a:extLst>
           </p:cNvPr>
@@ -12323,18 +14332,96 @@
         </p:blipFill>
         <p:spPr>
           <a:xfrm>
-            <a:off x="392929" y="2202024"/>
-            <a:ext cx="5970756" cy="3320220"/>
+            <a:off x="323528" y="2323322"/>
+            <a:ext cx="6140597" cy="3499480"/>
           </a:xfrm>
           <a:prstGeom prst="rect">
             <a:avLst/>
           </a:prstGeom>
         </p:spPr>
       </p:pic>
+      <p:sp>
+        <p:nvSpPr>
+          <p:cNvPr id="5" name="TextBox 4">
+            <a:extLst>
+              <a:ext uri="{FF2B5EF4-FFF2-40B4-BE49-F238E27FC236}">
+                <a16:creationId xmlns:a16="http://schemas.microsoft.com/office/drawing/2014/main" id="{7EA961C8-F4D8-6C56-7F80-0274C1807C0D}"/>
+              </a:ext>
+            </a:extLst>
+          </p:cNvPr>
+          <p:cNvSpPr txBox="1"/>
+          <p:nvPr/>
+        </p:nvSpPr>
+        <p:spPr>
+          <a:xfrm>
+            <a:off x="4653810" y="2269284"/>
+            <a:ext cx="531845" cy="369332"/>
+          </a:xfrm>
+          <a:prstGeom prst="rect">
+            <a:avLst/>
+          </a:prstGeom>
+          <a:noFill/>
+        </p:spPr>
+        <p:txBody>
+          <a:bodyPr wrap="square" rtlCol="0">
+            <a:spAutoFit/>
+          </a:bodyPr>
+          <a:lstStyle/>
+          <a:p>
+            <a:r>
+              <a:rPr lang="ko-KR" altLang="en-US" b="1" dirty="0">
+                <a:solidFill>
+                  <a:srgbClr val="FF0000"/>
+                </a:solidFill>
+              </a:rPr>
+              <a:t>①</a:t>
+            </a:r>
+          </a:p>
+        </p:txBody>
+      </p:sp>
+      <p:sp>
+        <p:nvSpPr>
+          <p:cNvPr id="7" name="TextBox 6">
+            <a:extLst>
+              <a:ext uri="{FF2B5EF4-FFF2-40B4-BE49-F238E27FC236}">
+                <a16:creationId xmlns:a16="http://schemas.microsoft.com/office/drawing/2014/main" id="{5EF8015E-D3BE-D7E3-F9B5-9C9301C731FC}"/>
+              </a:ext>
+            </a:extLst>
+          </p:cNvPr>
+          <p:cNvSpPr txBox="1"/>
+          <p:nvPr/>
+        </p:nvSpPr>
+        <p:spPr>
+          <a:xfrm>
+            <a:off x="3396656" y="4777969"/>
+            <a:ext cx="531845" cy="369332"/>
+          </a:xfrm>
+          <a:prstGeom prst="rect">
+            <a:avLst/>
+          </a:prstGeom>
+          <a:noFill/>
+        </p:spPr>
+        <p:txBody>
+          <a:bodyPr wrap="square" rtlCol="0">
+            <a:spAutoFit/>
+          </a:bodyPr>
+          <a:lstStyle/>
+          <a:p>
+            <a:r>
+              <a:rPr lang="ko-KR" altLang="en-US" b="1" dirty="0">
+                <a:solidFill>
+                  <a:srgbClr val="FF0000"/>
+                </a:solidFill>
+              </a:rPr>
+              <a:t>②</a:t>
+            </a:r>
+          </a:p>
+        </p:txBody>
+      </p:sp>
     </p:spTree>
     <p:extLst>
       <p:ext uri="{BB962C8B-B14F-4D97-AF65-F5344CB8AC3E}">
-        <p14:creationId xmlns:p14="http://schemas.microsoft.com/office/powerpoint/2010/main" val="3015437297"/>
+        <p14:creationId xmlns:p14="http://schemas.microsoft.com/office/powerpoint/2010/main" val="4161069519"/>
       </p:ext>
     </p:extLst>
   </p:cSld>
@@ -12369,7 +14456,7 @@
           <p:cNvPr id="2" name="제목 1">
             <a:extLst>
               <a:ext uri="{FF2B5EF4-FFF2-40B4-BE49-F238E27FC236}">
-                <a16:creationId xmlns:a16="http://schemas.microsoft.com/office/drawing/2014/main" id="{40692E64-62F0-1BA6-B5D6-BD84382B07F8}"/>
+                <a16:creationId xmlns:a16="http://schemas.microsoft.com/office/drawing/2014/main" id="{E96EA645-9A3A-24EC-9EE3-998C178B6070}"/>
               </a:ext>
             </a:extLst>
           </p:cNvPr>
@@ -12387,7 +14474,7 @@
           <a:p>
             <a:r>
               <a:rPr lang="ko-KR" altLang="en-US" dirty="0"/>
-              <a:t>내 예약 관리</a:t>
+              <a:t>상품 예약 하기</a:t>
             </a:r>
           </a:p>
         </p:txBody>
@@ -12397,7 +14484,7 @@
           <p:cNvPr id="3" name="내용 개체 틀 2">
             <a:extLst>
               <a:ext uri="{FF2B5EF4-FFF2-40B4-BE49-F238E27FC236}">
-                <a16:creationId xmlns:a16="http://schemas.microsoft.com/office/drawing/2014/main" id="{FC2FB919-1A46-1379-BC2A-F70BE0C5843A}"/>
+                <a16:creationId xmlns:a16="http://schemas.microsoft.com/office/drawing/2014/main" id="{7DD8B645-BC9D-CEC7-2E11-7F1F88258FCC}"/>
               </a:ext>
             </a:extLst>
           </p:cNvPr>
@@ -12415,15 +14502,7 @@
           <a:p>
             <a:r>
               <a:rPr lang="ko-KR" altLang="en-US" dirty="0"/>
-              <a:t>내 예약을 조회</a:t>
-            </a:r>
-            <a:r>
-              <a:rPr lang="en-US" altLang="ko-KR" dirty="0"/>
-              <a:t>, </a:t>
-            </a:r>
-            <a:r>
-              <a:rPr lang="ko-KR" altLang="en-US" dirty="0"/>
-              <a:t>관리할 수 있는 화면</a:t>
+              <a:t>앞에서 선택한 화면을 예약할 수 있는 메뉴</a:t>
             </a:r>
           </a:p>
         </p:txBody>
@@ -12433,7 +14512,7 @@
           <p:cNvPr id="4" name="내용 개체 틀 3">
             <a:extLst>
               <a:ext uri="{FF2B5EF4-FFF2-40B4-BE49-F238E27FC236}">
-                <a16:creationId xmlns:a16="http://schemas.microsoft.com/office/drawing/2014/main" id="{F9C4F3EE-6DB2-7379-EF4C-A1C9A1A3DC50}"/>
+                <a16:creationId xmlns:a16="http://schemas.microsoft.com/office/drawing/2014/main" id="{CF02D168-04D0-1D6F-2869-4690B057D661}"/>
               </a:ext>
             </a:extLst>
           </p:cNvPr>
@@ -12454,7 +14533,7 @@
             </a:pPr>
             <a:r>
               <a:rPr lang="ko-KR" altLang="en-US" dirty="0"/>
-              <a:t>예약 상태에 따라서 내 예약 조회 </a:t>
+              <a:t>인원수 입력</a:t>
             </a:r>
             <a:endParaRPr lang="en-US" altLang="ko-KR" dirty="0"/>
           </a:p>
@@ -12464,31 +14543,7 @@
             </a:pPr>
             <a:r>
               <a:rPr lang="ko-KR" altLang="en-US" dirty="0"/>
-              <a:t>예약 번호</a:t>
-            </a:r>
-            <a:r>
-              <a:rPr lang="en-US" altLang="ko-KR" dirty="0"/>
-              <a:t>, </a:t>
-            </a:r>
-            <a:r>
-              <a:rPr lang="ko-KR" altLang="en-US" dirty="0"/>
-              <a:t>인원수</a:t>
-            </a:r>
-            <a:r>
-              <a:rPr lang="en-US" altLang="ko-KR" dirty="0"/>
-              <a:t>, </a:t>
-            </a:r>
-            <a:r>
-              <a:rPr lang="ko-KR" altLang="en-US" dirty="0"/>
-              <a:t>예약 상태</a:t>
-            </a:r>
-            <a:r>
-              <a:rPr lang="en-US" altLang="ko-KR" dirty="0"/>
-              <a:t>, </a:t>
-            </a:r>
-            <a:r>
-              <a:rPr lang="ko-KR" altLang="en-US" dirty="0"/>
-              <a:t>예약생성일 조회 가능</a:t>
+              <a:t>예약 선택</a:t>
             </a:r>
             <a:endParaRPr lang="en-US" altLang="ko-KR" dirty="0"/>
           </a:p>
@@ -12498,33 +14553,31 @@
             </a:pPr>
             <a:r>
               <a:rPr lang="ko-KR" altLang="en-US" dirty="0"/>
-              <a:t>업데이트</a:t>
+              <a:t>버튼을 누르면 예약 등록 후</a:t>
             </a:r>
             <a:r>
               <a:rPr lang="en-US" altLang="ko-KR" dirty="0"/>
-              <a:t>: </a:t>
+              <a:t>, </a:t>
             </a:r>
             <a:r>
               <a:rPr lang="ko-KR" altLang="en-US" dirty="0"/>
-              <a:t>예약의 상태를 변경하는 메뉴로 이동</a:t>
-            </a:r>
-            <a:endParaRPr lang="en-US" altLang="ko-KR" dirty="0"/>
-          </a:p>
-          <a:p>
-            <a:pPr marL="228600" indent="-228600">
-              <a:buAutoNum type="arabicPeriod"/>
-            </a:pPr>
+              <a:t>재고가 </a:t>
+            </a:r>
+            <a:r>
+              <a:rPr lang="en-US" altLang="ko-KR" dirty="0"/>
+              <a:t>0</a:t>
+            </a:r>
             <a:r>
               <a:rPr lang="ko-KR" altLang="en-US" dirty="0"/>
-              <a:t>취소</a:t>
+              <a:t>으로 변경</a:t>
             </a:r>
             <a:r>
               <a:rPr lang="en-US" altLang="ko-KR" dirty="0"/>
-              <a:t>: </a:t>
+              <a:t>, </a:t>
             </a:r>
             <a:r>
               <a:rPr lang="ko-KR" altLang="en-US" dirty="0"/>
-              <a:t>예약을 취소</a:t>
+              <a:t>예약 관리 화면으로 이동</a:t>
             </a:r>
             <a:endParaRPr lang="en-US" altLang="ko-KR" dirty="0"/>
           </a:p>
@@ -12532,10 +14585,10 @@
       </p:sp>
       <p:pic>
         <p:nvPicPr>
-          <p:cNvPr id="9" name="그림 8">
-            <a:extLst>
-              <a:ext uri="{FF2B5EF4-FFF2-40B4-BE49-F238E27FC236}">
-                <a16:creationId xmlns:a16="http://schemas.microsoft.com/office/drawing/2014/main" id="{8148D73A-D35B-D7DB-BBEC-1B41C21FC3F7}"/>
+          <p:cNvPr id="8" name="그림 7">
+            <a:extLst>
+              <a:ext uri="{FF2B5EF4-FFF2-40B4-BE49-F238E27FC236}">
+                <a16:creationId xmlns:a16="http://schemas.microsoft.com/office/drawing/2014/main" id="{6595A38D-35B7-57B6-E1BC-E59A9F11B5E7}"/>
               </a:ext>
             </a:extLst>
           </p:cNvPr>
@@ -12552,18 +14605,135 @@
         </p:blipFill>
         <p:spPr>
           <a:xfrm>
-            <a:off x="323528" y="2668555"/>
-            <a:ext cx="6075234" cy="2303777"/>
+            <a:off x="392929" y="2202024"/>
+            <a:ext cx="5970756" cy="3320220"/>
           </a:xfrm>
           <a:prstGeom prst="rect">
             <a:avLst/>
           </a:prstGeom>
         </p:spPr>
       </p:pic>
+      <p:sp>
+        <p:nvSpPr>
+          <p:cNvPr id="5" name="TextBox 4">
+            <a:extLst>
+              <a:ext uri="{FF2B5EF4-FFF2-40B4-BE49-F238E27FC236}">
+                <a16:creationId xmlns:a16="http://schemas.microsoft.com/office/drawing/2014/main" id="{729C79A5-2F92-0C01-575F-7B9DC7166C49}"/>
+              </a:ext>
+            </a:extLst>
+          </p:cNvPr>
+          <p:cNvSpPr txBox="1"/>
+          <p:nvPr/>
+        </p:nvSpPr>
+        <p:spPr>
+          <a:xfrm>
+            <a:off x="1730828" y="2721029"/>
+            <a:ext cx="531845" cy="369332"/>
+          </a:xfrm>
+          <a:prstGeom prst="rect">
+            <a:avLst/>
+          </a:prstGeom>
+          <a:noFill/>
+        </p:spPr>
+        <p:txBody>
+          <a:bodyPr wrap="square" rtlCol="0">
+            <a:spAutoFit/>
+          </a:bodyPr>
+          <a:lstStyle/>
+          <a:p>
+            <a:r>
+              <a:rPr lang="ko-KR" altLang="en-US" b="1" dirty="0">
+                <a:solidFill>
+                  <a:srgbClr val="FF0000"/>
+                </a:solidFill>
+              </a:rPr>
+              <a:t>①</a:t>
+            </a:r>
+          </a:p>
+        </p:txBody>
+      </p:sp>
+      <p:sp>
+        <p:nvSpPr>
+          <p:cNvPr id="6" name="TextBox 5">
+            <a:extLst>
+              <a:ext uri="{FF2B5EF4-FFF2-40B4-BE49-F238E27FC236}">
+                <a16:creationId xmlns:a16="http://schemas.microsoft.com/office/drawing/2014/main" id="{84A69244-A56F-649B-9FFC-009ACF6EC1FB}"/>
+              </a:ext>
+            </a:extLst>
+          </p:cNvPr>
+          <p:cNvSpPr txBox="1"/>
+          <p:nvPr/>
+        </p:nvSpPr>
+        <p:spPr>
+          <a:xfrm>
+            <a:off x="2132084" y="3240034"/>
+            <a:ext cx="531845" cy="369332"/>
+          </a:xfrm>
+          <a:prstGeom prst="rect">
+            <a:avLst/>
+          </a:prstGeom>
+          <a:noFill/>
+        </p:spPr>
+        <p:txBody>
+          <a:bodyPr wrap="square" rtlCol="0">
+            <a:spAutoFit/>
+          </a:bodyPr>
+          <a:lstStyle/>
+          <a:p>
+            <a:r>
+              <a:rPr lang="ko-KR" altLang="en-US" b="1" dirty="0">
+                <a:solidFill>
+                  <a:srgbClr val="FF0000"/>
+                </a:solidFill>
+              </a:rPr>
+              <a:t>②</a:t>
+            </a:r>
+          </a:p>
+        </p:txBody>
+      </p:sp>
+      <p:sp>
+        <p:nvSpPr>
+          <p:cNvPr id="7" name="TextBox 6">
+            <a:extLst>
+              <a:ext uri="{FF2B5EF4-FFF2-40B4-BE49-F238E27FC236}">
+                <a16:creationId xmlns:a16="http://schemas.microsoft.com/office/drawing/2014/main" id="{F52D5E20-2DB7-21E0-9467-BDD662022A01}"/>
+              </a:ext>
+            </a:extLst>
+          </p:cNvPr>
+          <p:cNvSpPr txBox="1"/>
+          <p:nvPr/>
+        </p:nvSpPr>
+        <p:spPr>
+          <a:xfrm>
+            <a:off x="1600239" y="3862134"/>
+            <a:ext cx="531845" cy="369332"/>
+          </a:xfrm>
+          <a:prstGeom prst="rect">
+            <a:avLst/>
+          </a:prstGeom>
+          <a:noFill/>
+        </p:spPr>
+        <p:txBody>
+          <a:bodyPr wrap="square" rtlCol="0">
+            <a:spAutoFit/>
+          </a:bodyPr>
+          <a:lstStyle/>
+          <a:p>
+            <a:r>
+              <a:rPr lang="ko-KR" altLang="en-US" b="1" dirty="0">
+                <a:solidFill>
+                  <a:srgbClr val="FF0000"/>
+                </a:solidFill>
+              </a:rPr>
+              <a:t>③</a:t>
+            </a:r>
+          </a:p>
+        </p:txBody>
+      </p:sp>
     </p:spTree>
     <p:extLst>
       <p:ext uri="{BB962C8B-B14F-4D97-AF65-F5344CB8AC3E}">
-        <p14:creationId xmlns:p14="http://schemas.microsoft.com/office/powerpoint/2010/main" val="1276112771"/>
+        <p14:creationId xmlns:p14="http://schemas.microsoft.com/office/powerpoint/2010/main" val="3015437297"/>
       </p:ext>
     </p:extLst>
   </p:cSld>
@@ -12598,7 +14768,7 @@
           <p:cNvPr id="2" name="제목 1">
             <a:extLst>
               <a:ext uri="{FF2B5EF4-FFF2-40B4-BE49-F238E27FC236}">
-                <a16:creationId xmlns:a16="http://schemas.microsoft.com/office/drawing/2014/main" id="{4AF9835A-ACDC-6F30-33C1-EC2194F9EB41}"/>
+                <a16:creationId xmlns:a16="http://schemas.microsoft.com/office/drawing/2014/main" id="{40692E64-62F0-1BA6-B5D6-BD84382B07F8}"/>
               </a:ext>
             </a:extLst>
           </p:cNvPr>
@@ -12618,14 +14788,6 @@
               <a:rPr lang="ko-KR" altLang="en-US" dirty="0"/>
               <a:t>내 예약 관리</a:t>
             </a:r>
-            <a:r>
-              <a:rPr lang="en-US" altLang="ko-KR" dirty="0"/>
-              <a:t>-</a:t>
-            </a:r>
-            <a:r>
-              <a:rPr lang="ko-KR" altLang="en-US" dirty="0"/>
-              <a:t>예약 상태 수정</a:t>
-            </a:r>
           </a:p>
         </p:txBody>
       </p:sp>
@@ -12634,7 +14796,7 @@
           <p:cNvPr id="3" name="내용 개체 틀 2">
             <a:extLst>
               <a:ext uri="{FF2B5EF4-FFF2-40B4-BE49-F238E27FC236}">
-                <a16:creationId xmlns:a16="http://schemas.microsoft.com/office/drawing/2014/main" id="{D985A805-E15F-6B71-7C10-5E3D1C4B7113}"/>
+                <a16:creationId xmlns:a16="http://schemas.microsoft.com/office/drawing/2014/main" id="{FC2FB919-1A46-1379-BC2A-F70BE0C5843A}"/>
               </a:ext>
             </a:extLst>
           </p:cNvPr>
@@ -12652,7 +14814,15 @@
           <a:p>
             <a:r>
               <a:rPr lang="ko-KR" altLang="en-US" dirty="0"/>
-              <a:t>내 예약관리에서 업데이트 버튼 선택 시 넘어오는 예약 상태 업데이트 메뉴</a:t>
+              <a:t>내 예약을 조회</a:t>
+            </a:r>
+            <a:r>
+              <a:rPr lang="en-US" altLang="ko-KR" dirty="0"/>
+              <a:t>, </a:t>
+            </a:r>
+            <a:r>
+              <a:rPr lang="ko-KR" altLang="en-US" dirty="0"/>
+              <a:t>관리할 수 있는 화면</a:t>
             </a:r>
           </a:p>
         </p:txBody>
@@ -12662,7 +14832,7 @@
           <p:cNvPr id="4" name="내용 개체 틀 3">
             <a:extLst>
               <a:ext uri="{FF2B5EF4-FFF2-40B4-BE49-F238E27FC236}">
-                <a16:creationId xmlns:a16="http://schemas.microsoft.com/office/drawing/2014/main" id="{EBE0FE9D-A1CD-8C9B-9957-7FDA62C7A77F}"/>
+                <a16:creationId xmlns:a16="http://schemas.microsoft.com/office/drawing/2014/main" id="{F9C4F3EE-6DB2-7379-EF4C-A1C9A1A3DC50}"/>
               </a:ext>
             </a:extLst>
           </p:cNvPr>
@@ -12683,7 +14853,7 @@
             </a:pPr>
             <a:r>
               <a:rPr lang="ko-KR" altLang="en-US" dirty="0"/>
-              <a:t>인원 수 변경 가능</a:t>
+              <a:t>예약 상태에 따라서 내 예약 조회 </a:t>
             </a:r>
             <a:endParaRPr lang="en-US" altLang="ko-KR" dirty="0"/>
           </a:p>
@@ -12693,23 +14863,67 @@
             </a:pPr>
             <a:r>
               <a:rPr lang="ko-KR" altLang="en-US" dirty="0"/>
+              <a:t>예약 번호</a:t>
+            </a:r>
+            <a:r>
+              <a:rPr lang="en-US" altLang="ko-KR" dirty="0"/>
+              <a:t>, </a:t>
+            </a:r>
+            <a:r>
+              <a:rPr lang="ko-KR" altLang="en-US" dirty="0"/>
+              <a:t>인원수</a:t>
+            </a:r>
+            <a:r>
+              <a:rPr lang="en-US" altLang="ko-KR" dirty="0"/>
+              <a:t>, </a:t>
+            </a:r>
+            <a:r>
+              <a:rPr lang="ko-KR" altLang="en-US" dirty="0"/>
               <a:t>예약 상태</a:t>
             </a:r>
             <a:r>
               <a:rPr lang="en-US" altLang="ko-KR" dirty="0"/>
-              <a:t>(</a:t>
+              <a:t>, </a:t>
             </a:r>
             <a:r>
               <a:rPr lang="ko-KR" altLang="en-US" dirty="0"/>
-              <a:t>예약 → 확정</a:t>
+              <a:t>예약생성일 조회 가능</a:t>
+            </a:r>
+            <a:endParaRPr lang="en-US" altLang="ko-KR" dirty="0"/>
+          </a:p>
+          <a:p>
+            <a:pPr marL="228600" indent="-228600">
+              <a:buAutoNum type="arabicPeriod"/>
+            </a:pPr>
+            <a:r>
+              <a:rPr lang="ko-KR" altLang="en-US" dirty="0"/>
+              <a:t>업데이트</a:t>
             </a:r>
             <a:r>
               <a:rPr lang="en-US" altLang="ko-KR" dirty="0"/>
-              <a:t>)</a:t>
+              <a:t>: </a:t>
             </a:r>
             <a:r>
               <a:rPr lang="ko-KR" altLang="en-US" dirty="0"/>
-              <a:t>으로 변경 가능</a:t>
+              <a:t>예약의 상태를 변경하는 메뉴로 이동</a:t>
+            </a:r>
+            <a:endParaRPr lang="en-US" altLang="ko-KR" dirty="0"/>
+          </a:p>
+          <a:p>
+            <a:pPr marL="228600" indent="-228600">
+              <a:buAutoNum type="arabicPeriod"/>
+            </a:pPr>
+            <a:r>
+              <a:rPr lang="ko-KR" altLang="en-US" dirty="0"/>
+              <a:t>취소</a:t>
+            </a:r>
+            <a:r>
+              <a:rPr lang="en-US" altLang="ko-KR" dirty="0"/>
+              <a:t>: </a:t>
+            </a:r>
+            <a:r>
+              <a:rPr lang="ko-KR" altLang="en-US" dirty="0"/>
+              <a:t>예약을 취소</a:t>
             </a:r>
             <a:endParaRPr lang="en-US" altLang="ko-KR" dirty="0"/>
           </a:p>
@@ -12717,10 +14931,10 @@
       </p:sp>
       <p:pic>
         <p:nvPicPr>
-          <p:cNvPr id="8" name="그림 7">
-            <a:extLst>
-              <a:ext uri="{FF2B5EF4-FFF2-40B4-BE49-F238E27FC236}">
-                <a16:creationId xmlns:a16="http://schemas.microsoft.com/office/drawing/2014/main" id="{E51F1896-8853-8E0C-3C29-6456183EAA56}"/>
+          <p:cNvPr id="9" name="그림 8">
+            <a:extLst>
+              <a:ext uri="{FF2B5EF4-FFF2-40B4-BE49-F238E27FC236}">
+                <a16:creationId xmlns:a16="http://schemas.microsoft.com/office/drawing/2014/main" id="{8148D73A-D35B-D7DB-BBEC-1B41C21FC3F7}"/>
               </a:ext>
             </a:extLst>
           </p:cNvPr>
@@ -12737,14 +14951,472 @@
         </p:blipFill>
         <p:spPr>
           <a:xfrm>
-            <a:off x="415298" y="1940768"/>
-            <a:ext cx="5975713" cy="3288072"/>
+            <a:off x="323528" y="2668555"/>
+            <a:ext cx="6075234" cy="2303777"/>
           </a:xfrm>
           <a:prstGeom prst="rect">
             <a:avLst/>
           </a:prstGeom>
         </p:spPr>
       </p:pic>
+      <p:sp>
+        <p:nvSpPr>
+          <p:cNvPr id="5" name="TextBox 4">
+            <a:extLst>
+              <a:ext uri="{FF2B5EF4-FFF2-40B4-BE49-F238E27FC236}">
+                <a16:creationId xmlns:a16="http://schemas.microsoft.com/office/drawing/2014/main" id="{4B459371-6336-B270-D909-62B950592EA8}"/>
+              </a:ext>
+            </a:extLst>
+          </p:cNvPr>
+          <p:cNvSpPr txBox="1"/>
+          <p:nvPr/>
+        </p:nvSpPr>
+        <p:spPr>
+          <a:xfrm>
+            <a:off x="929364" y="2875919"/>
+            <a:ext cx="531845" cy="369332"/>
+          </a:xfrm>
+          <a:prstGeom prst="rect">
+            <a:avLst/>
+          </a:prstGeom>
+          <a:noFill/>
+        </p:spPr>
+        <p:txBody>
+          <a:bodyPr wrap="square" rtlCol="0">
+            <a:spAutoFit/>
+          </a:bodyPr>
+          <a:lstStyle/>
+          <a:p>
+            <a:r>
+              <a:rPr lang="ko-KR" altLang="en-US" b="1" dirty="0">
+                <a:solidFill>
+                  <a:srgbClr val="FF0000"/>
+                </a:solidFill>
+              </a:rPr>
+              <a:t>①</a:t>
+            </a:r>
+          </a:p>
+        </p:txBody>
+      </p:sp>
+      <p:sp>
+        <p:nvSpPr>
+          <p:cNvPr id="6" name="TextBox 5">
+            <a:extLst>
+              <a:ext uri="{FF2B5EF4-FFF2-40B4-BE49-F238E27FC236}">
+                <a16:creationId xmlns:a16="http://schemas.microsoft.com/office/drawing/2014/main" id="{1EF5CDF5-D114-66A7-D14D-C99863DBC650}"/>
+              </a:ext>
+            </a:extLst>
+          </p:cNvPr>
+          <p:cNvSpPr txBox="1"/>
+          <p:nvPr/>
+        </p:nvSpPr>
+        <p:spPr>
+          <a:xfrm>
+            <a:off x="300502" y="3820443"/>
+            <a:ext cx="531845" cy="369332"/>
+          </a:xfrm>
+          <a:prstGeom prst="rect">
+            <a:avLst/>
+          </a:prstGeom>
+          <a:noFill/>
+        </p:spPr>
+        <p:txBody>
+          <a:bodyPr wrap="square" rtlCol="0">
+            <a:spAutoFit/>
+          </a:bodyPr>
+          <a:lstStyle/>
+          <a:p>
+            <a:r>
+              <a:rPr lang="ko-KR" altLang="en-US" b="1" dirty="0">
+                <a:solidFill>
+                  <a:srgbClr val="FF0000"/>
+                </a:solidFill>
+              </a:rPr>
+              <a:t>②</a:t>
+            </a:r>
+          </a:p>
+        </p:txBody>
+      </p:sp>
+      <p:sp>
+        <p:nvSpPr>
+          <p:cNvPr id="7" name="TextBox 6">
+            <a:extLst>
+              <a:ext uri="{FF2B5EF4-FFF2-40B4-BE49-F238E27FC236}">
+                <a16:creationId xmlns:a16="http://schemas.microsoft.com/office/drawing/2014/main" id="{89D0EDEA-23C3-9119-00F0-D8AEFAA27733}"/>
+              </a:ext>
+            </a:extLst>
+          </p:cNvPr>
+          <p:cNvSpPr txBox="1"/>
+          <p:nvPr/>
+        </p:nvSpPr>
+        <p:spPr>
+          <a:xfrm>
+            <a:off x="4590962" y="3570278"/>
+            <a:ext cx="531845" cy="369332"/>
+          </a:xfrm>
+          <a:prstGeom prst="rect">
+            <a:avLst/>
+          </a:prstGeom>
+          <a:noFill/>
+        </p:spPr>
+        <p:txBody>
+          <a:bodyPr wrap="square" rtlCol="0">
+            <a:spAutoFit/>
+          </a:bodyPr>
+          <a:lstStyle/>
+          <a:p>
+            <a:r>
+              <a:rPr lang="ko-KR" altLang="en-US" b="1" dirty="0">
+                <a:solidFill>
+                  <a:srgbClr val="FF0000"/>
+                </a:solidFill>
+              </a:rPr>
+              <a:t>③</a:t>
+            </a:r>
+          </a:p>
+        </p:txBody>
+      </p:sp>
+      <p:sp>
+        <p:nvSpPr>
+          <p:cNvPr id="8" name="TextBox 7">
+            <a:extLst>
+              <a:ext uri="{FF2B5EF4-FFF2-40B4-BE49-F238E27FC236}">
+                <a16:creationId xmlns:a16="http://schemas.microsoft.com/office/drawing/2014/main" id="{E870B11D-6345-FD41-48F4-4D67A9B474C0}"/>
+              </a:ext>
+            </a:extLst>
+          </p:cNvPr>
+          <p:cNvSpPr txBox="1"/>
+          <p:nvPr/>
+        </p:nvSpPr>
+        <p:spPr>
+          <a:xfrm>
+            <a:off x="5564541" y="3570278"/>
+            <a:ext cx="531845" cy="369332"/>
+          </a:xfrm>
+          <a:prstGeom prst="rect">
+            <a:avLst/>
+          </a:prstGeom>
+          <a:noFill/>
+        </p:spPr>
+        <p:txBody>
+          <a:bodyPr wrap="square" rtlCol="0">
+            <a:spAutoFit/>
+          </a:bodyPr>
+          <a:lstStyle/>
+          <a:p>
+            <a:r>
+              <a:rPr lang="ko-KR" altLang="en-US" b="1" dirty="0">
+                <a:solidFill>
+                  <a:srgbClr val="FF0000"/>
+                </a:solidFill>
+              </a:rPr>
+              <a:t>④</a:t>
+            </a:r>
+          </a:p>
+        </p:txBody>
+      </p:sp>
+    </p:spTree>
+    <p:extLst>
+      <p:ext uri="{BB962C8B-B14F-4D97-AF65-F5344CB8AC3E}">
+        <p14:creationId xmlns:p14="http://schemas.microsoft.com/office/powerpoint/2010/main" val="1276112771"/>
+      </p:ext>
+    </p:extLst>
+  </p:cSld>
+  <p:clrMapOvr>
+    <a:masterClrMapping/>
+  </p:clrMapOvr>
+  <p:transition>
+    <p:fade thruBlk="1"/>
+  </p:transition>
+</p:sld>
+</file>
+
+<file path=ppt/slides/slide34.xml><?xml version="1.0" encoding="utf-8"?>
+<p:sld xmlns:a="http://schemas.openxmlformats.org/drawingml/2006/main" xmlns:r="http://schemas.openxmlformats.org/officeDocument/2006/relationships" xmlns:p="http://schemas.openxmlformats.org/presentationml/2006/main">
+  <p:cSld>
+    <p:spTree>
+      <p:nvGrpSpPr>
+        <p:cNvPr id="1" name=""/>
+        <p:cNvGrpSpPr/>
+        <p:nvPr/>
+      </p:nvGrpSpPr>
+      <p:grpSpPr>
+        <a:xfrm>
+          <a:off x="0" y="0"/>
+          <a:ext cx="0" cy="0"/>
+          <a:chOff x="0" y="0"/>
+          <a:chExt cx="0" cy="0"/>
+        </a:xfrm>
+      </p:grpSpPr>
+      <p:sp>
+        <p:nvSpPr>
+          <p:cNvPr id="2" name="제목 1">
+            <a:extLst>
+              <a:ext uri="{FF2B5EF4-FFF2-40B4-BE49-F238E27FC236}">
+                <a16:creationId xmlns:a16="http://schemas.microsoft.com/office/drawing/2014/main" id="{4AF9835A-ACDC-6F30-33C1-EC2194F9EB41}"/>
+              </a:ext>
+            </a:extLst>
+          </p:cNvPr>
+          <p:cNvSpPr>
+            <a:spLocks noGrp="1"/>
+          </p:cNvSpPr>
+          <p:nvPr>
+            <p:ph type="title"/>
+          </p:nvPr>
+        </p:nvSpPr>
+        <p:spPr/>
+        <p:txBody>
+          <a:bodyPr/>
+          <a:lstStyle/>
+          <a:p>
+            <a:r>
+              <a:rPr lang="ko-KR" altLang="en-US" dirty="0"/>
+              <a:t>내 예약 관리</a:t>
+            </a:r>
+            <a:r>
+              <a:rPr lang="en-US" altLang="ko-KR" dirty="0"/>
+              <a:t>-</a:t>
+            </a:r>
+            <a:r>
+              <a:rPr lang="ko-KR" altLang="en-US" dirty="0"/>
+              <a:t>예약 상태 수정</a:t>
+            </a:r>
+          </a:p>
+        </p:txBody>
+      </p:sp>
+      <p:sp>
+        <p:nvSpPr>
+          <p:cNvPr id="3" name="내용 개체 틀 2">
+            <a:extLst>
+              <a:ext uri="{FF2B5EF4-FFF2-40B4-BE49-F238E27FC236}">
+                <a16:creationId xmlns:a16="http://schemas.microsoft.com/office/drawing/2014/main" id="{D985A805-E15F-6B71-7C10-5E3D1C4B7113}"/>
+              </a:ext>
+            </a:extLst>
+          </p:cNvPr>
+          <p:cNvSpPr>
+            <a:spLocks noGrp="1"/>
+          </p:cNvSpPr>
+          <p:nvPr>
+            <p:ph idx="1"/>
+          </p:nvPr>
+        </p:nvSpPr>
+        <p:spPr/>
+        <p:txBody>
+          <a:bodyPr/>
+          <a:lstStyle/>
+          <a:p>
+            <a:r>
+              <a:rPr lang="ko-KR" altLang="en-US" dirty="0"/>
+              <a:t>내 예약관리에서 업데이트 버튼 선택 시 넘어오는 예약 상태 업데이트 메뉴</a:t>
+            </a:r>
+          </a:p>
+        </p:txBody>
+      </p:sp>
+      <p:sp>
+        <p:nvSpPr>
+          <p:cNvPr id="4" name="내용 개체 틀 3">
+            <a:extLst>
+              <a:ext uri="{FF2B5EF4-FFF2-40B4-BE49-F238E27FC236}">
+                <a16:creationId xmlns:a16="http://schemas.microsoft.com/office/drawing/2014/main" id="{EBE0FE9D-A1CD-8C9B-9957-7FDA62C7A77F}"/>
+              </a:ext>
+            </a:extLst>
+          </p:cNvPr>
+          <p:cNvSpPr>
+            <a:spLocks noGrp="1"/>
+          </p:cNvSpPr>
+          <p:nvPr>
+            <p:ph sz="half" idx="2"/>
+          </p:nvPr>
+        </p:nvSpPr>
+        <p:spPr/>
+        <p:txBody>
+          <a:bodyPr/>
+          <a:lstStyle/>
+          <a:p>
+            <a:pPr marL="228600" indent="-228600">
+              <a:buAutoNum type="arabicPeriod"/>
+            </a:pPr>
+            <a:r>
+              <a:rPr lang="ko-KR" altLang="en-US" dirty="0"/>
+              <a:t>인원 수 변경 가능</a:t>
+            </a:r>
+            <a:endParaRPr lang="en-US" altLang="ko-KR" dirty="0"/>
+          </a:p>
+          <a:p>
+            <a:pPr marL="228600" indent="-228600">
+              <a:buAutoNum type="arabicPeriod"/>
+            </a:pPr>
+            <a:r>
+              <a:rPr lang="ko-KR" altLang="en-US" dirty="0"/>
+              <a:t>예약 상태</a:t>
+            </a:r>
+            <a:r>
+              <a:rPr lang="en-US" altLang="ko-KR" dirty="0"/>
+              <a:t>(</a:t>
+            </a:r>
+            <a:r>
+              <a:rPr lang="ko-KR" altLang="en-US" dirty="0"/>
+              <a:t>예약 → 확정</a:t>
+            </a:r>
+            <a:r>
+              <a:rPr lang="en-US" altLang="ko-KR" dirty="0"/>
+              <a:t>)</a:t>
+            </a:r>
+            <a:r>
+              <a:rPr lang="ko-KR" altLang="en-US" dirty="0"/>
+              <a:t>으로 변경 가능</a:t>
+            </a:r>
+            <a:endParaRPr lang="en-US" altLang="ko-KR" dirty="0"/>
+          </a:p>
+        </p:txBody>
+      </p:sp>
+      <p:pic>
+        <p:nvPicPr>
+          <p:cNvPr id="8" name="그림 7">
+            <a:extLst>
+              <a:ext uri="{FF2B5EF4-FFF2-40B4-BE49-F238E27FC236}">
+                <a16:creationId xmlns:a16="http://schemas.microsoft.com/office/drawing/2014/main" id="{E51F1896-8853-8E0C-3C29-6456183EAA56}"/>
+              </a:ext>
+            </a:extLst>
+          </p:cNvPr>
+          <p:cNvPicPr>
+            <a:picLocks noChangeAspect="1"/>
+          </p:cNvPicPr>
+          <p:nvPr/>
+        </p:nvPicPr>
+        <p:blipFill>
+          <a:blip r:embed="rId2"/>
+          <a:stretch>
+            <a:fillRect/>
+          </a:stretch>
+        </p:blipFill>
+        <p:spPr>
+          <a:xfrm>
+            <a:off x="415298" y="1940768"/>
+            <a:ext cx="5975713" cy="3288072"/>
+          </a:xfrm>
+          <a:prstGeom prst="rect">
+            <a:avLst/>
+          </a:prstGeom>
+        </p:spPr>
+      </p:pic>
+      <p:sp>
+        <p:nvSpPr>
+          <p:cNvPr id="5" name="TextBox 4">
+            <a:extLst>
+              <a:ext uri="{FF2B5EF4-FFF2-40B4-BE49-F238E27FC236}">
+                <a16:creationId xmlns:a16="http://schemas.microsoft.com/office/drawing/2014/main" id="{8969DEA7-5240-D4E6-1001-F1776F625226}"/>
+              </a:ext>
+            </a:extLst>
+          </p:cNvPr>
+          <p:cNvSpPr txBox="1"/>
+          <p:nvPr/>
+        </p:nvSpPr>
+        <p:spPr>
+          <a:xfrm>
+            <a:off x="331891" y="2501299"/>
+            <a:ext cx="531845" cy="369332"/>
+          </a:xfrm>
+          <a:prstGeom prst="rect">
+            <a:avLst/>
+          </a:prstGeom>
+          <a:noFill/>
+        </p:spPr>
+        <p:txBody>
+          <a:bodyPr wrap="square" rtlCol="0">
+            <a:spAutoFit/>
+          </a:bodyPr>
+          <a:lstStyle/>
+          <a:p>
+            <a:r>
+              <a:rPr lang="ko-KR" altLang="en-US" b="1" dirty="0">
+                <a:solidFill>
+                  <a:srgbClr val="FF0000"/>
+                </a:solidFill>
+              </a:rPr>
+              <a:t>①</a:t>
+            </a:r>
+          </a:p>
+        </p:txBody>
+      </p:sp>
+      <p:sp>
+        <p:nvSpPr>
+          <p:cNvPr id="6" name="TextBox 5">
+            <a:extLst>
+              <a:ext uri="{FF2B5EF4-FFF2-40B4-BE49-F238E27FC236}">
+                <a16:creationId xmlns:a16="http://schemas.microsoft.com/office/drawing/2014/main" id="{DF877FCA-E8FA-B28D-67AB-0116867ECDE1}"/>
+              </a:ext>
+            </a:extLst>
+          </p:cNvPr>
+          <p:cNvSpPr txBox="1"/>
+          <p:nvPr/>
+        </p:nvSpPr>
+        <p:spPr>
+          <a:xfrm>
+            <a:off x="331891" y="2997218"/>
+            <a:ext cx="531845" cy="369332"/>
+          </a:xfrm>
+          <a:prstGeom prst="rect">
+            <a:avLst/>
+          </a:prstGeom>
+          <a:noFill/>
+        </p:spPr>
+        <p:txBody>
+          <a:bodyPr wrap="square" rtlCol="0">
+            <a:spAutoFit/>
+          </a:bodyPr>
+          <a:lstStyle/>
+          <a:p>
+            <a:r>
+              <a:rPr lang="ko-KR" altLang="en-US" b="1" dirty="0">
+                <a:solidFill>
+                  <a:srgbClr val="FF0000"/>
+                </a:solidFill>
+              </a:rPr>
+              <a:t>②</a:t>
+            </a:r>
+          </a:p>
+        </p:txBody>
+      </p:sp>
+      <p:sp>
+        <p:nvSpPr>
+          <p:cNvPr id="7" name="TextBox 6">
+            <a:extLst>
+              <a:ext uri="{FF2B5EF4-FFF2-40B4-BE49-F238E27FC236}">
+                <a16:creationId xmlns:a16="http://schemas.microsoft.com/office/drawing/2014/main" id="{CC99DFAA-5AA4-6C6E-5C46-204917690492}"/>
+              </a:ext>
+            </a:extLst>
+          </p:cNvPr>
+          <p:cNvSpPr txBox="1"/>
+          <p:nvPr/>
+        </p:nvSpPr>
+        <p:spPr>
+          <a:xfrm>
+            <a:off x="1087329" y="3429000"/>
+            <a:ext cx="531845" cy="369332"/>
+          </a:xfrm>
+          <a:prstGeom prst="rect">
+            <a:avLst/>
+          </a:prstGeom>
+          <a:noFill/>
+        </p:spPr>
+        <p:txBody>
+          <a:bodyPr wrap="square" rtlCol="0">
+            <a:spAutoFit/>
+          </a:bodyPr>
+          <a:lstStyle/>
+          <a:p>
+            <a:r>
+              <a:rPr lang="ko-KR" altLang="en-US" b="1" dirty="0">
+                <a:solidFill>
+                  <a:srgbClr val="FF0000"/>
+                </a:solidFill>
+              </a:rPr>
+              <a:t>③</a:t>
+            </a:r>
+          </a:p>
+        </p:txBody>
+      </p:sp>
     </p:spTree>
     <p:extLst>
       <p:ext uri="{BB962C8B-B14F-4D97-AF65-F5344CB8AC3E}">
@@ -12758,6 +15430,167 @@
   <p:transition>
     <p:fade thruBlk="1"/>
   </p:transition>
+</p:sld>
+</file>
+
+<file path=ppt/slides/slide35.xml><?xml version="1.0" encoding="utf-8"?>
+<p:sld xmlns:a="http://schemas.openxmlformats.org/drawingml/2006/main" xmlns:r="http://schemas.openxmlformats.org/officeDocument/2006/relationships" xmlns:p="http://schemas.openxmlformats.org/presentationml/2006/main">
+  <p:cSld>
+    <p:spTree>
+      <p:nvGrpSpPr>
+        <p:cNvPr id="1" name=""/>
+        <p:cNvGrpSpPr/>
+        <p:nvPr/>
+      </p:nvGrpSpPr>
+      <p:grpSpPr>
+        <a:xfrm>
+          <a:off x="0" y="0"/>
+          <a:ext cx="0" cy="0"/>
+          <a:chOff x="0" y="0"/>
+          <a:chExt cx="0" cy="0"/>
+        </a:xfrm>
+      </p:grpSpPr>
+      <p:sp>
+        <p:nvSpPr>
+          <p:cNvPr id="2" name="사각형: 둥근 모서리 19">
+            <a:extLst>
+              <a:ext uri="{FF2B5EF4-FFF2-40B4-BE49-F238E27FC236}">
+                <a16:creationId xmlns:a16="http://schemas.microsoft.com/office/drawing/2014/main" id="{049E8B75-085D-5F7E-702B-C7368B66EF5D}"/>
+              </a:ext>
+            </a:extLst>
+          </p:cNvPr>
+          <p:cNvSpPr/>
+          <p:nvPr/>
+        </p:nvSpPr>
+        <p:spPr>
+          <a:xfrm>
+            <a:off x="258618" y="184727"/>
+            <a:ext cx="8626764" cy="914400"/>
+          </a:xfrm>
+          <a:prstGeom prst="roundRect">
+            <a:avLst/>
+          </a:prstGeom>
+          <a:solidFill>
+            <a:srgbClr val="284B53"/>
+          </a:solidFill>
+          <a:ln>
+            <a:noFill/>
+          </a:ln>
+        </p:spPr>
+        <p:style>
+          <a:lnRef idx="2">
+            <a:schemeClr val="accent1">
+              <a:shade val="15000"/>
+            </a:schemeClr>
+          </a:lnRef>
+          <a:fillRef idx="1">
+            <a:schemeClr val="accent1"/>
+          </a:fillRef>
+          <a:effectRef idx="0">
+            <a:schemeClr val="accent1"/>
+          </a:effectRef>
+          <a:fontRef idx="minor">
+            <a:schemeClr val="lt1"/>
+          </a:fontRef>
+        </p:style>
+        <p:txBody>
+          <a:bodyPr rtlCol="0" anchor="ctr"/>
+          <a:lstStyle/>
+          <a:p>
+            <a:pPr marL="0" marR="0" lvl="0" indent="0" algn="ctr" defTabSz="457200" rtl="0" eaLnBrk="1" fontAlgn="auto" latinLnBrk="0" hangingPunct="1">
+              <a:lnSpc>
+                <a:spcPct val="100000"/>
+              </a:lnSpc>
+              <a:spcBef>
+                <a:spcPts val="0"/>
+              </a:spcBef>
+              <a:spcAft>
+                <a:spcPts val="0"/>
+              </a:spcAft>
+              <a:buClrTx/>
+              <a:buSzTx/>
+              <a:buFontTx/>
+              <a:buNone/>
+              <a:tabLst/>
+              <a:defRPr/>
+            </a:pPr>
+            <a:r>
+              <a:rPr lang="ko-KR" altLang="en-US" sz="3200" dirty="0" err="1">
+                <a:solidFill>
+                  <a:srgbClr val="FFF7EA"/>
+                </a:solidFill>
+                <a:latin typeface="맑은 고딕" panose="020B0503020000020004" pitchFamily="50" charset="-127"/>
+                <a:ea typeface="맑은 고딕" panose="020B0503020000020004" pitchFamily="50" charset="-127"/>
+              </a:rPr>
+              <a:t>메이븐</a:t>
+            </a:r>
+            <a:r>
+              <a:rPr lang="ko-KR" altLang="en-US" sz="3200" dirty="0">
+                <a:solidFill>
+                  <a:srgbClr val="FFF7EA"/>
+                </a:solidFill>
+                <a:latin typeface="맑은 고딕" panose="020B0503020000020004" pitchFamily="50" charset="-127"/>
+                <a:ea typeface="맑은 고딕" panose="020B0503020000020004" pitchFamily="50" charset="-127"/>
+              </a:rPr>
+              <a:t> 빌드 및 배포</a:t>
+            </a:r>
+            <a:endParaRPr kumimoji="0" lang="ko-KR" altLang="en-US" sz="3200" b="0" i="0" u="none" strike="noStrike" kern="1200" cap="none" spc="0" normalizeH="0" baseline="0" noProof="0" dirty="0">
+              <a:ln>
+                <a:noFill/>
+              </a:ln>
+              <a:solidFill>
+                <a:srgbClr val="FFF7EA"/>
+              </a:solidFill>
+              <a:effectLst/>
+              <a:uLnTx/>
+              <a:uFillTx/>
+              <a:latin typeface="맑은 고딕" panose="020B0503020000020004" pitchFamily="50" charset="-127"/>
+              <a:ea typeface="맑은 고딕" panose="020B0503020000020004" pitchFamily="50" charset="-127"/>
+              <a:cs typeface="+mn-cs"/>
+            </a:endParaRPr>
+          </a:p>
+        </p:txBody>
+      </p:sp>
+      <p:pic>
+        <p:nvPicPr>
+          <p:cNvPr id="6" name="그림 5">
+            <a:extLst>
+              <a:ext uri="{FF2B5EF4-FFF2-40B4-BE49-F238E27FC236}">
+                <a16:creationId xmlns:a16="http://schemas.microsoft.com/office/drawing/2014/main" id="{D196F1FE-D5B0-2116-AF26-E3A394BEDE23}"/>
+              </a:ext>
+            </a:extLst>
+          </p:cNvPr>
+          <p:cNvPicPr>
+            <a:picLocks noChangeAspect="1"/>
+          </p:cNvPicPr>
+          <p:nvPr/>
+        </p:nvPicPr>
+        <p:blipFill>
+          <a:blip r:embed="rId2"/>
+          <a:stretch>
+            <a:fillRect/>
+          </a:stretch>
+        </p:blipFill>
+        <p:spPr>
+          <a:xfrm>
+            <a:off x="540162" y="1464907"/>
+            <a:ext cx="8063676" cy="4880646"/>
+          </a:xfrm>
+          <a:prstGeom prst="rect">
+            <a:avLst/>
+          </a:prstGeom>
+        </p:spPr>
+      </p:pic>
+    </p:spTree>
+    <p:extLst>
+      <p:ext uri="{BB962C8B-B14F-4D97-AF65-F5344CB8AC3E}">
+        <p14:creationId xmlns:p14="http://schemas.microsoft.com/office/powerpoint/2010/main" val="3969666549"/>
+      </p:ext>
+    </p:extLst>
+  </p:cSld>
+  <p:clrMapOvr>
+    <a:masterClrMapping/>
+  </p:clrMapOvr>
 </p:sld>
 </file>
 
@@ -13180,7 +16013,7 @@
         <p:spPr>
           <a:xfrm>
             <a:off x="90663" y="2710790"/>
-            <a:ext cx="2099571" cy="2862322"/>
+            <a:ext cx="2099571" cy="3046988"/>
           </a:xfrm>
           <a:prstGeom prst="rect">
             <a:avLst/>
@@ -13566,6 +16399,26 @@
                 <a:latin typeface="+mn-ea"/>
               </a:rPr>
               <a:t>api</a:t>
+            </a:r>
+            <a:endParaRPr lang="en-US" altLang="ko-KR" sz="1200" dirty="0">
+              <a:solidFill>
+                <a:srgbClr val="284B53"/>
+              </a:solidFill>
+              <a:latin typeface="+mn-ea"/>
+            </a:endParaRPr>
+          </a:p>
+          <a:p>
+            <a:pPr marL="228600" indent="-228600">
+              <a:buAutoNum type="arabicPeriod"/>
+            </a:pPr>
+            <a:r>
+              <a:rPr lang="ko-KR" altLang="en-US" sz="1200" dirty="0">
+                <a:solidFill>
+                  <a:srgbClr val="284B53"/>
+                </a:solidFill>
+                <a:latin typeface="+mn-ea"/>
+              </a:rPr>
+              <a:t>코드 전체 취합 및 연결</a:t>
             </a:r>
             <a:endParaRPr lang="en-US" altLang="ko-KR" sz="1200" dirty="0">
               <a:solidFill>
@@ -16283,6 +19136,239 @@
           <a:chExt cx="0" cy="0"/>
         </a:xfrm>
       </p:grpSpPr>
+      <p:pic>
+        <p:nvPicPr>
+          <p:cNvPr id="3" name="그림 2">
+            <a:extLst>
+              <a:ext uri="{FF2B5EF4-FFF2-40B4-BE49-F238E27FC236}">
+                <a16:creationId xmlns:a16="http://schemas.microsoft.com/office/drawing/2014/main" id="{0C73B4DC-80C3-9B79-3FEA-003C9F256F6B}"/>
+              </a:ext>
+            </a:extLst>
+          </p:cNvPr>
+          <p:cNvPicPr>
+            <a:picLocks noChangeAspect="1"/>
+          </p:cNvPicPr>
+          <p:nvPr/>
+        </p:nvPicPr>
+        <p:blipFill>
+          <a:blip r:embed="rId2"/>
+          <a:stretch>
+            <a:fillRect/>
+          </a:stretch>
+        </p:blipFill>
+        <p:spPr>
+          <a:xfrm>
+            <a:off x="258618" y="1235424"/>
+            <a:ext cx="2128969" cy="5437849"/>
+          </a:xfrm>
+          <a:prstGeom prst="rect">
+            <a:avLst/>
+          </a:prstGeom>
+        </p:spPr>
+      </p:pic>
+      <p:sp>
+        <p:nvSpPr>
+          <p:cNvPr id="4" name="사각형: 둥근 모서리 19">
+            <a:extLst>
+              <a:ext uri="{FF2B5EF4-FFF2-40B4-BE49-F238E27FC236}">
+                <a16:creationId xmlns:a16="http://schemas.microsoft.com/office/drawing/2014/main" id="{5E3BB9B9-B477-07C8-F27B-DCE09D5321FE}"/>
+              </a:ext>
+            </a:extLst>
+          </p:cNvPr>
+          <p:cNvSpPr/>
+          <p:nvPr/>
+        </p:nvSpPr>
+        <p:spPr>
+          <a:xfrm>
+            <a:off x="258618" y="184727"/>
+            <a:ext cx="8626764" cy="914400"/>
+          </a:xfrm>
+          <a:prstGeom prst="roundRect">
+            <a:avLst/>
+          </a:prstGeom>
+          <a:solidFill>
+            <a:srgbClr val="284B53"/>
+          </a:solidFill>
+          <a:ln>
+            <a:noFill/>
+          </a:ln>
+        </p:spPr>
+        <p:style>
+          <a:lnRef idx="2">
+            <a:schemeClr val="accent1">
+              <a:shade val="15000"/>
+            </a:schemeClr>
+          </a:lnRef>
+          <a:fillRef idx="1">
+            <a:schemeClr val="accent1"/>
+          </a:fillRef>
+          <a:effectRef idx="0">
+            <a:schemeClr val="accent1"/>
+          </a:effectRef>
+          <a:fontRef idx="minor">
+            <a:schemeClr val="lt1"/>
+          </a:fontRef>
+        </p:style>
+        <p:txBody>
+          <a:bodyPr rtlCol="0" anchor="ctr"/>
+          <a:lstStyle/>
+          <a:p>
+            <a:pPr algn="ctr"/>
+            <a:r>
+              <a:rPr lang="ko-KR" altLang="en-US" sz="3200" dirty="0">
+                <a:solidFill>
+                  <a:srgbClr val="FFF7EA"/>
+                </a:solidFill>
+                <a:latin typeface="+mj-ea"/>
+                <a:ea typeface="+mj-ea"/>
+              </a:rPr>
+              <a:t>프로젝트 구조</a:t>
+            </a:r>
+          </a:p>
+        </p:txBody>
+      </p:sp>
+      <p:sp>
+        <p:nvSpPr>
+          <p:cNvPr id="5" name="TextBox 4">
+            <a:extLst>
+              <a:ext uri="{FF2B5EF4-FFF2-40B4-BE49-F238E27FC236}">
+                <a16:creationId xmlns:a16="http://schemas.microsoft.com/office/drawing/2014/main" id="{9115B0D0-2ACD-C9D4-B3EF-AECEC460334A}"/>
+              </a:ext>
+            </a:extLst>
+          </p:cNvPr>
+          <p:cNvSpPr txBox="1"/>
+          <p:nvPr/>
+        </p:nvSpPr>
+        <p:spPr>
+          <a:xfrm>
+            <a:off x="2704828" y="2674947"/>
+            <a:ext cx="6056617" cy="1508105"/>
+          </a:xfrm>
+          <a:prstGeom prst="rect">
+            <a:avLst/>
+          </a:prstGeom>
+          <a:noFill/>
+        </p:spPr>
+        <p:txBody>
+          <a:bodyPr wrap="square" rtlCol="0">
+            <a:spAutoFit/>
+          </a:bodyPr>
+          <a:lstStyle/>
+          <a:p>
+            <a:r>
+              <a:rPr lang="en-US" altLang="ko-KR" sz="2000" b="1" dirty="0">
+                <a:solidFill>
+                  <a:srgbClr val="284B53"/>
+                </a:solidFill>
+                <a:latin typeface="+mn-ea"/>
+              </a:rPr>
+              <a:t>MVC Pattern</a:t>
+            </a:r>
+            <a:r>
+              <a:rPr lang="ko-KR" altLang="en-US" sz="2000" b="1" dirty="0">
+                <a:solidFill>
+                  <a:srgbClr val="284B53"/>
+                </a:solidFill>
+                <a:latin typeface="+mn-ea"/>
+              </a:rPr>
+              <a:t>을 이용한 프로젝트 구조</a:t>
+            </a:r>
+            <a:endParaRPr lang="en-US" altLang="ko-KR" sz="2000" b="1" dirty="0">
+              <a:solidFill>
+                <a:srgbClr val="284B53"/>
+              </a:solidFill>
+              <a:latin typeface="+mn-ea"/>
+            </a:endParaRPr>
+          </a:p>
+          <a:p>
+            <a:endParaRPr lang="en-US" altLang="ko-KR" sz="1200" dirty="0">
+              <a:solidFill>
+                <a:srgbClr val="284B53"/>
+              </a:solidFill>
+              <a:latin typeface="+mn-ea"/>
+            </a:endParaRPr>
+          </a:p>
+          <a:p>
+            <a:r>
+              <a:rPr lang="en-US" altLang="ko-KR" sz="1200" dirty="0">
+                <a:solidFill>
+                  <a:srgbClr val="284B53"/>
+                </a:solidFill>
+                <a:latin typeface="+mn-ea"/>
+              </a:rPr>
+              <a:t>- Model</a:t>
+            </a:r>
+          </a:p>
+          <a:p>
+            <a:endParaRPr lang="en-US" altLang="ko-KR" sz="1200" dirty="0">
+              <a:solidFill>
+                <a:srgbClr val="284B53"/>
+              </a:solidFill>
+              <a:latin typeface="+mn-ea"/>
+            </a:endParaRPr>
+          </a:p>
+          <a:p>
+            <a:r>
+              <a:rPr lang="en-US" altLang="ko-KR" sz="1200" dirty="0">
+                <a:solidFill>
+                  <a:srgbClr val="284B53"/>
+                </a:solidFill>
+                <a:latin typeface="+mn-ea"/>
+              </a:rPr>
+              <a:t>- View</a:t>
+            </a:r>
+          </a:p>
+          <a:p>
+            <a:endParaRPr lang="en-US" altLang="ko-KR" sz="1200" dirty="0">
+              <a:solidFill>
+                <a:srgbClr val="284B53"/>
+              </a:solidFill>
+              <a:latin typeface="+mn-ea"/>
+            </a:endParaRPr>
+          </a:p>
+          <a:p>
+            <a:r>
+              <a:rPr lang="en-US" altLang="ko-KR" sz="1200" dirty="0">
+                <a:solidFill>
+                  <a:srgbClr val="284B53"/>
+                </a:solidFill>
+                <a:latin typeface="+mn-ea"/>
+              </a:rPr>
+              <a:t>- Controller</a:t>
+            </a:r>
+          </a:p>
+        </p:txBody>
+      </p:sp>
+    </p:spTree>
+    <p:extLst>
+      <p:ext uri="{BB962C8B-B14F-4D97-AF65-F5344CB8AC3E}">
+        <p14:creationId xmlns:p14="http://schemas.microsoft.com/office/powerpoint/2010/main" val="3680738759"/>
+      </p:ext>
+    </p:extLst>
+  </p:cSld>
+  <p:clrMapOvr>
+    <a:masterClrMapping/>
+  </p:clrMapOvr>
+</p:sld>
+</file>
+
+<file path=ppt/slides/slide8.xml><?xml version="1.0" encoding="utf-8"?>
+<p:sld xmlns:a="http://schemas.openxmlformats.org/drawingml/2006/main" xmlns:r="http://schemas.openxmlformats.org/officeDocument/2006/relationships" xmlns:p="http://schemas.openxmlformats.org/presentationml/2006/main">
+  <p:cSld>
+    <p:spTree>
+      <p:nvGrpSpPr>
+        <p:cNvPr id="1" name=""/>
+        <p:cNvGrpSpPr/>
+        <p:nvPr/>
+      </p:nvGrpSpPr>
+      <p:grpSpPr>
+        <a:xfrm>
+          <a:off x="0" y="0"/>
+          <a:ext cx="0" cy="0"/>
+          <a:chOff x="0" y="0"/>
+          <a:chExt cx="0" cy="0"/>
+        </a:xfrm>
+      </p:grpSpPr>
       <p:sp>
         <p:nvSpPr>
           <p:cNvPr id="20" name="사각형: 둥근 모서리 19">
@@ -18639,7 +21725,7 @@
 </p:sld>
 </file>
 
-<file path=ppt/slides/slide8.xml><?xml version="1.0" encoding="utf-8"?>
+<file path=ppt/slides/slide9.xml><?xml version="1.0" encoding="utf-8"?>
 <p:sld xmlns:a="http://schemas.openxmlformats.org/drawingml/2006/main" xmlns:r="http://schemas.openxmlformats.org/officeDocument/2006/relationships" xmlns:p="http://schemas.openxmlformats.org/presentationml/2006/main">
   <p:cSld>
     <p:spTree>
@@ -18673,7 +21759,7 @@
         </p:nvCxnSpPr>
         <p:spPr>
           <a:xfrm>
-            <a:off x="1628" y="2250450"/>
+            <a:off x="1626" y="2847060"/>
             <a:ext cx="372788" cy="0"/>
           </a:xfrm>
           <a:prstGeom prst="straightConnector1">
@@ -18718,7 +21804,7 @@
         </p:nvCxnSpPr>
         <p:spPr>
           <a:xfrm>
-            <a:off x="1628" y="4110761"/>
+            <a:off x="1628" y="4850915"/>
             <a:ext cx="372788" cy="0"/>
           </a:xfrm>
           <a:prstGeom prst="straightConnector1">
@@ -18760,7 +21846,7 @@
         </p:nvSpPr>
         <p:spPr>
           <a:xfrm>
-            <a:off x="374416" y="2089965"/>
+            <a:off x="374414" y="2686575"/>
             <a:ext cx="1069896" cy="320970"/>
           </a:xfrm>
           <a:prstGeom prst="rect">
@@ -18812,7 +21898,7 @@
         </p:nvSpPr>
         <p:spPr>
           <a:xfrm>
-            <a:off x="374416" y="3950276"/>
+            <a:off x="374416" y="4690430"/>
             <a:ext cx="1069896" cy="320970"/>
           </a:xfrm>
           <a:prstGeom prst="rect">
@@ -18864,7 +21950,7 @@
         </p:nvSpPr>
         <p:spPr>
           <a:xfrm>
-            <a:off x="2000915" y="2007085"/>
+            <a:off x="2000913" y="2603695"/>
             <a:ext cx="1069896" cy="486730"/>
           </a:xfrm>
           <a:prstGeom prst="rect">
@@ -18920,7 +22006,7 @@
         </p:nvSpPr>
         <p:spPr>
           <a:xfrm>
-            <a:off x="2000912" y="3260848"/>
+            <a:off x="2000912" y="4001002"/>
             <a:ext cx="1069896" cy="486730"/>
           </a:xfrm>
           <a:prstGeom prst="rect">
@@ -18976,7 +22062,7 @@
         </p:nvSpPr>
         <p:spPr>
           <a:xfrm>
-            <a:off x="2000912" y="3867396"/>
+            <a:off x="2000912" y="4607550"/>
             <a:ext cx="1069896" cy="486730"/>
           </a:xfrm>
           <a:prstGeom prst="rect">
@@ -19031,7 +22117,7 @@
         </p:nvSpPr>
         <p:spPr>
           <a:xfrm>
-            <a:off x="3433475" y="2089965"/>
+            <a:off x="3433473" y="2686575"/>
             <a:ext cx="864205" cy="320970"/>
           </a:xfrm>
           <a:prstGeom prst="rect">
@@ -19086,7 +22172,7 @@
         </p:nvSpPr>
         <p:spPr>
           <a:xfrm>
-            <a:off x="3433473" y="3950276"/>
+            <a:off x="3433473" y="4690430"/>
             <a:ext cx="864205" cy="320970"/>
           </a:xfrm>
           <a:prstGeom prst="rect">
@@ -19141,7 +22227,7 @@
         </p:nvSpPr>
         <p:spPr>
           <a:xfrm>
-            <a:off x="8122520" y="3647002"/>
+            <a:off x="8122520" y="4387156"/>
             <a:ext cx="864205" cy="320970"/>
           </a:xfrm>
           <a:prstGeom prst="rect">
@@ -19198,7 +22284,7 @@
         </p:nvSpPr>
         <p:spPr>
           <a:xfrm>
-            <a:off x="8122519" y="4165323"/>
+            <a:off x="8122519" y="4905477"/>
             <a:ext cx="864205" cy="320970"/>
           </a:xfrm>
           <a:prstGeom prst="rect">
@@ -19244,10 +22330,10 @@
       </p:sp>
       <p:sp>
         <p:nvSpPr>
-          <p:cNvPr id="16" name="직사각형 15">
-            <a:extLst>
-              <a:ext uri="{FF2B5EF4-FFF2-40B4-BE49-F238E27FC236}">
-                <a16:creationId xmlns:a16="http://schemas.microsoft.com/office/drawing/2014/main" id="{22DC29F8-9175-8433-3E05-63CE09CD084D}"/>
+          <p:cNvPr id="18" name="타원 17">
+            <a:extLst>
+              <a:ext uri="{FF2B5EF4-FFF2-40B4-BE49-F238E27FC236}">
+                <a16:creationId xmlns:a16="http://schemas.microsoft.com/office/drawing/2014/main" id="{69EC51B8-6F14-66E8-EF7D-4746CD9B1025}"/>
               </a:ext>
             </a:extLst>
           </p:cNvPr>
@@ -19256,14 +22342,14 @@
         </p:nvSpPr>
         <p:spPr>
           <a:xfrm>
-            <a:off x="2000913" y="4913162"/>
-            <a:ext cx="1069896" cy="633274"/>
-          </a:xfrm>
-          <a:prstGeom prst="rect">
+            <a:off x="4756644" y="4595781"/>
+            <a:ext cx="864205" cy="509030"/>
+          </a:xfrm>
+          <a:prstGeom prst="ellipse">
             <a:avLst/>
           </a:prstGeom>
           <a:solidFill>
-            <a:schemeClr val="accent2"/>
+            <a:schemeClr val="accent6"/>
           </a:solidFill>
           <a:ln>
             <a:noFill/>
@@ -19292,24 +22378,17 @@
             <a:pPr algn="ctr"/>
             <a:r>
               <a:rPr lang="ko-KR" altLang="en-US" sz="1200" dirty="0"/>
-              <a:t>상품별 예약현황</a:t>
-            </a:r>
-            <a:br>
-              <a:rPr lang="en-US" altLang="ko-KR" sz="1200" dirty="0"/>
-            </a:br>
-            <a:r>
-              <a:rPr lang="ko-KR" altLang="en-US" sz="1200" dirty="0"/>
-              <a:t>보기</a:t>
-            </a:r>
-          </a:p>
-        </p:txBody>
-      </p:sp>
-      <p:sp>
-        <p:nvSpPr>
-          <p:cNvPr id="18" name="타원 17">
-            <a:extLst>
-              <a:ext uri="{FF2B5EF4-FFF2-40B4-BE49-F238E27FC236}">
-                <a16:creationId xmlns:a16="http://schemas.microsoft.com/office/drawing/2014/main" id="{69EC51B8-6F14-66E8-EF7D-4746CD9B1025}"/>
+              <a:t>날짜 선택</a:t>
+            </a:r>
+          </a:p>
+        </p:txBody>
+      </p:sp>
+      <p:sp>
+        <p:nvSpPr>
+          <p:cNvPr id="21" name="타원 20">
+            <a:extLst>
+              <a:ext uri="{FF2B5EF4-FFF2-40B4-BE49-F238E27FC236}">
+                <a16:creationId xmlns:a16="http://schemas.microsoft.com/office/drawing/2014/main" id="{53F4558A-CFC8-932F-AB3C-E89CDA6E0389}"/>
               </a:ext>
             </a:extLst>
           </p:cNvPr>
@@ -19318,7 +22397,7 @@
         </p:nvSpPr>
         <p:spPr>
           <a:xfrm>
-            <a:off x="4756644" y="3855627"/>
+            <a:off x="4751782" y="2592545"/>
             <a:ext cx="864205" cy="509030"/>
           </a:xfrm>
           <a:prstGeom prst="ellipse">
@@ -19361,10 +22440,10 @@
       </p:sp>
       <p:sp>
         <p:nvSpPr>
-          <p:cNvPr id="19" name="직사각형 18">
-            <a:extLst>
-              <a:ext uri="{FF2B5EF4-FFF2-40B4-BE49-F238E27FC236}">
-                <a16:creationId xmlns:a16="http://schemas.microsoft.com/office/drawing/2014/main" id="{0C88759F-BA7B-DB0C-7B95-1C343793715E}"/>
+          <p:cNvPr id="22" name="순서도: 판단 21">
+            <a:extLst>
+              <a:ext uri="{FF2B5EF4-FFF2-40B4-BE49-F238E27FC236}">
+                <a16:creationId xmlns:a16="http://schemas.microsoft.com/office/drawing/2014/main" id="{7C6123B2-202E-D024-4AAB-0BFF345BF992}"/>
               </a:ext>
             </a:extLst>
           </p:cNvPr>
@@ -19373,14 +22452,16 @@
         </p:nvSpPr>
         <p:spPr>
           <a:xfrm>
-            <a:off x="3433474" y="5069510"/>
-            <a:ext cx="864205" cy="320970"/>
-          </a:xfrm>
-          <a:prstGeom prst="rect">
+            <a:off x="6257857" y="4500531"/>
+            <a:ext cx="1095108" cy="695040"/>
+          </a:xfrm>
+          <a:prstGeom prst="flowChartDecision">
             <a:avLst/>
           </a:prstGeom>
           <a:solidFill>
-            <a:schemeClr val="accent2"/>
+            <a:schemeClr val="accent2">
+              <a:lumMod val="75000"/>
+            </a:schemeClr>
           </a:solidFill>
           <a:ln>
             <a:noFill/>
@@ -19408,18 +22489,18 @@
           <a:p>
             <a:pPr algn="ctr"/>
             <a:r>
-              <a:rPr lang="ko-KR" altLang="en-US" sz="1200" dirty="0"/>
-              <a:t>상품 선택</a:t>
-            </a:r>
-          </a:p>
-        </p:txBody>
-      </p:sp>
-      <p:sp>
-        <p:nvSpPr>
-          <p:cNvPr id="21" name="타원 20">
-            <a:extLst>
-              <a:ext uri="{FF2B5EF4-FFF2-40B4-BE49-F238E27FC236}">
-                <a16:creationId xmlns:a16="http://schemas.microsoft.com/office/drawing/2014/main" id="{53F4558A-CFC8-932F-AB3C-E89CDA6E0389}"/>
+              <a:rPr lang="ko-KR" altLang="en-US" sz="1400" dirty="0"/>
+              <a:t>재고 관리</a:t>
+            </a:r>
+          </a:p>
+        </p:txBody>
+      </p:sp>
+      <p:sp>
+        <p:nvSpPr>
+          <p:cNvPr id="24" name="직사각형 23">
+            <a:extLst>
+              <a:ext uri="{FF2B5EF4-FFF2-40B4-BE49-F238E27FC236}">
+                <a16:creationId xmlns:a16="http://schemas.microsoft.com/office/drawing/2014/main" id="{9F4008D0-3FD9-2C34-C58B-78397F55D8BE}"/>
               </a:ext>
             </a:extLst>
           </p:cNvPr>
@@ -19428,14 +22509,14 @@
         </p:nvSpPr>
         <p:spPr>
           <a:xfrm>
-            <a:off x="4751784" y="1995935"/>
-            <a:ext cx="864205" cy="509030"/>
-          </a:xfrm>
-          <a:prstGeom prst="ellipse">
+            <a:off x="6227064" y="2530423"/>
+            <a:ext cx="1069896" cy="633274"/>
+          </a:xfrm>
+          <a:prstGeom prst="rect">
             <a:avLst/>
           </a:prstGeom>
           <a:solidFill>
-            <a:schemeClr val="accent6"/>
+            <a:srgbClr val="7030A0"/>
           </a:solidFill>
           <a:ln>
             <a:noFill/>
@@ -19464,173 +22545,6 @@
             <a:pPr algn="ctr"/>
             <a:r>
               <a:rPr lang="ko-KR" altLang="en-US" sz="1200" dirty="0"/>
-              <a:t>날짜 선택</a:t>
-            </a:r>
-          </a:p>
-        </p:txBody>
-      </p:sp>
-      <p:sp>
-        <p:nvSpPr>
-          <p:cNvPr id="22" name="순서도: 판단 21">
-            <a:extLst>
-              <a:ext uri="{FF2B5EF4-FFF2-40B4-BE49-F238E27FC236}">
-                <a16:creationId xmlns:a16="http://schemas.microsoft.com/office/drawing/2014/main" id="{7C6123B2-202E-D024-4AAB-0BFF345BF992}"/>
-              </a:ext>
-            </a:extLst>
-          </p:cNvPr>
-          <p:cNvSpPr/>
-          <p:nvPr/>
-        </p:nvSpPr>
-        <p:spPr>
-          <a:xfrm>
-            <a:off x="6257857" y="3760377"/>
-            <a:ext cx="1095108" cy="695040"/>
-          </a:xfrm>
-          <a:prstGeom prst="flowChartDecision">
-            <a:avLst/>
-          </a:prstGeom>
-          <a:solidFill>
-            <a:schemeClr val="accent2">
-              <a:lumMod val="75000"/>
-            </a:schemeClr>
-          </a:solidFill>
-          <a:ln>
-            <a:noFill/>
-          </a:ln>
-        </p:spPr>
-        <p:style>
-          <a:lnRef idx="2">
-            <a:schemeClr val="accent1">
-              <a:shade val="15000"/>
-            </a:schemeClr>
-          </a:lnRef>
-          <a:fillRef idx="1">
-            <a:schemeClr val="accent1"/>
-          </a:fillRef>
-          <a:effectRef idx="0">
-            <a:schemeClr val="accent1"/>
-          </a:effectRef>
-          <a:fontRef idx="minor">
-            <a:schemeClr val="lt1"/>
-          </a:fontRef>
-        </p:style>
-        <p:txBody>
-          <a:bodyPr rtlCol="0" anchor="ctr"/>
-          <a:lstStyle/>
-          <a:p>
-            <a:pPr algn="ctr"/>
-            <a:r>
-              <a:rPr lang="ko-KR" altLang="en-US" sz="1400" dirty="0"/>
-              <a:t>재고 관리</a:t>
-            </a:r>
-          </a:p>
-        </p:txBody>
-      </p:sp>
-      <p:sp>
-        <p:nvSpPr>
-          <p:cNvPr id="23" name="직사각형 22">
-            <a:extLst>
-              <a:ext uri="{FF2B5EF4-FFF2-40B4-BE49-F238E27FC236}">
-                <a16:creationId xmlns:a16="http://schemas.microsoft.com/office/drawing/2014/main" id="{7950ADDB-C29A-7C1A-AC74-F896AEF9EF67}"/>
-              </a:ext>
-            </a:extLst>
-          </p:cNvPr>
-          <p:cNvSpPr/>
-          <p:nvPr/>
-        </p:nvSpPr>
-        <p:spPr>
-          <a:xfrm>
-            <a:off x="4751784" y="4913162"/>
-            <a:ext cx="1069896" cy="633274"/>
-          </a:xfrm>
-          <a:prstGeom prst="rect">
-            <a:avLst/>
-          </a:prstGeom>
-          <a:solidFill>
-            <a:srgbClr val="7030A0"/>
-          </a:solidFill>
-          <a:ln>
-            <a:noFill/>
-          </a:ln>
-        </p:spPr>
-        <p:style>
-          <a:lnRef idx="2">
-            <a:schemeClr val="accent1">
-              <a:shade val="15000"/>
-            </a:schemeClr>
-          </a:lnRef>
-          <a:fillRef idx="1">
-            <a:schemeClr val="accent1"/>
-          </a:fillRef>
-          <a:effectRef idx="0">
-            <a:schemeClr val="accent1"/>
-          </a:effectRef>
-          <a:fontRef idx="minor">
-            <a:schemeClr val="lt1"/>
-          </a:fontRef>
-        </p:style>
-        <p:txBody>
-          <a:bodyPr rtlCol="0" anchor="ctr"/>
-          <a:lstStyle/>
-          <a:p>
-            <a:pPr algn="ctr"/>
-            <a:r>
-              <a:rPr lang="ko-KR" altLang="en-US" sz="1200" dirty="0"/>
-              <a:t>상품 예약 현황 조회</a:t>
-            </a:r>
-          </a:p>
-        </p:txBody>
-      </p:sp>
-      <p:sp>
-        <p:nvSpPr>
-          <p:cNvPr id="24" name="직사각형 23">
-            <a:extLst>
-              <a:ext uri="{FF2B5EF4-FFF2-40B4-BE49-F238E27FC236}">
-                <a16:creationId xmlns:a16="http://schemas.microsoft.com/office/drawing/2014/main" id="{9F4008D0-3FD9-2C34-C58B-78397F55D8BE}"/>
-              </a:ext>
-            </a:extLst>
-          </p:cNvPr>
-          <p:cNvSpPr/>
-          <p:nvPr/>
-        </p:nvSpPr>
-        <p:spPr>
-          <a:xfrm>
-            <a:off x="6227066" y="1933813"/>
-            <a:ext cx="1069896" cy="633274"/>
-          </a:xfrm>
-          <a:prstGeom prst="rect">
-            <a:avLst/>
-          </a:prstGeom>
-          <a:solidFill>
-            <a:srgbClr val="7030A0"/>
-          </a:solidFill>
-          <a:ln>
-            <a:noFill/>
-          </a:ln>
-        </p:spPr>
-        <p:style>
-          <a:lnRef idx="2">
-            <a:schemeClr val="accent1">
-              <a:shade val="15000"/>
-            </a:schemeClr>
-          </a:lnRef>
-          <a:fillRef idx="1">
-            <a:schemeClr val="accent1"/>
-          </a:fillRef>
-          <a:effectRef idx="0">
-            <a:schemeClr val="accent1"/>
-          </a:effectRef>
-          <a:fontRef idx="minor">
-            <a:schemeClr val="lt1"/>
-          </a:fontRef>
-        </p:style>
-        <p:txBody>
-          <a:bodyPr rtlCol="0" anchor="ctr"/>
-          <a:lstStyle/>
-          <a:p>
-            <a:pPr algn="ctr"/>
-            <a:r>
-              <a:rPr lang="ko-KR" altLang="en-US" sz="1200" dirty="0"/>
               <a:t>상품 예약</a:t>
             </a:r>
           </a:p>
@@ -19654,7 +22568,7 @@
         </p:nvCxnSpPr>
         <p:spPr>
           <a:xfrm>
-            <a:off x="1444312" y="2250450"/>
+            <a:off x="1444310" y="2847060"/>
             <a:ext cx="556603" cy="0"/>
           </a:xfrm>
           <a:prstGeom prst="straightConnector1">
@@ -19700,7 +22614,7 @@
         </p:nvCxnSpPr>
         <p:spPr>
           <a:xfrm>
-            <a:off x="3070811" y="2250450"/>
+            <a:off x="3070809" y="2847060"/>
             <a:ext cx="362664" cy="0"/>
           </a:xfrm>
           <a:prstGeom prst="straightConnector1">
@@ -19746,7 +22660,7 @@
         </p:nvCxnSpPr>
         <p:spPr>
           <a:xfrm>
-            <a:off x="4297680" y="2250450"/>
+            <a:off x="4297678" y="2847060"/>
             <a:ext cx="454104" cy="0"/>
           </a:xfrm>
           <a:prstGeom prst="straightConnector1">
@@ -19792,7 +22706,7 @@
         </p:nvCxnSpPr>
         <p:spPr>
           <a:xfrm>
-            <a:off x="5615989" y="2250450"/>
+            <a:off x="5615987" y="2847060"/>
             <a:ext cx="611077" cy="0"/>
           </a:xfrm>
           <a:prstGeom prst="straightConnector1">
@@ -19837,100 +22751,8 @@
         </p:nvCxnSpPr>
         <p:spPr>
           <a:xfrm>
-            <a:off x="1680580" y="3504212"/>
+            <a:off x="1680580" y="4244366"/>
             <a:ext cx="320332" cy="1"/>
-          </a:xfrm>
-          <a:prstGeom prst="straightConnector1">
-            <a:avLst/>
-          </a:prstGeom>
-          <a:ln>
-            <a:solidFill>
-              <a:srgbClr val="284B53"/>
-            </a:solidFill>
-            <a:tailEnd type="triangle"/>
-          </a:ln>
-        </p:spPr>
-        <p:style>
-          <a:lnRef idx="1">
-            <a:schemeClr val="accent1"/>
-          </a:lnRef>
-          <a:fillRef idx="0">
-            <a:schemeClr val="accent1"/>
-          </a:fillRef>
-          <a:effectRef idx="0">
-            <a:schemeClr val="accent1"/>
-          </a:effectRef>
-          <a:fontRef idx="minor">
-            <a:schemeClr val="tx1"/>
-          </a:fontRef>
-        </p:style>
-      </p:cxnSp>
-      <p:cxnSp>
-        <p:nvCxnSpPr>
-          <p:cNvPr id="52" name="직선 화살표 연결선 51">
-            <a:extLst>
-              <a:ext uri="{FF2B5EF4-FFF2-40B4-BE49-F238E27FC236}">
-                <a16:creationId xmlns:a16="http://schemas.microsoft.com/office/drawing/2014/main" id="{FD9053F4-4499-0258-37DF-CBC2A354B343}"/>
-              </a:ext>
-            </a:extLst>
-          </p:cNvPr>
-          <p:cNvCxnSpPr>
-            <a:cxnSpLocks/>
-            <a:stCxn id="16" idx="3"/>
-            <a:endCxn id="19" idx="1"/>
-          </p:cNvCxnSpPr>
-          <p:nvPr/>
-        </p:nvCxnSpPr>
-        <p:spPr>
-          <a:xfrm>
-            <a:off x="3070809" y="5229799"/>
-            <a:ext cx="362665" cy="196"/>
-          </a:xfrm>
-          <a:prstGeom prst="straightConnector1">
-            <a:avLst/>
-          </a:prstGeom>
-          <a:ln>
-            <a:solidFill>
-              <a:srgbClr val="284B53"/>
-            </a:solidFill>
-            <a:tailEnd type="triangle"/>
-          </a:ln>
-        </p:spPr>
-        <p:style>
-          <a:lnRef idx="1">
-            <a:schemeClr val="accent1"/>
-          </a:lnRef>
-          <a:fillRef idx="0">
-            <a:schemeClr val="accent1"/>
-          </a:fillRef>
-          <a:effectRef idx="0">
-            <a:schemeClr val="accent1"/>
-          </a:effectRef>
-          <a:fontRef idx="minor">
-            <a:schemeClr val="tx1"/>
-          </a:fontRef>
-        </p:style>
-      </p:cxnSp>
-      <p:cxnSp>
-        <p:nvCxnSpPr>
-          <p:cNvPr id="55" name="직선 화살표 연결선 54">
-            <a:extLst>
-              <a:ext uri="{FF2B5EF4-FFF2-40B4-BE49-F238E27FC236}">
-                <a16:creationId xmlns:a16="http://schemas.microsoft.com/office/drawing/2014/main" id="{A6DE8DC4-EE28-F4D8-F210-48B7AB2F6F56}"/>
-              </a:ext>
-            </a:extLst>
-          </p:cNvPr>
-          <p:cNvCxnSpPr>
-            <a:cxnSpLocks/>
-            <a:stCxn id="19" idx="3"/>
-            <a:endCxn id="23" idx="1"/>
-          </p:cNvCxnSpPr>
-          <p:nvPr/>
-        </p:nvCxnSpPr>
-        <p:spPr>
-          <a:xfrm flipV="1">
-            <a:off x="4297679" y="5229799"/>
-            <a:ext cx="454105" cy="196"/>
           </a:xfrm>
           <a:prstGeom prst="straightConnector1">
             <a:avLst/>
@@ -19975,7 +22797,7 @@
         </p:nvCxnSpPr>
         <p:spPr>
           <a:xfrm flipV="1">
-            <a:off x="4297678" y="4110142"/>
+            <a:off x="4297678" y="4850296"/>
             <a:ext cx="458966" cy="619"/>
           </a:xfrm>
           <a:prstGeom prst="straightConnector1">
@@ -20021,7 +22843,7 @@
         </p:nvCxnSpPr>
         <p:spPr>
           <a:xfrm>
-            <a:off x="3070808" y="4110761"/>
+            <a:off x="3070808" y="4850915"/>
             <a:ext cx="362665" cy="0"/>
           </a:xfrm>
           <a:prstGeom prst="straightConnector1">
@@ -20067,7 +22889,7 @@
         </p:nvCxnSpPr>
         <p:spPr>
           <a:xfrm flipV="1">
-            <a:off x="5620849" y="4107897"/>
+            <a:off x="5620849" y="4848051"/>
             <a:ext cx="637008" cy="2245"/>
           </a:xfrm>
           <a:prstGeom prst="straightConnector1">
@@ -20112,7 +22934,7 @@
         </p:nvCxnSpPr>
         <p:spPr>
           <a:xfrm>
-            <a:off x="7806661" y="3807487"/>
+            <a:off x="7806661" y="4547641"/>
             <a:ext cx="315859" cy="0"/>
           </a:xfrm>
           <a:prstGeom prst="straightConnector1">
@@ -20157,7 +22979,7 @@
         </p:nvCxnSpPr>
         <p:spPr>
           <a:xfrm>
-            <a:off x="7806661" y="4325807"/>
+            <a:off x="7806661" y="5065961"/>
             <a:ext cx="315858" cy="1"/>
           </a:xfrm>
           <a:prstGeom prst="straightConnector1">
@@ -20201,7 +23023,7 @@
         </p:nvCxnSpPr>
         <p:spPr>
           <a:xfrm>
-            <a:off x="7806661" y="3807487"/>
+            <a:off x="7806661" y="4547641"/>
             <a:ext cx="0" cy="518320"/>
           </a:xfrm>
           <a:prstGeom prst="line">
@@ -20245,7 +23067,7 @@
         </p:nvCxnSpPr>
         <p:spPr>
           <a:xfrm>
-            <a:off x="7352965" y="4107897"/>
+            <a:off x="7352965" y="4848051"/>
             <a:ext cx="453696" cy="0"/>
           </a:xfrm>
           <a:prstGeom prst="straightConnector1">
@@ -20289,7 +23111,7 @@
         </p:nvCxnSpPr>
         <p:spPr>
           <a:xfrm>
-            <a:off x="1458567" y="4107896"/>
+            <a:off x="1458567" y="4848050"/>
             <a:ext cx="226487" cy="1"/>
           </a:xfrm>
           <a:prstGeom prst="straightConnector1">
@@ -20333,51 +23155,7 @@
         </p:nvCxnSpPr>
         <p:spPr>
           <a:xfrm>
-            <a:off x="1685054" y="4107896"/>
-            <a:ext cx="287346" cy="1"/>
-          </a:xfrm>
-          <a:prstGeom prst="straightConnector1">
-            <a:avLst/>
-          </a:prstGeom>
-          <a:ln>
-            <a:solidFill>
-              <a:srgbClr val="284B53"/>
-            </a:solidFill>
-            <a:tailEnd type="triangle"/>
-          </a:ln>
-        </p:spPr>
-        <p:style>
-          <a:lnRef idx="1">
-            <a:schemeClr val="accent1"/>
-          </a:lnRef>
-          <a:fillRef idx="0">
-            <a:schemeClr val="accent1"/>
-          </a:fillRef>
-          <a:effectRef idx="0">
-            <a:schemeClr val="accent1"/>
-          </a:effectRef>
-          <a:fontRef idx="minor">
-            <a:schemeClr val="tx1"/>
-          </a:fontRef>
-        </p:style>
-      </p:cxnSp>
-      <p:cxnSp>
-        <p:nvCxnSpPr>
-          <p:cNvPr id="110" name="직선 화살표 연결선 109">
-            <a:extLst>
-              <a:ext uri="{FF2B5EF4-FFF2-40B4-BE49-F238E27FC236}">
-                <a16:creationId xmlns:a16="http://schemas.microsoft.com/office/drawing/2014/main" id="{498C71AA-849D-1B0E-10AD-9A3DF650BFFE}"/>
-              </a:ext>
-            </a:extLst>
-          </p:cNvPr>
-          <p:cNvCxnSpPr>
-            <a:cxnSpLocks/>
-          </p:cNvCxnSpPr>
-          <p:nvPr/>
-        </p:nvCxnSpPr>
-        <p:spPr>
-          <a:xfrm>
-            <a:off x="1685054" y="5229799"/>
+            <a:off x="1685054" y="4848050"/>
             <a:ext cx="287346" cy="1"/>
           </a:xfrm>
           <a:prstGeom prst="straightConnector1">
@@ -20420,9 +23198,9 @@
           <p:nvPr/>
         </p:nvCxnSpPr>
         <p:spPr>
-          <a:xfrm>
-            <a:off x="1688592" y="3504212"/>
-            <a:ext cx="0" cy="1725587"/>
+          <a:xfrm flipH="1">
+            <a:off x="1680580" y="4244366"/>
+            <a:ext cx="8012" cy="603684"/>
           </a:xfrm>
           <a:prstGeom prst="line">
             <a:avLst/>
@@ -20519,169 +23297,6 @@
   <p:clrMapOvr>
     <a:masterClrMapping/>
   </p:clrMapOvr>
-</p:sld>
-</file>
-
-<file path=ppt/slides/slide9.xml><?xml version="1.0" encoding="utf-8"?>
-<p:sld xmlns:a="http://schemas.openxmlformats.org/drawingml/2006/main" xmlns:r="http://schemas.openxmlformats.org/officeDocument/2006/relationships" xmlns:p="http://schemas.openxmlformats.org/presentationml/2006/main">
-  <p:cSld>
-    <p:spTree>
-      <p:nvGrpSpPr>
-        <p:cNvPr id="1" name=""/>
-        <p:cNvGrpSpPr/>
-        <p:nvPr/>
-      </p:nvGrpSpPr>
-      <p:grpSpPr>
-        <a:xfrm>
-          <a:off x="0" y="0"/>
-          <a:ext cx="0" cy="0"/>
-          <a:chOff x="0" y="0"/>
-          <a:chExt cx="0" cy="0"/>
-        </a:xfrm>
-      </p:grpSpPr>
-      <p:sp>
-        <p:nvSpPr>
-          <p:cNvPr id="2" name="제목 1"/>
-          <p:cNvSpPr>
-            <a:spLocks noGrp="1"/>
-          </p:cNvSpPr>
-          <p:nvPr>
-            <p:ph type="title"/>
-          </p:nvPr>
-        </p:nvSpPr>
-        <p:spPr/>
-        <p:txBody>
-          <a:bodyPr/>
-          <a:lstStyle/>
-          <a:p>
-            <a:r>
-              <a:rPr lang="ko-KR" altLang="en-US" dirty="0"/>
-              <a:t>메인 화면</a:t>
-            </a:r>
-          </a:p>
-        </p:txBody>
-      </p:sp>
-      <p:sp>
-        <p:nvSpPr>
-          <p:cNvPr id="3" name="내용 개체 틀 2"/>
-          <p:cNvSpPr>
-            <a:spLocks noGrp="1"/>
-          </p:cNvSpPr>
-          <p:nvPr>
-            <p:ph idx="1"/>
-          </p:nvPr>
-        </p:nvSpPr>
-        <p:spPr/>
-        <p:txBody>
-          <a:bodyPr/>
-          <a:lstStyle/>
-          <a:p>
-            <a:r>
-              <a:rPr lang="ko-KR" altLang="en-US" dirty="0"/>
-              <a:t>메인 화면</a:t>
-            </a:r>
-            <a:r>
-              <a:rPr lang="en-US" altLang="ko-KR" dirty="0"/>
-              <a:t>, </a:t>
-            </a:r>
-            <a:r>
-              <a:rPr lang="ko-KR" altLang="en-US" dirty="0"/>
-              <a:t>회원가입과 로그인 중 선택 </a:t>
-            </a:r>
-          </a:p>
-        </p:txBody>
-      </p:sp>
-      <p:sp>
-        <p:nvSpPr>
-          <p:cNvPr id="4" name="내용 개체 틀 3"/>
-          <p:cNvSpPr>
-            <a:spLocks noGrp="1"/>
-          </p:cNvSpPr>
-          <p:nvPr>
-            <p:ph sz="half" idx="2"/>
-          </p:nvPr>
-        </p:nvSpPr>
-        <p:spPr/>
-        <p:txBody>
-          <a:bodyPr/>
-          <a:lstStyle/>
-          <a:p>
-            <a:r>
-              <a:rPr lang="en-US" altLang="ko-KR" dirty="0"/>
-              <a:t>- </a:t>
-            </a:r>
-            <a:r>
-              <a:rPr lang="ko-KR" altLang="en-US" dirty="0"/>
-              <a:t>메인 화면</a:t>
-            </a:r>
-            <a:br>
-              <a:rPr lang="en-US" altLang="ko-KR" dirty="0"/>
-            </a:br>
-            <a:r>
-              <a:rPr lang="en-US" altLang="ko-KR" dirty="0"/>
-              <a:t>1. </a:t>
-            </a:r>
-            <a:r>
-              <a:rPr lang="ko-KR" altLang="en-US" dirty="0"/>
-              <a:t>회원 가입 선택 화면으로 이동</a:t>
-            </a:r>
-            <a:endParaRPr lang="en-US" altLang="ko-KR" dirty="0"/>
-          </a:p>
-          <a:p>
-            <a:r>
-              <a:rPr lang="en-US" altLang="ko-KR" dirty="0"/>
-              <a:t>2. </a:t>
-            </a:r>
-            <a:r>
-              <a:rPr lang="ko-KR" altLang="en-US" dirty="0"/>
-              <a:t>로그인 선택 화면으로 이동</a:t>
-            </a:r>
-          </a:p>
-        </p:txBody>
-      </p:sp>
-      <p:pic>
-        <p:nvPicPr>
-          <p:cNvPr id="6" name="그림 5">
-            <a:extLst>
-              <a:ext uri="{FF2B5EF4-FFF2-40B4-BE49-F238E27FC236}">
-                <a16:creationId xmlns:a16="http://schemas.microsoft.com/office/drawing/2014/main" id="{EF0E4619-AEFB-B5A5-6872-939DF28E7E6A}"/>
-              </a:ext>
-            </a:extLst>
-          </p:cNvPr>
-          <p:cNvPicPr>
-            <a:picLocks noChangeAspect="1"/>
-          </p:cNvPicPr>
-          <p:nvPr/>
-        </p:nvPicPr>
-        <p:blipFill>
-          <a:blip r:embed="rId2"/>
-          <a:stretch>
-            <a:fillRect/>
-          </a:stretch>
-        </p:blipFill>
-        <p:spPr>
-          <a:xfrm>
-            <a:off x="323529" y="2200055"/>
-            <a:ext cx="6105264" cy="3158974"/>
-          </a:xfrm>
-          <a:prstGeom prst="rect">
-            <a:avLst/>
-          </a:prstGeom>
-        </p:spPr>
-      </p:pic>
-    </p:spTree>
-    <p:extLst>
-      <p:ext uri="{BB962C8B-B14F-4D97-AF65-F5344CB8AC3E}">
-        <p14:creationId xmlns:p14="http://schemas.microsoft.com/office/powerpoint/2010/main" val="1555301894"/>
-      </p:ext>
-    </p:extLst>
-  </p:cSld>
-  <p:clrMapOvr>
-    <a:masterClrMapping/>
-  </p:clrMapOvr>
-  <p:transition>
-    <p:fade thruBlk="1"/>
-  </p:transition>
 </p:sld>
 </file>
 
